--- a/NER model training.pptx
+++ b/NER model training.pptx
@@ -5,10 +5,10 @@
     <p:sldMasterId id="2147483677" r:id="rId4"/>
   </p:sldMasterIdLst>
   <p:notesMasterIdLst>
-    <p:notesMasterId r:id="rId11"/>
+    <p:notesMasterId r:id="rId12"/>
   </p:notesMasterIdLst>
   <p:handoutMasterIdLst>
-    <p:handoutMasterId r:id="rId12"/>
+    <p:handoutMasterId r:id="rId13"/>
   </p:handoutMasterIdLst>
   <p:sldIdLst>
     <p:sldId id="265" r:id="rId5"/>
@@ -16,12 +16,13 @@
     <p:sldId id="319" r:id="rId7"/>
     <p:sldId id="311" r:id="rId8"/>
     <p:sldId id="313" r:id="rId9"/>
-    <p:sldId id="320" r:id="rId10"/>
+    <p:sldId id="321" r:id="rId10"/>
+    <p:sldId id="320" r:id="rId11"/>
   </p:sldIdLst>
   <p:sldSz cx="12188825" cy="6858000"/>
   <p:notesSz cx="6858000" cy="9144000"/>
   <p:custDataLst>
-    <p:tags r:id="rId13"/>
+    <p:tags r:id="rId14"/>
   </p:custDataLst>
   <p:defaultTextStyle>
     <a:defPPr>
@@ -10928,7 +10929,7 @@
                     <a:p>
                       <a:pPr algn="l" rtl="0" fontAlgn="ctr"/>
                       <a:r>
-                        <a:rPr lang="en-IN" sz="1800" b="0" i="0" u="none" strike="noStrike">
+                        <a:rPr lang="en-IN" sz="1800" b="0" i="0" u="none" strike="noStrike" dirty="0">
                           <a:solidFill>
                             <a:srgbClr val="000000"/>
                           </a:solidFill>
@@ -13455,6 +13456,6497 @@
 </file>
 
 <file path=ppt/slides/slide6.xml><?xml version="1.0" encoding="utf-8"?>
+<p:sld xmlns:a="http://schemas.openxmlformats.org/drawingml/2006/main" xmlns:r="http://schemas.openxmlformats.org/officeDocument/2006/relationships" xmlns:p="http://schemas.openxmlformats.org/presentationml/2006/main">
+  <p:cSld>
+    <p:spTree>
+      <p:nvGrpSpPr>
+        <p:cNvPr id="1" name=""/>
+        <p:cNvGrpSpPr/>
+        <p:nvPr/>
+      </p:nvGrpSpPr>
+      <p:grpSpPr>
+        <a:xfrm>
+          <a:off x="0" y="0"/>
+          <a:ext cx="0" cy="0"/>
+          <a:chOff x="0" y="0"/>
+          <a:chExt cx="0" cy="0"/>
+        </a:xfrm>
+      </p:grpSpPr>
+      <p:sp>
+        <p:nvSpPr>
+          <p:cNvPr id="2" name="Title 1">
+            <a:extLst>
+              <a:ext uri="{FF2B5EF4-FFF2-40B4-BE49-F238E27FC236}">
+                <a16:creationId xmlns:a16="http://schemas.microsoft.com/office/drawing/2014/main" id="{F3676C36-FCD2-F078-A2D9-3A957DE347A0}"/>
+              </a:ext>
+            </a:extLst>
+          </p:cNvPr>
+          <p:cNvSpPr>
+            <a:spLocks noGrp="1"/>
+          </p:cNvSpPr>
+          <p:nvPr>
+            <p:ph type="title"/>
+          </p:nvPr>
+        </p:nvSpPr>
+        <p:spPr/>
+        <p:txBody>
+          <a:bodyPr/>
+          <a:lstStyle/>
+          <a:p>
+            <a:r>
+              <a:rPr lang="en-IN" dirty="0"/>
+              <a:t>Analysis of test results</a:t>
+            </a:r>
+          </a:p>
+        </p:txBody>
+      </p:sp>
+      <p:graphicFrame>
+        <p:nvGraphicFramePr>
+          <p:cNvPr id="8" name="Table 7">
+            <a:extLst>
+              <a:ext uri="{FF2B5EF4-FFF2-40B4-BE49-F238E27FC236}">
+                <a16:creationId xmlns:a16="http://schemas.microsoft.com/office/drawing/2014/main" id="{0D21389C-C9E5-0042-3630-A4FA02947F97}"/>
+              </a:ext>
+            </a:extLst>
+          </p:cNvPr>
+          <p:cNvGraphicFramePr>
+            <a:graphicFrameLocks noGrp="1"/>
+          </p:cNvGraphicFramePr>
+          <p:nvPr>
+            <p:extLst>
+              <p:ext uri="{D42A27DB-BD31-4B8C-83A1-F6EECF244321}">
+                <p14:modId xmlns:p14="http://schemas.microsoft.com/office/powerpoint/2010/main" val="2877681680"/>
+              </p:ext>
+            </p:extLst>
+          </p:nvPr>
+        </p:nvGraphicFramePr>
+        <p:xfrm>
+          <a:off x="1341884" y="1844824"/>
+          <a:ext cx="9145017" cy="4182378"/>
+        </p:xfrm>
+        <a:graphic>
+          <a:graphicData uri="http://schemas.openxmlformats.org/drawingml/2006/table">
+            <a:tbl>
+              <a:tblPr/>
+              <a:tblGrid>
+                <a:gridCol w="1224136">
+                  <a:extLst>
+                    <a:ext uri="{9D8B030D-6E8A-4147-A177-3AD203B41FA5}">
+                      <a16:colId xmlns:a16="http://schemas.microsoft.com/office/drawing/2014/main" val="2192595314"/>
+                    </a:ext>
+                  </a:extLst>
+                </a:gridCol>
+                <a:gridCol w="936104">
+                  <a:extLst>
+                    <a:ext uri="{9D8B030D-6E8A-4147-A177-3AD203B41FA5}">
+                      <a16:colId xmlns:a16="http://schemas.microsoft.com/office/drawing/2014/main" val="2880252801"/>
+                    </a:ext>
+                  </a:extLst>
+                </a:gridCol>
+                <a:gridCol w="792814">
+                  <a:extLst>
+                    <a:ext uri="{9D8B030D-6E8A-4147-A177-3AD203B41FA5}">
+                      <a16:colId xmlns:a16="http://schemas.microsoft.com/office/drawing/2014/main" val="975118966"/>
+                    </a:ext>
+                  </a:extLst>
+                </a:gridCol>
+                <a:gridCol w="936346">
+                  <a:extLst>
+                    <a:ext uri="{9D8B030D-6E8A-4147-A177-3AD203B41FA5}">
+                      <a16:colId xmlns:a16="http://schemas.microsoft.com/office/drawing/2014/main" val="4243496737"/>
+                    </a:ext>
+                  </a:extLst>
+                </a:gridCol>
+                <a:gridCol w="966551">
+                  <a:extLst>
+                    <a:ext uri="{9D8B030D-6E8A-4147-A177-3AD203B41FA5}">
+                      <a16:colId xmlns:a16="http://schemas.microsoft.com/office/drawing/2014/main" val="4255754061"/>
+                    </a:ext>
+                  </a:extLst>
+                </a:gridCol>
+                <a:gridCol w="1676360">
+                  <a:extLst>
+                    <a:ext uri="{9D8B030D-6E8A-4147-A177-3AD203B41FA5}">
+                      <a16:colId xmlns:a16="http://schemas.microsoft.com/office/drawing/2014/main" val="2612250600"/>
+                    </a:ext>
+                  </a:extLst>
+                </a:gridCol>
+                <a:gridCol w="1585746">
+                  <a:extLst>
+                    <a:ext uri="{9D8B030D-6E8A-4147-A177-3AD203B41FA5}">
+                      <a16:colId xmlns:a16="http://schemas.microsoft.com/office/drawing/2014/main" val="3390973773"/>
+                    </a:ext>
+                  </a:extLst>
+                </a:gridCol>
+                <a:gridCol w="1026960">
+                  <a:extLst>
+                    <a:ext uri="{9D8B030D-6E8A-4147-A177-3AD203B41FA5}">
+                      <a16:colId xmlns:a16="http://schemas.microsoft.com/office/drawing/2014/main" val="169431981"/>
+                    </a:ext>
+                  </a:extLst>
+                </a:gridCol>
+              </a:tblGrid>
+              <a:tr h="745567">
+                <a:tc>
+                  <a:txBody>
+                    <a:bodyPr/>
+                    <a:lstStyle/>
+                    <a:p>
+                      <a:pPr algn="ctr" rtl="0" fontAlgn="ctr"/>
+                      <a:r>
+                        <a:rPr lang="en-IN" sz="1600" b="1" i="0" u="none" strike="noStrike" dirty="0">
+                          <a:solidFill>
+                            <a:srgbClr val="FFFFFF"/>
+                          </a:solidFill>
+                          <a:effectLst/>
+                          <a:latin typeface="Calibri" panose="020F0502020204030204" pitchFamily="34" charset="0"/>
+                        </a:rPr>
+                        <a:t>NER tags</a:t>
+                      </a:r>
+                    </a:p>
+                  </a:txBody>
+                  <a:tcPr marL="5564" marR="5564" marT="5564" marB="0" anchor="ctr">
+                    <a:lnL w="12700" cap="flat" cmpd="sng" algn="ctr">
+                      <a:solidFill>
+                        <a:srgbClr val="FFFFFF"/>
+                      </a:solidFill>
+                      <a:prstDash val="solid"/>
+                      <a:round/>
+                      <a:headEnd type="none" w="med" len="med"/>
+                      <a:tailEnd type="none" w="med" len="med"/>
+                    </a:lnL>
+                    <a:lnR w="12700" cap="flat" cmpd="sng" algn="ctr">
+                      <a:solidFill>
+                        <a:srgbClr val="FFFFFF"/>
+                      </a:solidFill>
+                      <a:prstDash val="solid"/>
+                      <a:round/>
+                      <a:headEnd type="none" w="med" len="med"/>
+                      <a:tailEnd type="none" w="med" len="med"/>
+                    </a:lnR>
+                    <a:lnT w="12700" cap="flat" cmpd="sng" algn="ctr">
+                      <a:solidFill>
+                        <a:srgbClr val="FFFFFF"/>
+                      </a:solidFill>
+                      <a:prstDash val="solid"/>
+                      <a:round/>
+                      <a:headEnd type="none" w="med" len="med"/>
+                      <a:tailEnd type="none" w="med" len="med"/>
+                    </a:lnT>
+                    <a:lnB w="19050" cap="flat" cmpd="sng" algn="ctr">
+                      <a:solidFill>
+                        <a:srgbClr val="FFFFFF"/>
+                      </a:solidFill>
+                      <a:prstDash val="solid"/>
+                      <a:round/>
+                      <a:headEnd type="none" w="med" len="med"/>
+                      <a:tailEnd type="none" w="med" len="med"/>
+                    </a:lnB>
+                    <a:solidFill>
+                      <a:srgbClr val="000000"/>
+                    </a:solidFill>
+                  </a:tcPr>
+                </a:tc>
+                <a:tc>
+                  <a:txBody>
+                    <a:bodyPr/>
+                    <a:lstStyle/>
+                    <a:p>
+                      <a:pPr algn="ctr" rtl="0" fontAlgn="ctr"/>
+                      <a:r>
+                        <a:rPr lang="en-IN" sz="1600" b="1" i="0" u="none" strike="noStrike" dirty="0">
+                          <a:solidFill>
+                            <a:srgbClr val="FFFFFF"/>
+                          </a:solidFill>
+                          <a:effectLst/>
+                          <a:latin typeface="Calibri" panose="020F0502020204030204" pitchFamily="34" charset="0"/>
+                        </a:rPr>
+                        <a:t>precision</a:t>
+                      </a:r>
+                    </a:p>
+                  </a:txBody>
+                  <a:tcPr marL="5564" marR="5564" marT="5564" marB="0" anchor="ctr">
+                    <a:lnL w="12700" cap="flat" cmpd="sng" algn="ctr">
+                      <a:solidFill>
+                        <a:srgbClr val="FFFFFF"/>
+                      </a:solidFill>
+                      <a:prstDash val="solid"/>
+                      <a:round/>
+                      <a:headEnd type="none" w="med" len="med"/>
+                      <a:tailEnd type="none" w="med" len="med"/>
+                    </a:lnL>
+                    <a:lnR w="12700" cap="flat" cmpd="sng" algn="ctr">
+                      <a:solidFill>
+                        <a:srgbClr val="FFFFFF"/>
+                      </a:solidFill>
+                      <a:prstDash val="solid"/>
+                      <a:round/>
+                      <a:headEnd type="none" w="med" len="med"/>
+                      <a:tailEnd type="none" w="med" len="med"/>
+                    </a:lnR>
+                    <a:lnT w="12700" cap="flat" cmpd="sng" algn="ctr">
+                      <a:solidFill>
+                        <a:srgbClr val="FFFFFF"/>
+                      </a:solidFill>
+                      <a:prstDash val="solid"/>
+                      <a:round/>
+                      <a:headEnd type="none" w="med" len="med"/>
+                      <a:tailEnd type="none" w="med" len="med"/>
+                    </a:lnT>
+                    <a:lnB w="19050" cap="flat" cmpd="sng" algn="ctr">
+                      <a:solidFill>
+                        <a:srgbClr val="FFFFFF"/>
+                      </a:solidFill>
+                      <a:prstDash val="solid"/>
+                      <a:round/>
+                      <a:headEnd type="none" w="med" len="med"/>
+                      <a:tailEnd type="none" w="med" len="med"/>
+                    </a:lnB>
+                    <a:solidFill>
+                      <a:srgbClr val="000000"/>
+                    </a:solidFill>
+                  </a:tcPr>
+                </a:tc>
+                <a:tc>
+                  <a:txBody>
+                    <a:bodyPr/>
+                    <a:lstStyle/>
+                    <a:p>
+                      <a:pPr algn="ctr" rtl="0" fontAlgn="ctr"/>
+                      <a:r>
+                        <a:rPr lang="en-IN" sz="1600" b="1" i="0" u="none" strike="noStrike" dirty="0">
+                          <a:solidFill>
+                            <a:srgbClr val="FFFFFF"/>
+                          </a:solidFill>
+                          <a:effectLst/>
+                          <a:latin typeface="Calibri" panose="020F0502020204030204" pitchFamily="34" charset="0"/>
+                        </a:rPr>
+                        <a:t>recall</a:t>
+                      </a:r>
+                    </a:p>
+                  </a:txBody>
+                  <a:tcPr marL="5564" marR="5564" marT="5564" marB="0" anchor="ctr">
+                    <a:lnL w="12700" cap="flat" cmpd="sng" algn="ctr">
+                      <a:solidFill>
+                        <a:srgbClr val="FFFFFF"/>
+                      </a:solidFill>
+                      <a:prstDash val="solid"/>
+                      <a:round/>
+                      <a:headEnd type="none" w="med" len="med"/>
+                      <a:tailEnd type="none" w="med" len="med"/>
+                    </a:lnL>
+                    <a:lnR w="12700" cap="flat" cmpd="sng" algn="ctr">
+                      <a:solidFill>
+                        <a:srgbClr val="FFFFFF"/>
+                      </a:solidFill>
+                      <a:prstDash val="solid"/>
+                      <a:round/>
+                      <a:headEnd type="none" w="med" len="med"/>
+                      <a:tailEnd type="none" w="med" len="med"/>
+                    </a:lnR>
+                    <a:lnT w="12700" cap="flat" cmpd="sng" algn="ctr">
+                      <a:solidFill>
+                        <a:srgbClr val="FFFFFF"/>
+                      </a:solidFill>
+                      <a:prstDash val="solid"/>
+                      <a:round/>
+                      <a:headEnd type="none" w="med" len="med"/>
+                      <a:tailEnd type="none" w="med" len="med"/>
+                    </a:lnT>
+                    <a:lnB w="19050" cap="flat" cmpd="sng" algn="ctr">
+                      <a:solidFill>
+                        <a:srgbClr val="FFFFFF"/>
+                      </a:solidFill>
+                      <a:prstDash val="solid"/>
+                      <a:round/>
+                      <a:headEnd type="none" w="med" len="med"/>
+                      <a:tailEnd type="none" w="med" len="med"/>
+                    </a:lnB>
+                    <a:solidFill>
+                      <a:srgbClr val="000000"/>
+                    </a:solidFill>
+                  </a:tcPr>
+                </a:tc>
+                <a:tc>
+                  <a:txBody>
+                    <a:bodyPr/>
+                    <a:lstStyle/>
+                    <a:p>
+                      <a:pPr algn="ctr" rtl="0" fontAlgn="ctr"/>
+                      <a:r>
+                        <a:rPr lang="en-IN" sz="1600" b="1" i="0" u="none" strike="noStrike" dirty="0">
+                          <a:solidFill>
+                            <a:srgbClr val="FFFFFF"/>
+                          </a:solidFill>
+                          <a:effectLst/>
+                          <a:latin typeface="Calibri" panose="020F0502020204030204" pitchFamily="34" charset="0"/>
+                        </a:rPr>
+                        <a:t>f1-score</a:t>
+                      </a:r>
+                    </a:p>
+                  </a:txBody>
+                  <a:tcPr marL="5564" marR="5564" marT="5564" marB="0" anchor="ctr">
+                    <a:lnL w="12700" cap="flat" cmpd="sng" algn="ctr">
+                      <a:solidFill>
+                        <a:srgbClr val="FFFFFF"/>
+                      </a:solidFill>
+                      <a:prstDash val="solid"/>
+                      <a:round/>
+                      <a:headEnd type="none" w="med" len="med"/>
+                      <a:tailEnd type="none" w="med" len="med"/>
+                    </a:lnL>
+                    <a:lnR w="12700" cap="flat" cmpd="sng" algn="ctr">
+                      <a:solidFill>
+                        <a:srgbClr val="FFFFFF"/>
+                      </a:solidFill>
+                      <a:prstDash val="solid"/>
+                      <a:round/>
+                      <a:headEnd type="none" w="med" len="med"/>
+                      <a:tailEnd type="none" w="med" len="med"/>
+                    </a:lnR>
+                    <a:lnT w="12700" cap="flat" cmpd="sng" algn="ctr">
+                      <a:solidFill>
+                        <a:srgbClr val="FFFFFF"/>
+                      </a:solidFill>
+                      <a:prstDash val="solid"/>
+                      <a:round/>
+                      <a:headEnd type="none" w="med" len="med"/>
+                      <a:tailEnd type="none" w="med" len="med"/>
+                    </a:lnT>
+                    <a:lnB w="19050" cap="flat" cmpd="sng" algn="ctr">
+                      <a:solidFill>
+                        <a:srgbClr val="FFFFFF"/>
+                      </a:solidFill>
+                      <a:prstDash val="solid"/>
+                      <a:round/>
+                      <a:headEnd type="none" w="med" len="med"/>
+                      <a:tailEnd type="none" w="med" len="med"/>
+                    </a:lnB>
+                    <a:solidFill>
+                      <a:srgbClr val="000000"/>
+                    </a:solidFill>
+                  </a:tcPr>
+                </a:tc>
+                <a:tc>
+                  <a:txBody>
+                    <a:bodyPr/>
+                    <a:lstStyle/>
+                    <a:p>
+                      <a:pPr algn="ctr" rtl="0" fontAlgn="ctr"/>
+                      <a:r>
+                        <a:rPr lang="en-IN" sz="1600" b="1" i="0" u="none" strike="noStrike" dirty="0">
+                          <a:solidFill>
+                            <a:srgbClr val="FFFFFF"/>
+                          </a:solidFill>
+                          <a:effectLst/>
+                          <a:latin typeface="Calibri" panose="020F0502020204030204" pitchFamily="34" charset="0"/>
+                        </a:rPr>
+                        <a:t>tokens in test</a:t>
+                      </a:r>
+                    </a:p>
+                  </a:txBody>
+                  <a:tcPr marL="5564" marR="5564" marT="5564" marB="0" anchor="ctr">
+                    <a:lnL w="12700" cap="flat" cmpd="sng" algn="ctr">
+                      <a:solidFill>
+                        <a:srgbClr val="FFFFFF"/>
+                      </a:solidFill>
+                      <a:prstDash val="solid"/>
+                      <a:round/>
+                      <a:headEnd type="none" w="med" len="med"/>
+                      <a:tailEnd type="none" w="med" len="med"/>
+                    </a:lnL>
+                    <a:lnR w="12700" cap="flat" cmpd="sng" algn="ctr">
+                      <a:solidFill>
+                        <a:srgbClr val="FFFFFF"/>
+                      </a:solidFill>
+                      <a:prstDash val="solid"/>
+                      <a:round/>
+                      <a:headEnd type="none" w="med" len="med"/>
+                      <a:tailEnd type="none" w="med" len="med"/>
+                    </a:lnR>
+                    <a:lnT w="12700" cap="flat" cmpd="sng" algn="ctr">
+                      <a:solidFill>
+                        <a:srgbClr val="FFFFFF"/>
+                      </a:solidFill>
+                      <a:prstDash val="solid"/>
+                      <a:round/>
+                      <a:headEnd type="none" w="med" len="med"/>
+                      <a:tailEnd type="none" w="med" len="med"/>
+                    </a:lnT>
+                    <a:lnB w="19050" cap="flat" cmpd="sng" algn="ctr">
+                      <a:solidFill>
+                        <a:srgbClr val="FFFFFF"/>
+                      </a:solidFill>
+                      <a:prstDash val="solid"/>
+                      <a:round/>
+                      <a:headEnd type="none" w="med" len="med"/>
+                      <a:tailEnd type="none" w="med" len="med"/>
+                    </a:lnB>
+                    <a:solidFill>
+                      <a:srgbClr val="000000"/>
+                    </a:solidFill>
+                  </a:tcPr>
+                </a:tc>
+                <a:tc>
+                  <a:txBody>
+                    <a:bodyPr/>
+                    <a:lstStyle/>
+                    <a:p>
+                      <a:pPr algn="ctr" rtl="0" fontAlgn="ctr"/>
+                      <a:r>
+                        <a:rPr lang="en-IN" sz="1600" b="1" i="0" u="none" strike="noStrike" dirty="0">
+                          <a:solidFill>
+                            <a:srgbClr val="FFFFFF"/>
+                          </a:solidFill>
+                          <a:effectLst/>
+                          <a:latin typeface="Calibri" panose="020F0502020204030204" pitchFamily="34" charset="0"/>
+                        </a:rPr>
+                        <a:t>matching tokens in train</a:t>
+                      </a:r>
+                    </a:p>
+                  </a:txBody>
+                  <a:tcPr marL="5564" marR="5564" marT="5564" marB="0" anchor="ctr">
+                    <a:lnL w="12700" cap="flat" cmpd="sng" algn="ctr">
+                      <a:solidFill>
+                        <a:srgbClr val="FFFFFF"/>
+                      </a:solidFill>
+                      <a:prstDash val="solid"/>
+                      <a:round/>
+                      <a:headEnd type="none" w="med" len="med"/>
+                      <a:tailEnd type="none" w="med" len="med"/>
+                    </a:lnL>
+                    <a:lnR w="12700" cap="flat" cmpd="sng" algn="ctr">
+                      <a:solidFill>
+                        <a:srgbClr val="FFFFFF"/>
+                      </a:solidFill>
+                      <a:prstDash val="solid"/>
+                      <a:round/>
+                      <a:headEnd type="none" w="med" len="med"/>
+                      <a:tailEnd type="none" w="med" len="med"/>
+                    </a:lnR>
+                    <a:lnT w="12700" cap="flat" cmpd="sng" algn="ctr">
+                      <a:solidFill>
+                        <a:srgbClr val="FFFFFF"/>
+                      </a:solidFill>
+                      <a:prstDash val="solid"/>
+                      <a:round/>
+                      <a:headEnd type="none" w="med" len="med"/>
+                      <a:tailEnd type="none" w="med" len="med"/>
+                    </a:lnT>
+                    <a:lnB w="19050" cap="flat" cmpd="sng" algn="ctr">
+                      <a:solidFill>
+                        <a:srgbClr val="FFFFFF"/>
+                      </a:solidFill>
+                      <a:prstDash val="solid"/>
+                      <a:round/>
+                      <a:headEnd type="none" w="med" len="med"/>
+                      <a:tailEnd type="none" w="med" len="med"/>
+                    </a:lnB>
+                    <a:solidFill>
+                      <a:srgbClr val="000000"/>
+                    </a:solidFill>
+                  </a:tcPr>
+                </a:tc>
+                <a:tc>
+                  <a:txBody>
+                    <a:bodyPr/>
+                    <a:lstStyle/>
+                    <a:p>
+                      <a:pPr algn="ctr" rtl="0" fontAlgn="ctr"/>
+                      <a:r>
+                        <a:rPr lang="en-IN" sz="1600" b="1" i="0" u="none" strike="noStrike" dirty="0">
+                          <a:solidFill>
+                            <a:srgbClr val="FFFFFF"/>
+                          </a:solidFill>
+                          <a:effectLst/>
+                          <a:latin typeface="Calibri" panose="020F0502020204030204" pitchFamily="34" charset="0"/>
+                        </a:rPr>
+                        <a:t>misclassified in train</a:t>
+                      </a:r>
+                    </a:p>
+                  </a:txBody>
+                  <a:tcPr marL="5564" marR="5564" marT="5564" marB="0" anchor="ctr">
+                    <a:lnL w="12700" cap="flat" cmpd="sng" algn="ctr">
+                      <a:solidFill>
+                        <a:srgbClr val="FFFFFF"/>
+                      </a:solidFill>
+                      <a:prstDash val="solid"/>
+                      <a:round/>
+                      <a:headEnd type="none" w="med" len="med"/>
+                      <a:tailEnd type="none" w="med" len="med"/>
+                    </a:lnL>
+                    <a:lnR w="12700" cap="flat" cmpd="sng" algn="ctr">
+                      <a:solidFill>
+                        <a:srgbClr val="FFFFFF"/>
+                      </a:solidFill>
+                      <a:prstDash val="solid"/>
+                      <a:round/>
+                      <a:headEnd type="none" w="med" len="med"/>
+                      <a:tailEnd type="none" w="med" len="med"/>
+                    </a:lnR>
+                    <a:lnT w="12700" cap="flat" cmpd="sng" algn="ctr">
+                      <a:solidFill>
+                        <a:srgbClr val="FFFFFF"/>
+                      </a:solidFill>
+                      <a:prstDash val="solid"/>
+                      <a:round/>
+                      <a:headEnd type="none" w="med" len="med"/>
+                      <a:tailEnd type="none" w="med" len="med"/>
+                    </a:lnT>
+                    <a:lnB w="19050" cap="flat" cmpd="sng" algn="ctr">
+                      <a:solidFill>
+                        <a:srgbClr val="FFFFFF"/>
+                      </a:solidFill>
+                      <a:prstDash val="solid"/>
+                      <a:round/>
+                      <a:headEnd type="none" w="med" len="med"/>
+                      <a:tailEnd type="none" w="med" len="med"/>
+                    </a:lnB>
+                    <a:solidFill>
+                      <a:srgbClr val="000000"/>
+                    </a:solidFill>
+                  </a:tcPr>
+                </a:tc>
+                <a:tc>
+                  <a:txBody>
+                    <a:bodyPr/>
+                    <a:lstStyle/>
+                    <a:p>
+                      <a:pPr algn="ctr" rtl="0" fontAlgn="ctr"/>
+                      <a:r>
+                        <a:rPr lang="en-IN" sz="1600" b="1" i="0" u="none" strike="noStrike" dirty="0">
+                          <a:solidFill>
+                            <a:srgbClr val="FFFFFF"/>
+                          </a:solidFill>
+                          <a:effectLst/>
+                          <a:latin typeface="Calibri" panose="020F0502020204030204" pitchFamily="34" charset="0"/>
+                        </a:rPr>
+                        <a:t>perc mismatch</a:t>
+                      </a:r>
+                    </a:p>
+                  </a:txBody>
+                  <a:tcPr marL="5564" marR="5564" marT="5564" marB="0" anchor="ctr">
+                    <a:lnL w="12700" cap="flat" cmpd="sng" algn="ctr">
+                      <a:solidFill>
+                        <a:srgbClr val="FFFFFF"/>
+                      </a:solidFill>
+                      <a:prstDash val="solid"/>
+                      <a:round/>
+                      <a:headEnd type="none" w="med" len="med"/>
+                      <a:tailEnd type="none" w="med" len="med"/>
+                    </a:lnL>
+                    <a:lnR w="12700" cap="flat" cmpd="sng" algn="ctr">
+                      <a:solidFill>
+                        <a:srgbClr val="FFFFFF"/>
+                      </a:solidFill>
+                      <a:prstDash val="solid"/>
+                      <a:round/>
+                      <a:headEnd type="none" w="med" len="med"/>
+                      <a:tailEnd type="none" w="med" len="med"/>
+                    </a:lnR>
+                    <a:lnT w="12700" cap="flat" cmpd="sng" algn="ctr">
+                      <a:solidFill>
+                        <a:srgbClr val="FFFFFF"/>
+                      </a:solidFill>
+                      <a:prstDash val="solid"/>
+                      <a:round/>
+                      <a:headEnd type="none" w="med" len="med"/>
+                      <a:tailEnd type="none" w="med" len="med"/>
+                    </a:lnT>
+                    <a:lnB w="19050" cap="flat" cmpd="sng" algn="ctr">
+                      <a:solidFill>
+                        <a:srgbClr val="FFFFFF"/>
+                      </a:solidFill>
+                      <a:prstDash val="solid"/>
+                      <a:round/>
+                      <a:headEnd type="none" w="med" len="med"/>
+                      <a:tailEnd type="none" w="med" len="med"/>
+                    </a:lnB>
+                    <a:solidFill>
+                      <a:srgbClr val="000000"/>
+                    </a:solidFill>
+                  </a:tcPr>
+                </a:tc>
+                <a:extLst>
+                  <a:ext uri="{0D108BD9-81ED-4DB2-BD59-A6C34878D82A}">
+                    <a16:rowId xmlns:a16="http://schemas.microsoft.com/office/drawing/2014/main" val="2879348064"/>
+                  </a:ext>
+                </a:extLst>
+              </a:tr>
+              <a:tr h="272633">
+                <a:tc>
+                  <a:txBody>
+                    <a:bodyPr/>
+                    <a:lstStyle/>
+                    <a:p>
+                      <a:pPr algn="ctr" rtl="0" fontAlgn="ctr"/>
+                      <a:r>
+                        <a:rPr lang="en-IN" sz="1400" b="0" i="0" u="none" strike="noStrike" dirty="0">
+                          <a:solidFill>
+                            <a:srgbClr val="000000"/>
+                          </a:solidFill>
+                          <a:effectLst/>
+                          <a:latin typeface="Calibri" panose="020F0502020204030204" pitchFamily="34" charset="0"/>
+                        </a:rPr>
+                        <a:t>ACTOR</a:t>
+                      </a:r>
+                    </a:p>
+                  </a:txBody>
+                  <a:tcPr marL="5564" marR="5564" marT="22256" marB="22256" anchor="ctr">
+                    <a:lnL w="12700" cap="flat" cmpd="sng" algn="ctr">
+                      <a:solidFill>
+                        <a:srgbClr val="FFFFFF"/>
+                      </a:solidFill>
+                      <a:prstDash val="solid"/>
+                      <a:round/>
+                      <a:headEnd type="none" w="med" len="med"/>
+                      <a:tailEnd type="none" w="med" len="med"/>
+                    </a:lnL>
+                    <a:lnR w="12700" cap="flat" cmpd="sng" algn="ctr">
+                      <a:solidFill>
+                        <a:srgbClr val="FFFFFF"/>
+                      </a:solidFill>
+                      <a:prstDash val="solid"/>
+                      <a:round/>
+                      <a:headEnd type="none" w="med" len="med"/>
+                      <a:tailEnd type="none" w="med" len="med"/>
+                    </a:lnR>
+                    <a:lnT w="19050" cap="flat" cmpd="sng" algn="ctr">
+                      <a:solidFill>
+                        <a:srgbClr val="FFFFFF"/>
+                      </a:solidFill>
+                      <a:prstDash val="solid"/>
+                      <a:round/>
+                      <a:headEnd type="none" w="med" len="med"/>
+                      <a:tailEnd type="none" w="med" len="med"/>
+                    </a:lnT>
+                    <a:lnB w="12700" cap="flat" cmpd="sng" algn="ctr">
+                      <a:solidFill>
+                        <a:srgbClr val="FFFFFF"/>
+                      </a:solidFill>
+                      <a:prstDash val="solid"/>
+                      <a:round/>
+                      <a:headEnd type="none" w="med" len="med"/>
+                      <a:tailEnd type="none" w="med" len="med"/>
+                    </a:lnB>
+                    <a:solidFill>
+                      <a:srgbClr val="CBCBCB"/>
+                    </a:solidFill>
+                  </a:tcPr>
+                </a:tc>
+                <a:tc>
+                  <a:txBody>
+                    <a:bodyPr/>
+                    <a:lstStyle/>
+                    <a:p>
+                      <a:pPr algn="ctr" rtl="0" fontAlgn="ctr"/>
+                      <a:r>
+                        <a:rPr lang="en-IN" sz="1400" b="0" i="0" u="none" strike="noStrike">
+                          <a:solidFill>
+                            <a:srgbClr val="000000"/>
+                          </a:solidFill>
+                          <a:effectLst/>
+                          <a:latin typeface="Calibri" panose="020F0502020204030204" pitchFamily="34" charset="0"/>
+                        </a:rPr>
+                        <a:t>0.9</a:t>
+                      </a:r>
+                    </a:p>
+                  </a:txBody>
+                  <a:tcPr marL="5564" marR="5564" marT="5564" marB="0" anchor="ctr">
+                    <a:lnL w="12700" cap="flat" cmpd="sng" algn="ctr">
+                      <a:solidFill>
+                        <a:srgbClr val="FFFFFF"/>
+                      </a:solidFill>
+                      <a:prstDash val="solid"/>
+                      <a:round/>
+                      <a:headEnd type="none" w="med" len="med"/>
+                      <a:tailEnd type="none" w="med" len="med"/>
+                    </a:lnL>
+                    <a:lnR w="12700" cap="flat" cmpd="sng" algn="ctr">
+                      <a:solidFill>
+                        <a:srgbClr val="FFFFFF"/>
+                      </a:solidFill>
+                      <a:prstDash val="solid"/>
+                      <a:round/>
+                      <a:headEnd type="none" w="med" len="med"/>
+                      <a:tailEnd type="none" w="med" len="med"/>
+                    </a:lnR>
+                    <a:lnT w="19050" cap="flat" cmpd="sng" algn="ctr">
+                      <a:solidFill>
+                        <a:srgbClr val="FFFFFF"/>
+                      </a:solidFill>
+                      <a:prstDash val="solid"/>
+                      <a:round/>
+                      <a:headEnd type="none" w="med" len="med"/>
+                      <a:tailEnd type="none" w="med" len="med"/>
+                    </a:lnT>
+                    <a:lnB w="12700" cap="flat" cmpd="sng" algn="ctr">
+                      <a:solidFill>
+                        <a:srgbClr val="FFFFFF"/>
+                      </a:solidFill>
+                      <a:prstDash val="solid"/>
+                      <a:round/>
+                      <a:headEnd type="none" w="med" len="med"/>
+                      <a:tailEnd type="none" w="med" len="med"/>
+                    </a:lnB>
+                    <a:solidFill>
+                      <a:srgbClr val="CBCBCB"/>
+                    </a:solidFill>
+                  </a:tcPr>
+                </a:tc>
+                <a:tc>
+                  <a:txBody>
+                    <a:bodyPr/>
+                    <a:lstStyle/>
+                    <a:p>
+                      <a:pPr algn="ctr" rtl="0" fontAlgn="ctr"/>
+                      <a:r>
+                        <a:rPr lang="en-IN" sz="1400" b="0" i="0" u="none" strike="noStrike">
+                          <a:solidFill>
+                            <a:srgbClr val="000000"/>
+                          </a:solidFill>
+                          <a:effectLst/>
+                          <a:latin typeface="Calibri" panose="020F0502020204030204" pitchFamily="34" charset="0"/>
+                        </a:rPr>
+                        <a:t>0.95</a:t>
+                      </a:r>
+                    </a:p>
+                  </a:txBody>
+                  <a:tcPr marL="5564" marR="5564" marT="5564" marB="0" anchor="ctr">
+                    <a:lnL w="12700" cap="flat" cmpd="sng" algn="ctr">
+                      <a:solidFill>
+                        <a:srgbClr val="FFFFFF"/>
+                      </a:solidFill>
+                      <a:prstDash val="solid"/>
+                      <a:round/>
+                      <a:headEnd type="none" w="med" len="med"/>
+                      <a:tailEnd type="none" w="med" len="med"/>
+                    </a:lnL>
+                    <a:lnR w="12700" cap="flat" cmpd="sng" algn="ctr">
+                      <a:solidFill>
+                        <a:srgbClr val="FFFFFF"/>
+                      </a:solidFill>
+                      <a:prstDash val="solid"/>
+                      <a:round/>
+                      <a:headEnd type="none" w="med" len="med"/>
+                      <a:tailEnd type="none" w="med" len="med"/>
+                    </a:lnR>
+                    <a:lnT w="19050" cap="flat" cmpd="sng" algn="ctr">
+                      <a:solidFill>
+                        <a:srgbClr val="FFFFFF"/>
+                      </a:solidFill>
+                      <a:prstDash val="solid"/>
+                      <a:round/>
+                      <a:headEnd type="none" w="med" len="med"/>
+                      <a:tailEnd type="none" w="med" len="med"/>
+                    </a:lnT>
+                    <a:lnB w="12700" cap="flat" cmpd="sng" algn="ctr">
+                      <a:solidFill>
+                        <a:srgbClr val="FFFFFF"/>
+                      </a:solidFill>
+                      <a:prstDash val="solid"/>
+                      <a:round/>
+                      <a:headEnd type="none" w="med" len="med"/>
+                      <a:tailEnd type="none" w="med" len="med"/>
+                    </a:lnB>
+                    <a:solidFill>
+                      <a:srgbClr val="CBCBCB"/>
+                    </a:solidFill>
+                  </a:tcPr>
+                </a:tc>
+                <a:tc>
+                  <a:txBody>
+                    <a:bodyPr/>
+                    <a:lstStyle/>
+                    <a:p>
+                      <a:pPr algn="ctr" rtl="0" fontAlgn="ctr"/>
+                      <a:r>
+                        <a:rPr lang="en-IN" sz="1400" b="0" i="0" u="none" strike="noStrike">
+                          <a:solidFill>
+                            <a:srgbClr val="000000"/>
+                          </a:solidFill>
+                          <a:effectLst/>
+                          <a:latin typeface="Calibri" panose="020F0502020204030204" pitchFamily="34" charset="0"/>
+                        </a:rPr>
+                        <a:t>0.92</a:t>
+                      </a:r>
+                    </a:p>
+                  </a:txBody>
+                  <a:tcPr marL="5564" marR="5564" marT="5564" marB="0" anchor="ctr">
+                    <a:lnL w="12700" cap="flat" cmpd="sng" algn="ctr">
+                      <a:solidFill>
+                        <a:srgbClr val="FFFFFF"/>
+                      </a:solidFill>
+                      <a:prstDash val="solid"/>
+                      <a:round/>
+                      <a:headEnd type="none" w="med" len="med"/>
+                      <a:tailEnd type="none" w="med" len="med"/>
+                    </a:lnL>
+                    <a:lnR w="12700" cap="flat" cmpd="sng" algn="ctr">
+                      <a:solidFill>
+                        <a:srgbClr val="FFFFFF"/>
+                      </a:solidFill>
+                      <a:prstDash val="solid"/>
+                      <a:round/>
+                      <a:headEnd type="none" w="med" len="med"/>
+                      <a:tailEnd type="none" w="med" len="med"/>
+                    </a:lnR>
+                    <a:lnT w="19050" cap="flat" cmpd="sng" algn="ctr">
+                      <a:solidFill>
+                        <a:srgbClr val="FFFFFF"/>
+                      </a:solidFill>
+                      <a:prstDash val="solid"/>
+                      <a:round/>
+                      <a:headEnd type="none" w="med" len="med"/>
+                      <a:tailEnd type="none" w="med" len="med"/>
+                    </a:lnT>
+                    <a:lnB w="12700" cap="flat" cmpd="sng" algn="ctr">
+                      <a:solidFill>
+                        <a:srgbClr val="FFFFFF"/>
+                      </a:solidFill>
+                      <a:prstDash val="solid"/>
+                      <a:round/>
+                      <a:headEnd type="none" w="med" len="med"/>
+                      <a:tailEnd type="none" w="med" len="med"/>
+                    </a:lnB>
+                    <a:solidFill>
+                      <a:srgbClr val="CBCBCB"/>
+                    </a:solidFill>
+                  </a:tcPr>
+                </a:tc>
+                <a:tc>
+                  <a:txBody>
+                    <a:bodyPr/>
+                    <a:lstStyle/>
+                    <a:p>
+                      <a:pPr algn="ctr" rtl="0" fontAlgn="ctr"/>
+                      <a:r>
+                        <a:rPr lang="en-IN" sz="1400" b="0" i="0" u="none" strike="noStrike">
+                          <a:solidFill>
+                            <a:srgbClr val="000000"/>
+                          </a:solidFill>
+                          <a:effectLst/>
+                          <a:latin typeface="Calibri" panose="020F0502020204030204" pitchFamily="34" charset="0"/>
+                        </a:rPr>
+                        <a:t>555</a:t>
+                      </a:r>
+                    </a:p>
+                  </a:txBody>
+                  <a:tcPr marL="5564" marR="5564" marT="22256" marB="22256" anchor="ctr">
+                    <a:lnL w="12700" cap="flat" cmpd="sng" algn="ctr">
+                      <a:solidFill>
+                        <a:srgbClr val="FFFFFF"/>
+                      </a:solidFill>
+                      <a:prstDash val="solid"/>
+                      <a:round/>
+                      <a:headEnd type="none" w="med" len="med"/>
+                      <a:tailEnd type="none" w="med" len="med"/>
+                    </a:lnL>
+                    <a:lnR w="12700" cap="flat" cmpd="sng" algn="ctr">
+                      <a:solidFill>
+                        <a:srgbClr val="FFFFFF"/>
+                      </a:solidFill>
+                      <a:prstDash val="solid"/>
+                      <a:round/>
+                      <a:headEnd type="none" w="med" len="med"/>
+                      <a:tailEnd type="none" w="med" len="med"/>
+                    </a:lnR>
+                    <a:lnT w="19050" cap="flat" cmpd="sng" algn="ctr">
+                      <a:solidFill>
+                        <a:srgbClr val="FFFFFF"/>
+                      </a:solidFill>
+                      <a:prstDash val="solid"/>
+                      <a:round/>
+                      <a:headEnd type="none" w="med" len="med"/>
+                      <a:tailEnd type="none" w="med" len="med"/>
+                    </a:lnT>
+                    <a:lnB w="12700" cap="flat" cmpd="sng" algn="ctr">
+                      <a:solidFill>
+                        <a:srgbClr val="FFFFFF"/>
+                      </a:solidFill>
+                      <a:prstDash val="solid"/>
+                      <a:round/>
+                      <a:headEnd type="none" w="med" len="med"/>
+                      <a:tailEnd type="none" w="med" len="med"/>
+                    </a:lnB>
+                    <a:solidFill>
+                      <a:srgbClr val="CBCBCB"/>
+                    </a:solidFill>
+                  </a:tcPr>
+                </a:tc>
+                <a:tc>
+                  <a:txBody>
+                    <a:bodyPr/>
+                    <a:lstStyle/>
+                    <a:p>
+                      <a:pPr algn="ctr" rtl="0" fontAlgn="ctr"/>
+                      <a:r>
+                        <a:rPr lang="en-IN" sz="1400" b="0" i="0" u="none" strike="noStrike">
+                          <a:solidFill>
+                            <a:srgbClr val="000000"/>
+                          </a:solidFill>
+                          <a:effectLst/>
+                          <a:latin typeface="Calibri" panose="020F0502020204030204" pitchFamily="34" charset="0"/>
+                        </a:rPr>
+                        <a:t>173</a:t>
+                      </a:r>
+                    </a:p>
+                  </a:txBody>
+                  <a:tcPr marL="5564" marR="5564" marT="22256" marB="22256" anchor="ctr">
+                    <a:lnL w="12700" cap="flat" cmpd="sng" algn="ctr">
+                      <a:solidFill>
+                        <a:srgbClr val="FFFFFF"/>
+                      </a:solidFill>
+                      <a:prstDash val="solid"/>
+                      <a:round/>
+                      <a:headEnd type="none" w="med" len="med"/>
+                      <a:tailEnd type="none" w="med" len="med"/>
+                    </a:lnL>
+                    <a:lnR w="12700" cap="flat" cmpd="sng" algn="ctr">
+                      <a:solidFill>
+                        <a:srgbClr val="FFFFFF"/>
+                      </a:solidFill>
+                      <a:prstDash val="solid"/>
+                      <a:round/>
+                      <a:headEnd type="none" w="med" len="med"/>
+                      <a:tailEnd type="none" w="med" len="med"/>
+                    </a:lnR>
+                    <a:lnT w="19050" cap="flat" cmpd="sng" algn="ctr">
+                      <a:solidFill>
+                        <a:srgbClr val="FFFFFF"/>
+                      </a:solidFill>
+                      <a:prstDash val="solid"/>
+                      <a:round/>
+                      <a:headEnd type="none" w="med" len="med"/>
+                      <a:tailEnd type="none" w="med" len="med"/>
+                    </a:lnT>
+                    <a:lnB w="12700" cap="flat" cmpd="sng" algn="ctr">
+                      <a:solidFill>
+                        <a:srgbClr val="FFFFFF"/>
+                      </a:solidFill>
+                      <a:prstDash val="solid"/>
+                      <a:round/>
+                      <a:headEnd type="none" w="med" len="med"/>
+                      <a:tailEnd type="none" w="med" len="med"/>
+                    </a:lnB>
+                    <a:solidFill>
+                      <a:srgbClr val="CBCBCB"/>
+                    </a:solidFill>
+                  </a:tcPr>
+                </a:tc>
+                <a:tc>
+                  <a:txBody>
+                    <a:bodyPr/>
+                    <a:lstStyle/>
+                    <a:p>
+                      <a:pPr algn="ctr" rtl="0" fontAlgn="ctr"/>
+                      <a:r>
+                        <a:rPr lang="en-IN" sz="1400" b="0" i="0" u="none" strike="noStrike">
+                          <a:solidFill>
+                            <a:srgbClr val="000000"/>
+                          </a:solidFill>
+                          <a:effectLst/>
+                          <a:latin typeface="Calibri" panose="020F0502020204030204" pitchFamily="34" charset="0"/>
+                        </a:rPr>
+                        <a:t>382</a:t>
+                      </a:r>
+                    </a:p>
+                  </a:txBody>
+                  <a:tcPr marL="5564" marR="5564" marT="22256" marB="22256" anchor="ctr">
+                    <a:lnL w="12700" cap="flat" cmpd="sng" algn="ctr">
+                      <a:solidFill>
+                        <a:srgbClr val="FFFFFF"/>
+                      </a:solidFill>
+                      <a:prstDash val="solid"/>
+                      <a:round/>
+                      <a:headEnd type="none" w="med" len="med"/>
+                      <a:tailEnd type="none" w="med" len="med"/>
+                    </a:lnL>
+                    <a:lnR w="12700" cap="flat" cmpd="sng" algn="ctr">
+                      <a:solidFill>
+                        <a:srgbClr val="FFFFFF"/>
+                      </a:solidFill>
+                      <a:prstDash val="solid"/>
+                      <a:round/>
+                      <a:headEnd type="none" w="med" len="med"/>
+                      <a:tailEnd type="none" w="med" len="med"/>
+                    </a:lnR>
+                    <a:lnT w="19050" cap="flat" cmpd="sng" algn="ctr">
+                      <a:solidFill>
+                        <a:srgbClr val="FFFFFF"/>
+                      </a:solidFill>
+                      <a:prstDash val="solid"/>
+                      <a:round/>
+                      <a:headEnd type="none" w="med" len="med"/>
+                      <a:tailEnd type="none" w="med" len="med"/>
+                    </a:lnT>
+                    <a:lnB w="12700" cap="flat" cmpd="sng" algn="ctr">
+                      <a:solidFill>
+                        <a:srgbClr val="FFFFFF"/>
+                      </a:solidFill>
+                      <a:prstDash val="solid"/>
+                      <a:round/>
+                      <a:headEnd type="none" w="med" len="med"/>
+                      <a:tailEnd type="none" w="med" len="med"/>
+                    </a:lnB>
+                    <a:solidFill>
+                      <a:srgbClr val="CBCBCB"/>
+                    </a:solidFill>
+                  </a:tcPr>
+                </a:tc>
+                <a:tc>
+                  <a:txBody>
+                    <a:bodyPr/>
+                    <a:lstStyle/>
+                    <a:p>
+                      <a:pPr algn="ctr" rtl="0" fontAlgn="ctr"/>
+                      <a:r>
+                        <a:rPr lang="en-IN" sz="1400" b="0" i="0" u="none" strike="noStrike" dirty="0">
+                          <a:solidFill>
+                            <a:srgbClr val="000000"/>
+                          </a:solidFill>
+                          <a:effectLst/>
+                          <a:latin typeface="Calibri" panose="020F0502020204030204" pitchFamily="34" charset="0"/>
+                        </a:rPr>
+                        <a:t>70%</a:t>
+                      </a:r>
+                    </a:p>
+                  </a:txBody>
+                  <a:tcPr marL="6350" marR="6350" marT="25400" marB="25400" anchor="ctr">
+                    <a:lnL w="12700" cap="flat" cmpd="sng" algn="ctr">
+                      <a:solidFill>
+                        <a:srgbClr val="FFFFFF"/>
+                      </a:solidFill>
+                      <a:prstDash val="solid"/>
+                      <a:round/>
+                      <a:headEnd type="none" w="med" len="med"/>
+                      <a:tailEnd type="none" w="med" len="med"/>
+                    </a:lnL>
+                    <a:lnR w="12700" cap="flat" cmpd="sng" algn="ctr">
+                      <a:solidFill>
+                        <a:srgbClr val="FFFFFF"/>
+                      </a:solidFill>
+                      <a:prstDash val="solid"/>
+                      <a:round/>
+                      <a:headEnd type="none" w="med" len="med"/>
+                      <a:tailEnd type="none" w="med" len="med"/>
+                    </a:lnR>
+                    <a:lnT w="19050" cap="flat" cmpd="sng" algn="ctr">
+                      <a:solidFill>
+                        <a:srgbClr val="FFFFFF"/>
+                      </a:solidFill>
+                      <a:prstDash val="solid"/>
+                      <a:round/>
+                      <a:headEnd type="none" w="med" len="med"/>
+                      <a:tailEnd type="none" w="med" len="med"/>
+                    </a:lnT>
+                    <a:lnB w="12700" cap="flat" cmpd="sng" algn="ctr">
+                      <a:solidFill>
+                        <a:srgbClr val="FFFFFF"/>
+                      </a:solidFill>
+                      <a:prstDash val="solid"/>
+                      <a:round/>
+                      <a:headEnd type="none" w="med" len="med"/>
+                      <a:tailEnd type="none" w="med" len="med"/>
+                    </a:lnB>
+                    <a:solidFill>
+                      <a:srgbClr val="CBCBCB"/>
+                    </a:solidFill>
+                  </a:tcPr>
+                </a:tc>
+                <a:extLst>
+                  <a:ext uri="{0D108BD9-81ED-4DB2-BD59-A6C34878D82A}">
+                    <a16:rowId xmlns:a16="http://schemas.microsoft.com/office/drawing/2014/main" val="1389984185"/>
+                  </a:ext>
+                </a:extLst>
+              </a:tr>
+              <a:tr h="267069">
+                <a:tc>
+                  <a:txBody>
+                    <a:bodyPr/>
+                    <a:lstStyle/>
+                    <a:p>
+                      <a:pPr algn="ctr" rtl="0" fontAlgn="ctr"/>
+                      <a:r>
+                        <a:rPr lang="en-IN" sz="1400" b="0" i="0" u="none" strike="noStrike">
+                          <a:solidFill>
+                            <a:srgbClr val="000000"/>
+                          </a:solidFill>
+                          <a:effectLst/>
+                          <a:latin typeface="Calibri" panose="020F0502020204030204" pitchFamily="34" charset="0"/>
+                        </a:rPr>
+                        <a:t>CHARACTER</a:t>
+                      </a:r>
+                    </a:p>
+                  </a:txBody>
+                  <a:tcPr marL="5564" marR="5564" marT="22256" marB="22256" anchor="ctr">
+                    <a:lnL w="12700" cap="flat" cmpd="sng" algn="ctr">
+                      <a:solidFill>
+                        <a:srgbClr val="FFFFFF"/>
+                      </a:solidFill>
+                      <a:prstDash val="solid"/>
+                      <a:round/>
+                      <a:headEnd type="none" w="med" len="med"/>
+                      <a:tailEnd type="none" w="med" len="med"/>
+                    </a:lnL>
+                    <a:lnR w="12700" cap="flat" cmpd="sng" algn="ctr">
+                      <a:solidFill>
+                        <a:srgbClr val="FFFFFF"/>
+                      </a:solidFill>
+                      <a:prstDash val="solid"/>
+                      <a:round/>
+                      <a:headEnd type="none" w="med" len="med"/>
+                      <a:tailEnd type="none" w="med" len="med"/>
+                    </a:lnR>
+                    <a:lnT w="12700" cap="flat" cmpd="sng" algn="ctr">
+                      <a:solidFill>
+                        <a:srgbClr val="FFFFFF"/>
+                      </a:solidFill>
+                      <a:prstDash val="solid"/>
+                      <a:round/>
+                      <a:headEnd type="none" w="med" len="med"/>
+                      <a:tailEnd type="none" w="med" len="med"/>
+                    </a:lnT>
+                    <a:lnB w="19050" cap="flat" cmpd="sng" algn="ctr">
+                      <a:solidFill>
+                        <a:srgbClr val="FFFFFF"/>
+                      </a:solidFill>
+                      <a:prstDash val="solid"/>
+                      <a:round/>
+                      <a:headEnd type="none" w="med" len="med"/>
+                      <a:tailEnd type="none" w="med" len="med"/>
+                    </a:lnB>
+                    <a:solidFill>
+                      <a:srgbClr val="E7E7E7"/>
+                    </a:solidFill>
+                  </a:tcPr>
+                </a:tc>
+                <a:tc>
+                  <a:txBody>
+                    <a:bodyPr/>
+                    <a:lstStyle/>
+                    <a:p>
+                      <a:pPr algn="ctr" rtl="0" fontAlgn="ctr"/>
+                      <a:r>
+                        <a:rPr lang="en-IN" sz="1400" b="0" i="0" u="none" strike="noStrike" dirty="0">
+                          <a:solidFill>
+                            <a:srgbClr val="000000"/>
+                          </a:solidFill>
+                          <a:effectLst/>
+                          <a:latin typeface="Calibri" panose="020F0502020204030204" pitchFamily="34" charset="0"/>
+                        </a:rPr>
+                        <a:t>0.64</a:t>
+                      </a:r>
+                    </a:p>
+                  </a:txBody>
+                  <a:tcPr marL="5564" marR="5564" marT="5564" marB="0" anchor="ctr">
+                    <a:lnL w="12700" cap="flat" cmpd="sng" algn="ctr">
+                      <a:solidFill>
+                        <a:srgbClr val="FFFFFF"/>
+                      </a:solidFill>
+                      <a:prstDash val="solid"/>
+                      <a:round/>
+                      <a:headEnd type="none" w="med" len="med"/>
+                      <a:tailEnd type="none" w="med" len="med"/>
+                    </a:lnL>
+                    <a:lnR w="12700" cap="flat" cmpd="sng" algn="ctr">
+                      <a:solidFill>
+                        <a:srgbClr val="FFFFFF"/>
+                      </a:solidFill>
+                      <a:prstDash val="solid"/>
+                      <a:round/>
+                      <a:headEnd type="none" w="med" len="med"/>
+                      <a:tailEnd type="none" w="med" len="med"/>
+                    </a:lnR>
+                    <a:lnT w="12700" cap="flat" cmpd="sng" algn="ctr">
+                      <a:solidFill>
+                        <a:srgbClr val="FFFFFF"/>
+                      </a:solidFill>
+                      <a:prstDash val="solid"/>
+                      <a:round/>
+                      <a:headEnd type="none" w="med" len="med"/>
+                      <a:tailEnd type="none" w="med" len="med"/>
+                    </a:lnT>
+                    <a:lnB w="19050" cap="flat" cmpd="sng" algn="ctr">
+                      <a:solidFill>
+                        <a:srgbClr val="FFFFFF"/>
+                      </a:solidFill>
+                      <a:prstDash val="solid"/>
+                      <a:round/>
+                      <a:headEnd type="none" w="med" len="med"/>
+                      <a:tailEnd type="none" w="med" len="med"/>
+                    </a:lnB>
+                    <a:solidFill>
+                      <a:srgbClr val="E7E7E7"/>
+                    </a:solidFill>
+                  </a:tcPr>
+                </a:tc>
+                <a:tc>
+                  <a:txBody>
+                    <a:bodyPr/>
+                    <a:lstStyle/>
+                    <a:p>
+                      <a:pPr algn="ctr" rtl="0" fontAlgn="ctr"/>
+                      <a:r>
+                        <a:rPr lang="en-IN" sz="1400" b="0" i="0" u="none" strike="noStrike">
+                          <a:solidFill>
+                            <a:srgbClr val="000000"/>
+                          </a:solidFill>
+                          <a:effectLst/>
+                          <a:latin typeface="Calibri" panose="020F0502020204030204" pitchFamily="34" charset="0"/>
+                        </a:rPr>
+                        <a:t>0.67</a:t>
+                      </a:r>
+                    </a:p>
+                  </a:txBody>
+                  <a:tcPr marL="5564" marR="5564" marT="5564" marB="0" anchor="ctr">
+                    <a:lnL w="12700" cap="flat" cmpd="sng" algn="ctr">
+                      <a:solidFill>
+                        <a:srgbClr val="FFFFFF"/>
+                      </a:solidFill>
+                      <a:prstDash val="solid"/>
+                      <a:round/>
+                      <a:headEnd type="none" w="med" len="med"/>
+                      <a:tailEnd type="none" w="med" len="med"/>
+                    </a:lnL>
+                    <a:lnR w="12700" cap="flat" cmpd="sng" algn="ctr">
+                      <a:solidFill>
+                        <a:srgbClr val="FFFFFF"/>
+                      </a:solidFill>
+                      <a:prstDash val="solid"/>
+                      <a:round/>
+                      <a:headEnd type="none" w="med" len="med"/>
+                      <a:tailEnd type="none" w="med" len="med"/>
+                    </a:lnR>
+                    <a:lnT w="12700" cap="flat" cmpd="sng" algn="ctr">
+                      <a:solidFill>
+                        <a:srgbClr val="FFFFFF"/>
+                      </a:solidFill>
+                      <a:prstDash val="solid"/>
+                      <a:round/>
+                      <a:headEnd type="none" w="med" len="med"/>
+                      <a:tailEnd type="none" w="med" len="med"/>
+                    </a:lnT>
+                    <a:lnB w="19050" cap="flat" cmpd="sng" algn="ctr">
+                      <a:solidFill>
+                        <a:srgbClr val="FFFFFF"/>
+                      </a:solidFill>
+                      <a:prstDash val="solid"/>
+                      <a:round/>
+                      <a:headEnd type="none" w="med" len="med"/>
+                      <a:tailEnd type="none" w="med" len="med"/>
+                    </a:lnB>
+                    <a:solidFill>
+                      <a:srgbClr val="E7E7E7"/>
+                    </a:solidFill>
+                  </a:tcPr>
+                </a:tc>
+                <a:tc>
+                  <a:txBody>
+                    <a:bodyPr/>
+                    <a:lstStyle/>
+                    <a:p>
+                      <a:pPr algn="ctr" rtl="0" fontAlgn="ctr"/>
+                      <a:r>
+                        <a:rPr lang="en-IN" sz="1400" b="0" i="0" u="none" strike="noStrike">
+                          <a:solidFill>
+                            <a:srgbClr val="000000"/>
+                          </a:solidFill>
+                          <a:effectLst/>
+                          <a:latin typeface="Calibri" panose="020F0502020204030204" pitchFamily="34" charset="0"/>
+                        </a:rPr>
+                        <a:t>0.66</a:t>
+                      </a:r>
+                    </a:p>
+                  </a:txBody>
+                  <a:tcPr marL="5564" marR="5564" marT="5564" marB="0" anchor="ctr">
+                    <a:lnL w="12700" cap="flat" cmpd="sng" algn="ctr">
+                      <a:solidFill>
+                        <a:srgbClr val="FFFFFF"/>
+                      </a:solidFill>
+                      <a:prstDash val="solid"/>
+                      <a:round/>
+                      <a:headEnd type="none" w="med" len="med"/>
+                      <a:tailEnd type="none" w="med" len="med"/>
+                    </a:lnL>
+                    <a:lnR w="12700" cap="flat" cmpd="sng" algn="ctr">
+                      <a:solidFill>
+                        <a:srgbClr val="FFFFFF"/>
+                      </a:solidFill>
+                      <a:prstDash val="solid"/>
+                      <a:round/>
+                      <a:headEnd type="none" w="med" len="med"/>
+                      <a:tailEnd type="none" w="med" len="med"/>
+                    </a:lnR>
+                    <a:lnT w="12700" cap="flat" cmpd="sng" algn="ctr">
+                      <a:solidFill>
+                        <a:srgbClr val="FFFFFF"/>
+                      </a:solidFill>
+                      <a:prstDash val="solid"/>
+                      <a:round/>
+                      <a:headEnd type="none" w="med" len="med"/>
+                      <a:tailEnd type="none" w="med" len="med"/>
+                    </a:lnT>
+                    <a:lnB w="19050" cap="flat" cmpd="sng" algn="ctr">
+                      <a:solidFill>
+                        <a:srgbClr val="FFFFFF"/>
+                      </a:solidFill>
+                      <a:prstDash val="solid"/>
+                      <a:round/>
+                      <a:headEnd type="none" w="med" len="med"/>
+                      <a:tailEnd type="none" w="med" len="med"/>
+                    </a:lnB>
+                    <a:solidFill>
+                      <a:srgbClr val="E7E7E7"/>
+                    </a:solidFill>
+                  </a:tcPr>
+                </a:tc>
+                <a:tc>
+                  <a:txBody>
+                    <a:bodyPr/>
+                    <a:lstStyle/>
+                    <a:p>
+                      <a:pPr algn="ctr" rtl="0" fontAlgn="ctr"/>
+                      <a:r>
+                        <a:rPr lang="en-IN" sz="1400" b="0" i="0" u="none" strike="noStrike">
+                          <a:solidFill>
+                            <a:srgbClr val="000000"/>
+                          </a:solidFill>
+                          <a:effectLst/>
+                          <a:latin typeface="Calibri" panose="020F0502020204030204" pitchFamily="34" charset="0"/>
+                        </a:rPr>
+                        <a:t>99</a:t>
+                      </a:r>
+                    </a:p>
+                  </a:txBody>
+                  <a:tcPr marL="5564" marR="5564" marT="22256" marB="22256" anchor="ctr">
+                    <a:lnL w="12700" cap="flat" cmpd="sng" algn="ctr">
+                      <a:solidFill>
+                        <a:srgbClr val="FFFFFF"/>
+                      </a:solidFill>
+                      <a:prstDash val="solid"/>
+                      <a:round/>
+                      <a:headEnd type="none" w="med" len="med"/>
+                      <a:tailEnd type="none" w="med" len="med"/>
+                    </a:lnL>
+                    <a:lnR w="12700" cap="flat" cmpd="sng" algn="ctr">
+                      <a:solidFill>
+                        <a:srgbClr val="FFFFFF"/>
+                      </a:solidFill>
+                      <a:prstDash val="solid"/>
+                      <a:round/>
+                      <a:headEnd type="none" w="med" len="med"/>
+                      <a:tailEnd type="none" w="med" len="med"/>
+                    </a:lnR>
+                    <a:lnT w="12700" cap="flat" cmpd="sng" algn="ctr">
+                      <a:solidFill>
+                        <a:srgbClr val="FFFFFF"/>
+                      </a:solidFill>
+                      <a:prstDash val="solid"/>
+                      <a:round/>
+                      <a:headEnd type="none" w="med" len="med"/>
+                      <a:tailEnd type="none" w="med" len="med"/>
+                    </a:lnT>
+                    <a:lnB w="19050" cap="flat" cmpd="sng" algn="ctr">
+                      <a:solidFill>
+                        <a:srgbClr val="FFFFFF"/>
+                      </a:solidFill>
+                      <a:prstDash val="solid"/>
+                      <a:round/>
+                      <a:headEnd type="none" w="med" len="med"/>
+                      <a:tailEnd type="none" w="med" len="med"/>
+                    </a:lnB>
+                    <a:solidFill>
+                      <a:srgbClr val="E7E7E7"/>
+                    </a:solidFill>
+                  </a:tcPr>
+                </a:tc>
+                <a:tc>
+                  <a:txBody>
+                    <a:bodyPr/>
+                    <a:lstStyle/>
+                    <a:p>
+                      <a:pPr algn="ctr" rtl="0" fontAlgn="ctr"/>
+                      <a:r>
+                        <a:rPr lang="en-IN" sz="1400" b="0" i="0" u="none" strike="noStrike">
+                          <a:solidFill>
+                            <a:srgbClr val="000000"/>
+                          </a:solidFill>
+                          <a:effectLst/>
+                          <a:latin typeface="Calibri" panose="020F0502020204030204" pitchFamily="34" charset="0"/>
+                        </a:rPr>
+                        <a:t>31</a:t>
+                      </a:r>
+                    </a:p>
+                  </a:txBody>
+                  <a:tcPr marL="5564" marR="5564" marT="22256" marB="22256" anchor="ctr">
+                    <a:lnL w="12700" cap="flat" cmpd="sng" algn="ctr">
+                      <a:solidFill>
+                        <a:srgbClr val="FFFFFF"/>
+                      </a:solidFill>
+                      <a:prstDash val="solid"/>
+                      <a:round/>
+                      <a:headEnd type="none" w="med" len="med"/>
+                      <a:tailEnd type="none" w="med" len="med"/>
+                    </a:lnL>
+                    <a:lnR w="12700" cap="flat" cmpd="sng" algn="ctr">
+                      <a:solidFill>
+                        <a:srgbClr val="FFFFFF"/>
+                      </a:solidFill>
+                      <a:prstDash val="solid"/>
+                      <a:round/>
+                      <a:headEnd type="none" w="med" len="med"/>
+                      <a:tailEnd type="none" w="med" len="med"/>
+                    </a:lnR>
+                    <a:lnT w="12700" cap="flat" cmpd="sng" algn="ctr">
+                      <a:solidFill>
+                        <a:srgbClr val="FFFFFF"/>
+                      </a:solidFill>
+                      <a:prstDash val="solid"/>
+                      <a:round/>
+                      <a:headEnd type="none" w="med" len="med"/>
+                      <a:tailEnd type="none" w="med" len="med"/>
+                    </a:lnT>
+                    <a:lnB w="19050" cap="flat" cmpd="sng" algn="ctr">
+                      <a:solidFill>
+                        <a:srgbClr val="FFFFFF"/>
+                      </a:solidFill>
+                      <a:prstDash val="solid"/>
+                      <a:round/>
+                      <a:headEnd type="none" w="med" len="med"/>
+                      <a:tailEnd type="none" w="med" len="med"/>
+                    </a:lnB>
+                    <a:solidFill>
+                      <a:srgbClr val="E7E7E7"/>
+                    </a:solidFill>
+                  </a:tcPr>
+                </a:tc>
+                <a:tc>
+                  <a:txBody>
+                    <a:bodyPr/>
+                    <a:lstStyle/>
+                    <a:p>
+                      <a:pPr algn="ctr" rtl="0" fontAlgn="ctr"/>
+                      <a:r>
+                        <a:rPr lang="en-IN" sz="1400" b="0" i="0" u="none" strike="noStrike" dirty="0">
+                          <a:solidFill>
+                            <a:srgbClr val="000000"/>
+                          </a:solidFill>
+                          <a:effectLst/>
+                          <a:latin typeface="Calibri" panose="020F0502020204030204" pitchFamily="34" charset="0"/>
+                        </a:rPr>
+                        <a:t>68</a:t>
+                      </a:r>
+                    </a:p>
+                  </a:txBody>
+                  <a:tcPr marL="5564" marR="5564" marT="22256" marB="22256" anchor="ctr">
+                    <a:lnL w="12700" cap="flat" cmpd="sng" algn="ctr">
+                      <a:solidFill>
+                        <a:srgbClr val="FFFFFF"/>
+                      </a:solidFill>
+                      <a:prstDash val="solid"/>
+                      <a:round/>
+                      <a:headEnd type="none" w="med" len="med"/>
+                      <a:tailEnd type="none" w="med" len="med"/>
+                    </a:lnL>
+                    <a:lnR w="12700" cap="flat" cmpd="sng" algn="ctr">
+                      <a:solidFill>
+                        <a:srgbClr val="FFFFFF"/>
+                      </a:solidFill>
+                      <a:prstDash val="solid"/>
+                      <a:round/>
+                      <a:headEnd type="none" w="med" len="med"/>
+                      <a:tailEnd type="none" w="med" len="med"/>
+                    </a:lnR>
+                    <a:lnT w="12700" cap="flat" cmpd="sng" algn="ctr">
+                      <a:solidFill>
+                        <a:srgbClr val="FFFFFF"/>
+                      </a:solidFill>
+                      <a:prstDash val="solid"/>
+                      <a:round/>
+                      <a:headEnd type="none" w="med" len="med"/>
+                      <a:tailEnd type="none" w="med" len="med"/>
+                    </a:lnT>
+                    <a:lnB w="19050" cap="flat" cmpd="sng" algn="ctr">
+                      <a:solidFill>
+                        <a:srgbClr val="FFFFFF"/>
+                      </a:solidFill>
+                      <a:prstDash val="solid"/>
+                      <a:round/>
+                      <a:headEnd type="none" w="med" len="med"/>
+                      <a:tailEnd type="none" w="med" len="med"/>
+                    </a:lnB>
+                    <a:solidFill>
+                      <a:srgbClr val="E7E7E7"/>
+                    </a:solidFill>
+                  </a:tcPr>
+                </a:tc>
+                <a:tc>
+                  <a:txBody>
+                    <a:bodyPr/>
+                    <a:lstStyle/>
+                    <a:p>
+                      <a:pPr algn="ctr" rtl="0" fontAlgn="ctr"/>
+                      <a:r>
+                        <a:rPr lang="en-IN" sz="1400" b="0" i="0" u="none" strike="noStrike" dirty="0">
+                          <a:solidFill>
+                            <a:srgbClr val="000000"/>
+                          </a:solidFill>
+                          <a:effectLst/>
+                          <a:latin typeface="Calibri" panose="020F0502020204030204" pitchFamily="34" charset="0"/>
+                        </a:rPr>
+                        <a:t>70%</a:t>
+                      </a:r>
+                    </a:p>
+                  </a:txBody>
+                  <a:tcPr marL="6350" marR="6350" marT="25400" marB="25400" anchor="ctr">
+                    <a:lnL w="12700" cap="flat" cmpd="sng" algn="ctr">
+                      <a:solidFill>
+                        <a:srgbClr val="FFFFFF"/>
+                      </a:solidFill>
+                      <a:prstDash val="solid"/>
+                      <a:round/>
+                      <a:headEnd type="none" w="med" len="med"/>
+                      <a:tailEnd type="none" w="med" len="med"/>
+                    </a:lnL>
+                    <a:lnR w="12700" cap="flat" cmpd="sng" algn="ctr">
+                      <a:solidFill>
+                        <a:srgbClr val="FFFFFF"/>
+                      </a:solidFill>
+                      <a:prstDash val="solid"/>
+                      <a:round/>
+                      <a:headEnd type="none" w="med" len="med"/>
+                      <a:tailEnd type="none" w="med" len="med"/>
+                    </a:lnR>
+                    <a:lnT w="12700" cap="flat" cmpd="sng" algn="ctr">
+                      <a:solidFill>
+                        <a:srgbClr val="FFFFFF"/>
+                      </a:solidFill>
+                      <a:prstDash val="solid"/>
+                      <a:round/>
+                      <a:headEnd type="none" w="med" len="med"/>
+                      <a:tailEnd type="none" w="med" len="med"/>
+                    </a:lnT>
+                    <a:lnB w="19050" cap="flat" cmpd="sng" algn="ctr">
+                      <a:solidFill>
+                        <a:srgbClr val="FFFFFF"/>
+                      </a:solidFill>
+                      <a:prstDash val="solid"/>
+                      <a:round/>
+                      <a:headEnd type="none" w="med" len="med"/>
+                      <a:tailEnd type="none" w="med" len="med"/>
+                    </a:lnB>
+                    <a:solidFill>
+                      <a:srgbClr val="E7E7E7"/>
+                    </a:solidFill>
+                  </a:tcPr>
+                </a:tc>
+                <a:extLst>
+                  <a:ext uri="{0D108BD9-81ED-4DB2-BD59-A6C34878D82A}">
+                    <a16:rowId xmlns:a16="http://schemas.microsoft.com/office/drawing/2014/main" val="2452602858"/>
+                  </a:ext>
+                </a:extLst>
+              </a:tr>
+              <a:tr h="272633">
+                <a:tc>
+                  <a:txBody>
+                    <a:bodyPr/>
+                    <a:lstStyle/>
+                    <a:p>
+                      <a:pPr algn="ctr" rtl="0" fontAlgn="ctr"/>
+                      <a:r>
+                        <a:rPr lang="en-IN" sz="1400" b="0" i="0" u="none" strike="noStrike">
+                          <a:solidFill>
+                            <a:srgbClr val="000000"/>
+                          </a:solidFill>
+                          <a:effectLst/>
+                          <a:latin typeface="Calibri" panose="020F0502020204030204" pitchFamily="34" charset="0"/>
+                        </a:rPr>
+                        <a:t>DIRECTOR</a:t>
+                      </a:r>
+                    </a:p>
+                  </a:txBody>
+                  <a:tcPr marL="5564" marR="5564" marT="22256" marB="22256" anchor="ctr">
+                    <a:lnL w="12700" cap="flat" cmpd="sng" algn="ctr">
+                      <a:solidFill>
+                        <a:srgbClr val="FFFFFF"/>
+                      </a:solidFill>
+                      <a:prstDash val="solid"/>
+                      <a:round/>
+                      <a:headEnd type="none" w="med" len="med"/>
+                      <a:tailEnd type="none" w="med" len="med"/>
+                    </a:lnL>
+                    <a:lnR w="12700" cap="flat" cmpd="sng" algn="ctr">
+                      <a:solidFill>
+                        <a:srgbClr val="FFFFFF"/>
+                      </a:solidFill>
+                      <a:prstDash val="solid"/>
+                      <a:round/>
+                      <a:headEnd type="none" w="med" len="med"/>
+                      <a:tailEnd type="none" w="med" len="med"/>
+                    </a:lnR>
+                    <a:lnT w="19050" cap="flat" cmpd="sng" algn="ctr">
+                      <a:solidFill>
+                        <a:srgbClr val="FFFFFF"/>
+                      </a:solidFill>
+                      <a:prstDash val="solid"/>
+                      <a:round/>
+                      <a:headEnd type="none" w="med" len="med"/>
+                      <a:tailEnd type="none" w="med" len="med"/>
+                    </a:lnT>
+                    <a:lnB w="12700" cap="flat" cmpd="sng" algn="ctr">
+                      <a:solidFill>
+                        <a:srgbClr val="FFFFFF"/>
+                      </a:solidFill>
+                      <a:prstDash val="solid"/>
+                      <a:round/>
+                      <a:headEnd type="none" w="med" len="med"/>
+                      <a:tailEnd type="none" w="med" len="med"/>
+                    </a:lnB>
+                    <a:solidFill>
+                      <a:srgbClr val="CBCBCB"/>
+                    </a:solidFill>
+                  </a:tcPr>
+                </a:tc>
+                <a:tc>
+                  <a:txBody>
+                    <a:bodyPr/>
+                    <a:lstStyle/>
+                    <a:p>
+                      <a:pPr algn="ctr" rtl="0" fontAlgn="ctr"/>
+                      <a:r>
+                        <a:rPr lang="en-IN" sz="1400" b="0" i="0" u="none" strike="noStrike">
+                          <a:solidFill>
+                            <a:srgbClr val="000000"/>
+                          </a:solidFill>
+                          <a:effectLst/>
+                          <a:latin typeface="Calibri" panose="020F0502020204030204" pitchFamily="34" charset="0"/>
+                        </a:rPr>
+                        <a:t>0.93</a:t>
+                      </a:r>
+                    </a:p>
+                  </a:txBody>
+                  <a:tcPr marL="5564" marR="5564" marT="5564" marB="0" anchor="ctr">
+                    <a:lnL w="12700" cap="flat" cmpd="sng" algn="ctr">
+                      <a:solidFill>
+                        <a:srgbClr val="FFFFFF"/>
+                      </a:solidFill>
+                      <a:prstDash val="solid"/>
+                      <a:round/>
+                      <a:headEnd type="none" w="med" len="med"/>
+                      <a:tailEnd type="none" w="med" len="med"/>
+                    </a:lnL>
+                    <a:lnR w="12700" cap="flat" cmpd="sng" algn="ctr">
+                      <a:solidFill>
+                        <a:srgbClr val="FFFFFF"/>
+                      </a:solidFill>
+                      <a:prstDash val="solid"/>
+                      <a:round/>
+                      <a:headEnd type="none" w="med" len="med"/>
+                      <a:tailEnd type="none" w="med" len="med"/>
+                    </a:lnR>
+                    <a:lnT w="19050" cap="flat" cmpd="sng" algn="ctr">
+                      <a:solidFill>
+                        <a:srgbClr val="FFFFFF"/>
+                      </a:solidFill>
+                      <a:prstDash val="solid"/>
+                      <a:round/>
+                      <a:headEnd type="none" w="med" len="med"/>
+                      <a:tailEnd type="none" w="med" len="med"/>
+                    </a:lnT>
+                    <a:lnB w="12700" cap="flat" cmpd="sng" algn="ctr">
+                      <a:solidFill>
+                        <a:srgbClr val="FFFFFF"/>
+                      </a:solidFill>
+                      <a:prstDash val="solid"/>
+                      <a:round/>
+                      <a:headEnd type="none" w="med" len="med"/>
+                      <a:tailEnd type="none" w="med" len="med"/>
+                    </a:lnB>
+                    <a:solidFill>
+                      <a:srgbClr val="CBCBCB"/>
+                    </a:solidFill>
+                  </a:tcPr>
+                </a:tc>
+                <a:tc>
+                  <a:txBody>
+                    <a:bodyPr/>
+                    <a:lstStyle/>
+                    <a:p>
+                      <a:pPr algn="ctr" rtl="0" fontAlgn="ctr"/>
+                      <a:r>
+                        <a:rPr lang="en-IN" sz="1400" b="0" i="0" u="none" strike="noStrike">
+                          <a:solidFill>
+                            <a:srgbClr val="000000"/>
+                          </a:solidFill>
+                          <a:effectLst/>
+                          <a:latin typeface="Calibri" panose="020F0502020204030204" pitchFamily="34" charset="0"/>
+                        </a:rPr>
+                        <a:t>0.86</a:t>
+                      </a:r>
+                    </a:p>
+                  </a:txBody>
+                  <a:tcPr marL="5564" marR="5564" marT="5564" marB="0" anchor="ctr">
+                    <a:lnL w="12700" cap="flat" cmpd="sng" algn="ctr">
+                      <a:solidFill>
+                        <a:srgbClr val="FFFFFF"/>
+                      </a:solidFill>
+                      <a:prstDash val="solid"/>
+                      <a:round/>
+                      <a:headEnd type="none" w="med" len="med"/>
+                      <a:tailEnd type="none" w="med" len="med"/>
+                    </a:lnL>
+                    <a:lnR w="12700" cap="flat" cmpd="sng" algn="ctr">
+                      <a:solidFill>
+                        <a:srgbClr val="FFFFFF"/>
+                      </a:solidFill>
+                      <a:prstDash val="solid"/>
+                      <a:round/>
+                      <a:headEnd type="none" w="med" len="med"/>
+                      <a:tailEnd type="none" w="med" len="med"/>
+                    </a:lnR>
+                    <a:lnT w="19050" cap="flat" cmpd="sng" algn="ctr">
+                      <a:solidFill>
+                        <a:srgbClr val="FFFFFF"/>
+                      </a:solidFill>
+                      <a:prstDash val="solid"/>
+                      <a:round/>
+                      <a:headEnd type="none" w="med" len="med"/>
+                      <a:tailEnd type="none" w="med" len="med"/>
+                    </a:lnT>
+                    <a:lnB w="12700" cap="flat" cmpd="sng" algn="ctr">
+                      <a:solidFill>
+                        <a:srgbClr val="FFFFFF"/>
+                      </a:solidFill>
+                      <a:prstDash val="solid"/>
+                      <a:round/>
+                      <a:headEnd type="none" w="med" len="med"/>
+                      <a:tailEnd type="none" w="med" len="med"/>
+                    </a:lnB>
+                    <a:solidFill>
+                      <a:srgbClr val="CBCBCB"/>
+                    </a:solidFill>
+                  </a:tcPr>
+                </a:tc>
+                <a:tc>
+                  <a:txBody>
+                    <a:bodyPr/>
+                    <a:lstStyle/>
+                    <a:p>
+                      <a:pPr algn="ctr" rtl="0" fontAlgn="ctr"/>
+                      <a:r>
+                        <a:rPr lang="en-IN" sz="1400" b="0" i="0" u="none" strike="noStrike" dirty="0">
+                          <a:solidFill>
+                            <a:srgbClr val="000000"/>
+                          </a:solidFill>
+                          <a:effectLst/>
+                          <a:latin typeface="Calibri" panose="020F0502020204030204" pitchFamily="34" charset="0"/>
+                        </a:rPr>
+                        <a:t>0.89</a:t>
+                      </a:r>
+                    </a:p>
+                  </a:txBody>
+                  <a:tcPr marL="5564" marR="5564" marT="5564" marB="0" anchor="ctr">
+                    <a:lnL w="12700" cap="flat" cmpd="sng" algn="ctr">
+                      <a:solidFill>
+                        <a:srgbClr val="FFFFFF"/>
+                      </a:solidFill>
+                      <a:prstDash val="solid"/>
+                      <a:round/>
+                      <a:headEnd type="none" w="med" len="med"/>
+                      <a:tailEnd type="none" w="med" len="med"/>
+                    </a:lnL>
+                    <a:lnR w="12700" cap="flat" cmpd="sng" algn="ctr">
+                      <a:solidFill>
+                        <a:srgbClr val="FFFFFF"/>
+                      </a:solidFill>
+                      <a:prstDash val="solid"/>
+                      <a:round/>
+                      <a:headEnd type="none" w="med" len="med"/>
+                      <a:tailEnd type="none" w="med" len="med"/>
+                    </a:lnR>
+                    <a:lnT w="19050" cap="flat" cmpd="sng" algn="ctr">
+                      <a:solidFill>
+                        <a:srgbClr val="FFFFFF"/>
+                      </a:solidFill>
+                      <a:prstDash val="solid"/>
+                      <a:round/>
+                      <a:headEnd type="none" w="med" len="med"/>
+                      <a:tailEnd type="none" w="med" len="med"/>
+                    </a:lnT>
+                    <a:lnB w="12700" cap="flat" cmpd="sng" algn="ctr">
+                      <a:solidFill>
+                        <a:srgbClr val="FFFFFF"/>
+                      </a:solidFill>
+                      <a:prstDash val="solid"/>
+                      <a:round/>
+                      <a:headEnd type="none" w="med" len="med"/>
+                      <a:tailEnd type="none" w="med" len="med"/>
+                    </a:lnB>
+                    <a:solidFill>
+                      <a:srgbClr val="CBCBCB"/>
+                    </a:solidFill>
+                  </a:tcPr>
+                </a:tc>
+                <a:tc>
+                  <a:txBody>
+                    <a:bodyPr/>
+                    <a:lstStyle/>
+                    <a:p>
+                      <a:pPr algn="ctr" rtl="0" fontAlgn="ctr"/>
+                      <a:r>
+                        <a:rPr lang="en-IN" sz="1400" b="0" i="0" u="none" strike="noStrike">
+                          <a:solidFill>
+                            <a:srgbClr val="000000"/>
+                          </a:solidFill>
+                          <a:effectLst/>
+                          <a:latin typeface="Calibri" panose="020F0502020204030204" pitchFamily="34" charset="0"/>
+                        </a:rPr>
+                        <a:t>390</a:t>
+                      </a:r>
+                    </a:p>
+                  </a:txBody>
+                  <a:tcPr marL="5564" marR="5564" marT="22256" marB="22256" anchor="ctr">
+                    <a:lnL w="12700" cap="flat" cmpd="sng" algn="ctr">
+                      <a:solidFill>
+                        <a:srgbClr val="FFFFFF"/>
+                      </a:solidFill>
+                      <a:prstDash val="solid"/>
+                      <a:round/>
+                      <a:headEnd type="none" w="med" len="med"/>
+                      <a:tailEnd type="none" w="med" len="med"/>
+                    </a:lnL>
+                    <a:lnR w="12700" cap="flat" cmpd="sng" algn="ctr">
+                      <a:solidFill>
+                        <a:srgbClr val="FFFFFF"/>
+                      </a:solidFill>
+                      <a:prstDash val="solid"/>
+                      <a:round/>
+                      <a:headEnd type="none" w="med" len="med"/>
+                      <a:tailEnd type="none" w="med" len="med"/>
+                    </a:lnR>
+                    <a:lnT w="19050" cap="flat" cmpd="sng" algn="ctr">
+                      <a:solidFill>
+                        <a:srgbClr val="FFFFFF"/>
+                      </a:solidFill>
+                      <a:prstDash val="solid"/>
+                      <a:round/>
+                      <a:headEnd type="none" w="med" len="med"/>
+                      <a:tailEnd type="none" w="med" len="med"/>
+                    </a:lnT>
+                    <a:lnB w="12700" cap="flat" cmpd="sng" algn="ctr">
+                      <a:solidFill>
+                        <a:srgbClr val="FFFFFF"/>
+                      </a:solidFill>
+                      <a:prstDash val="solid"/>
+                      <a:round/>
+                      <a:headEnd type="none" w="med" len="med"/>
+                      <a:tailEnd type="none" w="med" len="med"/>
+                    </a:lnB>
+                    <a:solidFill>
+                      <a:srgbClr val="CBCBCB"/>
+                    </a:solidFill>
+                  </a:tcPr>
+                </a:tc>
+                <a:tc>
+                  <a:txBody>
+                    <a:bodyPr/>
+                    <a:lstStyle/>
+                    <a:p>
+                      <a:pPr algn="ctr" rtl="0" fontAlgn="ctr"/>
+                      <a:r>
+                        <a:rPr lang="en-IN" sz="1400" b="0" i="0" u="none" strike="noStrike">
+                          <a:solidFill>
+                            <a:srgbClr val="000000"/>
+                          </a:solidFill>
+                          <a:effectLst/>
+                          <a:latin typeface="Calibri" panose="020F0502020204030204" pitchFamily="34" charset="0"/>
+                        </a:rPr>
+                        <a:t>67</a:t>
+                      </a:r>
+                    </a:p>
+                  </a:txBody>
+                  <a:tcPr marL="5564" marR="5564" marT="22256" marB="22256" anchor="ctr">
+                    <a:lnL w="12700" cap="flat" cmpd="sng" algn="ctr">
+                      <a:solidFill>
+                        <a:srgbClr val="FFFFFF"/>
+                      </a:solidFill>
+                      <a:prstDash val="solid"/>
+                      <a:round/>
+                      <a:headEnd type="none" w="med" len="med"/>
+                      <a:tailEnd type="none" w="med" len="med"/>
+                    </a:lnL>
+                    <a:lnR w="12700" cap="flat" cmpd="sng" algn="ctr">
+                      <a:solidFill>
+                        <a:srgbClr val="FFFFFF"/>
+                      </a:solidFill>
+                      <a:prstDash val="solid"/>
+                      <a:round/>
+                      <a:headEnd type="none" w="med" len="med"/>
+                      <a:tailEnd type="none" w="med" len="med"/>
+                    </a:lnR>
+                    <a:lnT w="19050" cap="flat" cmpd="sng" algn="ctr">
+                      <a:solidFill>
+                        <a:srgbClr val="FFFFFF"/>
+                      </a:solidFill>
+                      <a:prstDash val="solid"/>
+                      <a:round/>
+                      <a:headEnd type="none" w="med" len="med"/>
+                      <a:tailEnd type="none" w="med" len="med"/>
+                    </a:lnT>
+                    <a:lnB w="12700" cap="flat" cmpd="sng" algn="ctr">
+                      <a:solidFill>
+                        <a:srgbClr val="FFFFFF"/>
+                      </a:solidFill>
+                      <a:prstDash val="solid"/>
+                      <a:round/>
+                      <a:headEnd type="none" w="med" len="med"/>
+                      <a:tailEnd type="none" w="med" len="med"/>
+                    </a:lnB>
+                    <a:solidFill>
+                      <a:srgbClr val="CBCBCB"/>
+                    </a:solidFill>
+                  </a:tcPr>
+                </a:tc>
+                <a:tc>
+                  <a:txBody>
+                    <a:bodyPr/>
+                    <a:lstStyle/>
+                    <a:p>
+                      <a:pPr algn="ctr" rtl="0" fontAlgn="ctr"/>
+                      <a:r>
+                        <a:rPr lang="en-IN" sz="1400" b="0" i="0" u="none" strike="noStrike">
+                          <a:solidFill>
+                            <a:srgbClr val="000000"/>
+                          </a:solidFill>
+                          <a:effectLst/>
+                          <a:latin typeface="Calibri" panose="020F0502020204030204" pitchFamily="34" charset="0"/>
+                        </a:rPr>
+                        <a:t>323</a:t>
+                      </a:r>
+                    </a:p>
+                  </a:txBody>
+                  <a:tcPr marL="5564" marR="5564" marT="22256" marB="22256" anchor="ctr">
+                    <a:lnL w="12700" cap="flat" cmpd="sng" algn="ctr">
+                      <a:solidFill>
+                        <a:srgbClr val="FFFFFF"/>
+                      </a:solidFill>
+                      <a:prstDash val="solid"/>
+                      <a:round/>
+                      <a:headEnd type="none" w="med" len="med"/>
+                      <a:tailEnd type="none" w="med" len="med"/>
+                    </a:lnL>
+                    <a:lnR w="12700" cap="flat" cmpd="sng" algn="ctr">
+                      <a:solidFill>
+                        <a:srgbClr val="FFFFFF"/>
+                      </a:solidFill>
+                      <a:prstDash val="solid"/>
+                      <a:round/>
+                      <a:headEnd type="none" w="med" len="med"/>
+                      <a:tailEnd type="none" w="med" len="med"/>
+                    </a:lnR>
+                    <a:lnT w="19050" cap="flat" cmpd="sng" algn="ctr">
+                      <a:solidFill>
+                        <a:srgbClr val="FFFFFF"/>
+                      </a:solidFill>
+                      <a:prstDash val="solid"/>
+                      <a:round/>
+                      <a:headEnd type="none" w="med" len="med"/>
+                      <a:tailEnd type="none" w="med" len="med"/>
+                    </a:lnT>
+                    <a:lnB w="12700" cap="flat" cmpd="sng" algn="ctr">
+                      <a:solidFill>
+                        <a:srgbClr val="FFFFFF"/>
+                      </a:solidFill>
+                      <a:prstDash val="solid"/>
+                      <a:round/>
+                      <a:headEnd type="none" w="med" len="med"/>
+                      <a:tailEnd type="none" w="med" len="med"/>
+                    </a:lnB>
+                    <a:solidFill>
+                      <a:srgbClr val="CBCBCB"/>
+                    </a:solidFill>
+                  </a:tcPr>
+                </a:tc>
+                <a:tc>
+                  <a:txBody>
+                    <a:bodyPr/>
+                    <a:lstStyle/>
+                    <a:p>
+                      <a:pPr algn="ctr" rtl="0" fontAlgn="ctr"/>
+                      <a:r>
+                        <a:rPr lang="en-IN" sz="1400" b="0" i="0" u="none" strike="noStrike">
+                          <a:solidFill>
+                            <a:srgbClr val="000000"/>
+                          </a:solidFill>
+                          <a:effectLst/>
+                          <a:latin typeface="Calibri" panose="020F0502020204030204" pitchFamily="34" charset="0"/>
+                        </a:rPr>
+                        <a:t>80%</a:t>
+                      </a:r>
+                    </a:p>
+                  </a:txBody>
+                  <a:tcPr marL="6350" marR="6350" marT="25400" marB="25400" anchor="ctr">
+                    <a:lnL w="12700" cap="flat" cmpd="sng" algn="ctr">
+                      <a:solidFill>
+                        <a:srgbClr val="FFFFFF"/>
+                      </a:solidFill>
+                      <a:prstDash val="solid"/>
+                      <a:round/>
+                      <a:headEnd type="none" w="med" len="med"/>
+                      <a:tailEnd type="none" w="med" len="med"/>
+                    </a:lnL>
+                    <a:lnR w="12700" cap="flat" cmpd="sng" algn="ctr">
+                      <a:solidFill>
+                        <a:srgbClr val="FFFFFF"/>
+                      </a:solidFill>
+                      <a:prstDash val="solid"/>
+                      <a:round/>
+                      <a:headEnd type="none" w="med" len="med"/>
+                      <a:tailEnd type="none" w="med" len="med"/>
+                    </a:lnR>
+                    <a:lnT w="19050" cap="flat" cmpd="sng" algn="ctr">
+                      <a:solidFill>
+                        <a:srgbClr val="FFFFFF"/>
+                      </a:solidFill>
+                      <a:prstDash val="solid"/>
+                      <a:round/>
+                      <a:headEnd type="none" w="med" len="med"/>
+                      <a:tailEnd type="none" w="med" len="med"/>
+                    </a:lnT>
+                    <a:lnB w="12700" cap="flat" cmpd="sng" algn="ctr">
+                      <a:solidFill>
+                        <a:srgbClr val="FFFFFF"/>
+                      </a:solidFill>
+                      <a:prstDash val="solid"/>
+                      <a:round/>
+                      <a:headEnd type="none" w="med" len="med"/>
+                      <a:tailEnd type="none" w="med" len="med"/>
+                    </a:lnB>
+                    <a:solidFill>
+                      <a:srgbClr val="CBCBCB"/>
+                    </a:solidFill>
+                  </a:tcPr>
+                </a:tc>
+                <a:extLst>
+                  <a:ext uri="{0D108BD9-81ED-4DB2-BD59-A6C34878D82A}">
+                    <a16:rowId xmlns:a16="http://schemas.microsoft.com/office/drawing/2014/main" val="740752556"/>
+                  </a:ext>
+                </a:extLst>
+              </a:tr>
+              <a:tr h="267069">
+                <a:tc>
+                  <a:txBody>
+                    <a:bodyPr/>
+                    <a:lstStyle/>
+                    <a:p>
+                      <a:pPr algn="ctr" rtl="0" fontAlgn="ctr"/>
+                      <a:r>
+                        <a:rPr lang="en-IN" sz="1400" b="0" i="0" u="none" strike="noStrike">
+                          <a:solidFill>
+                            <a:srgbClr val="000000"/>
+                          </a:solidFill>
+                          <a:effectLst/>
+                          <a:latin typeface="Calibri" panose="020F0502020204030204" pitchFamily="34" charset="0"/>
+                        </a:rPr>
+                        <a:t>GENRE</a:t>
+                      </a:r>
+                    </a:p>
+                  </a:txBody>
+                  <a:tcPr marL="5564" marR="5564" marT="22256" marB="22256" anchor="ctr">
+                    <a:lnL w="12700" cap="flat" cmpd="sng" algn="ctr">
+                      <a:solidFill>
+                        <a:srgbClr val="FFFFFF"/>
+                      </a:solidFill>
+                      <a:prstDash val="solid"/>
+                      <a:round/>
+                      <a:headEnd type="none" w="med" len="med"/>
+                      <a:tailEnd type="none" w="med" len="med"/>
+                    </a:lnL>
+                    <a:lnR w="12700" cap="flat" cmpd="sng" algn="ctr">
+                      <a:solidFill>
+                        <a:srgbClr val="FFFFFF"/>
+                      </a:solidFill>
+                      <a:prstDash val="solid"/>
+                      <a:round/>
+                      <a:headEnd type="none" w="med" len="med"/>
+                      <a:tailEnd type="none" w="med" len="med"/>
+                    </a:lnR>
+                    <a:lnT w="12700" cap="flat" cmpd="sng" algn="ctr">
+                      <a:solidFill>
+                        <a:srgbClr val="FFFFFF"/>
+                      </a:solidFill>
+                      <a:prstDash val="solid"/>
+                      <a:round/>
+                      <a:headEnd type="none" w="med" len="med"/>
+                      <a:tailEnd type="none" w="med" len="med"/>
+                    </a:lnT>
+                    <a:lnB w="19050" cap="flat" cmpd="sng" algn="ctr">
+                      <a:solidFill>
+                        <a:srgbClr val="FFFFFF"/>
+                      </a:solidFill>
+                      <a:prstDash val="solid"/>
+                      <a:round/>
+                      <a:headEnd type="none" w="med" len="med"/>
+                      <a:tailEnd type="none" w="med" len="med"/>
+                    </a:lnB>
+                    <a:solidFill>
+                      <a:srgbClr val="E7E7E7"/>
+                    </a:solidFill>
+                  </a:tcPr>
+                </a:tc>
+                <a:tc>
+                  <a:txBody>
+                    <a:bodyPr/>
+                    <a:lstStyle/>
+                    <a:p>
+                      <a:pPr algn="ctr" rtl="0" fontAlgn="ctr"/>
+                      <a:r>
+                        <a:rPr lang="en-IN" sz="1400" b="0" i="0" u="none" strike="noStrike">
+                          <a:solidFill>
+                            <a:srgbClr val="000000"/>
+                          </a:solidFill>
+                          <a:effectLst/>
+                          <a:latin typeface="Calibri" panose="020F0502020204030204" pitchFamily="34" charset="0"/>
+                        </a:rPr>
+                        <a:t>0.9</a:t>
+                      </a:r>
+                    </a:p>
+                  </a:txBody>
+                  <a:tcPr marL="5564" marR="5564" marT="5564" marB="0" anchor="ctr">
+                    <a:lnL w="12700" cap="flat" cmpd="sng" algn="ctr">
+                      <a:solidFill>
+                        <a:srgbClr val="FFFFFF"/>
+                      </a:solidFill>
+                      <a:prstDash val="solid"/>
+                      <a:round/>
+                      <a:headEnd type="none" w="med" len="med"/>
+                      <a:tailEnd type="none" w="med" len="med"/>
+                    </a:lnL>
+                    <a:lnR w="12700" cap="flat" cmpd="sng" algn="ctr">
+                      <a:solidFill>
+                        <a:srgbClr val="FFFFFF"/>
+                      </a:solidFill>
+                      <a:prstDash val="solid"/>
+                      <a:round/>
+                      <a:headEnd type="none" w="med" len="med"/>
+                      <a:tailEnd type="none" w="med" len="med"/>
+                    </a:lnR>
+                    <a:lnT w="12700" cap="flat" cmpd="sng" algn="ctr">
+                      <a:solidFill>
+                        <a:srgbClr val="FFFFFF"/>
+                      </a:solidFill>
+                      <a:prstDash val="solid"/>
+                      <a:round/>
+                      <a:headEnd type="none" w="med" len="med"/>
+                      <a:tailEnd type="none" w="med" len="med"/>
+                    </a:lnT>
+                    <a:lnB w="19050" cap="flat" cmpd="sng" algn="ctr">
+                      <a:solidFill>
+                        <a:srgbClr val="FFFFFF"/>
+                      </a:solidFill>
+                      <a:prstDash val="solid"/>
+                      <a:round/>
+                      <a:headEnd type="none" w="med" len="med"/>
+                      <a:tailEnd type="none" w="med" len="med"/>
+                    </a:lnB>
+                    <a:solidFill>
+                      <a:srgbClr val="E7E7E7"/>
+                    </a:solidFill>
+                  </a:tcPr>
+                </a:tc>
+                <a:tc>
+                  <a:txBody>
+                    <a:bodyPr/>
+                    <a:lstStyle/>
+                    <a:p>
+                      <a:pPr algn="ctr" rtl="0" fontAlgn="ctr"/>
+                      <a:r>
+                        <a:rPr lang="en-IN" sz="1400" b="0" i="0" u="none" strike="noStrike">
+                          <a:solidFill>
+                            <a:srgbClr val="000000"/>
+                          </a:solidFill>
+                          <a:effectLst/>
+                          <a:latin typeface="Calibri" panose="020F0502020204030204" pitchFamily="34" charset="0"/>
+                        </a:rPr>
+                        <a:t>0.93</a:t>
+                      </a:r>
+                    </a:p>
+                  </a:txBody>
+                  <a:tcPr marL="5564" marR="5564" marT="5564" marB="0" anchor="ctr">
+                    <a:lnL w="12700" cap="flat" cmpd="sng" algn="ctr">
+                      <a:solidFill>
+                        <a:srgbClr val="FFFFFF"/>
+                      </a:solidFill>
+                      <a:prstDash val="solid"/>
+                      <a:round/>
+                      <a:headEnd type="none" w="med" len="med"/>
+                      <a:tailEnd type="none" w="med" len="med"/>
+                    </a:lnL>
+                    <a:lnR w="12700" cap="flat" cmpd="sng" algn="ctr">
+                      <a:solidFill>
+                        <a:srgbClr val="FFFFFF"/>
+                      </a:solidFill>
+                      <a:prstDash val="solid"/>
+                      <a:round/>
+                      <a:headEnd type="none" w="med" len="med"/>
+                      <a:tailEnd type="none" w="med" len="med"/>
+                    </a:lnR>
+                    <a:lnT w="12700" cap="flat" cmpd="sng" algn="ctr">
+                      <a:solidFill>
+                        <a:srgbClr val="FFFFFF"/>
+                      </a:solidFill>
+                      <a:prstDash val="solid"/>
+                      <a:round/>
+                      <a:headEnd type="none" w="med" len="med"/>
+                      <a:tailEnd type="none" w="med" len="med"/>
+                    </a:lnT>
+                    <a:lnB w="19050" cap="flat" cmpd="sng" algn="ctr">
+                      <a:solidFill>
+                        <a:srgbClr val="FFFFFF"/>
+                      </a:solidFill>
+                      <a:prstDash val="solid"/>
+                      <a:round/>
+                      <a:headEnd type="none" w="med" len="med"/>
+                      <a:tailEnd type="none" w="med" len="med"/>
+                    </a:lnB>
+                    <a:solidFill>
+                      <a:srgbClr val="E7E7E7"/>
+                    </a:solidFill>
+                  </a:tcPr>
+                </a:tc>
+                <a:tc>
+                  <a:txBody>
+                    <a:bodyPr/>
+                    <a:lstStyle/>
+                    <a:p>
+                      <a:pPr algn="ctr" rtl="0" fontAlgn="ctr"/>
+                      <a:r>
+                        <a:rPr lang="en-IN" sz="1400" b="0" i="0" u="none" strike="noStrike">
+                          <a:solidFill>
+                            <a:srgbClr val="000000"/>
+                          </a:solidFill>
+                          <a:effectLst/>
+                          <a:latin typeface="Calibri" panose="020F0502020204030204" pitchFamily="34" charset="0"/>
+                        </a:rPr>
+                        <a:t>0.92</a:t>
+                      </a:r>
+                    </a:p>
+                  </a:txBody>
+                  <a:tcPr marL="5564" marR="5564" marT="5564" marB="0" anchor="ctr">
+                    <a:lnL w="12700" cap="flat" cmpd="sng" algn="ctr">
+                      <a:solidFill>
+                        <a:srgbClr val="FFFFFF"/>
+                      </a:solidFill>
+                      <a:prstDash val="solid"/>
+                      <a:round/>
+                      <a:headEnd type="none" w="med" len="med"/>
+                      <a:tailEnd type="none" w="med" len="med"/>
+                    </a:lnL>
+                    <a:lnR w="12700" cap="flat" cmpd="sng" algn="ctr">
+                      <a:solidFill>
+                        <a:srgbClr val="FFFFFF"/>
+                      </a:solidFill>
+                      <a:prstDash val="solid"/>
+                      <a:round/>
+                      <a:headEnd type="none" w="med" len="med"/>
+                      <a:tailEnd type="none" w="med" len="med"/>
+                    </a:lnR>
+                    <a:lnT w="12700" cap="flat" cmpd="sng" algn="ctr">
+                      <a:solidFill>
+                        <a:srgbClr val="FFFFFF"/>
+                      </a:solidFill>
+                      <a:prstDash val="solid"/>
+                      <a:round/>
+                      <a:headEnd type="none" w="med" len="med"/>
+                      <a:tailEnd type="none" w="med" len="med"/>
+                    </a:lnT>
+                    <a:lnB w="19050" cap="flat" cmpd="sng" algn="ctr">
+                      <a:solidFill>
+                        <a:srgbClr val="FFFFFF"/>
+                      </a:solidFill>
+                      <a:prstDash val="solid"/>
+                      <a:round/>
+                      <a:headEnd type="none" w="med" len="med"/>
+                      <a:tailEnd type="none" w="med" len="med"/>
+                    </a:lnB>
+                    <a:solidFill>
+                      <a:srgbClr val="E7E7E7"/>
+                    </a:solidFill>
+                  </a:tcPr>
+                </a:tc>
+                <a:tc>
+                  <a:txBody>
+                    <a:bodyPr/>
+                    <a:lstStyle/>
+                    <a:p>
+                      <a:pPr algn="ctr" rtl="0" fontAlgn="ctr"/>
+                      <a:r>
+                        <a:rPr lang="en-IN" sz="1400" b="0" i="0" u="none" strike="noStrike" dirty="0">
+                          <a:solidFill>
+                            <a:srgbClr val="000000"/>
+                          </a:solidFill>
+                          <a:effectLst/>
+                          <a:latin typeface="Calibri" panose="020F0502020204030204" pitchFamily="34" charset="0"/>
+                        </a:rPr>
+                        <a:t>503</a:t>
+                      </a:r>
+                    </a:p>
+                  </a:txBody>
+                  <a:tcPr marL="5564" marR="5564" marT="22256" marB="22256" anchor="ctr">
+                    <a:lnL w="12700" cap="flat" cmpd="sng" algn="ctr">
+                      <a:solidFill>
+                        <a:srgbClr val="FFFFFF"/>
+                      </a:solidFill>
+                      <a:prstDash val="solid"/>
+                      <a:round/>
+                      <a:headEnd type="none" w="med" len="med"/>
+                      <a:tailEnd type="none" w="med" len="med"/>
+                    </a:lnL>
+                    <a:lnR w="12700" cap="flat" cmpd="sng" algn="ctr">
+                      <a:solidFill>
+                        <a:srgbClr val="FFFFFF"/>
+                      </a:solidFill>
+                      <a:prstDash val="solid"/>
+                      <a:round/>
+                      <a:headEnd type="none" w="med" len="med"/>
+                      <a:tailEnd type="none" w="med" len="med"/>
+                    </a:lnR>
+                    <a:lnT w="12700" cap="flat" cmpd="sng" algn="ctr">
+                      <a:solidFill>
+                        <a:srgbClr val="FFFFFF"/>
+                      </a:solidFill>
+                      <a:prstDash val="solid"/>
+                      <a:round/>
+                      <a:headEnd type="none" w="med" len="med"/>
+                      <a:tailEnd type="none" w="med" len="med"/>
+                    </a:lnT>
+                    <a:lnB w="19050" cap="flat" cmpd="sng" algn="ctr">
+                      <a:solidFill>
+                        <a:srgbClr val="FFFFFF"/>
+                      </a:solidFill>
+                      <a:prstDash val="solid"/>
+                      <a:round/>
+                      <a:headEnd type="none" w="med" len="med"/>
+                      <a:tailEnd type="none" w="med" len="med"/>
+                    </a:lnB>
+                    <a:solidFill>
+                      <a:srgbClr val="E7E7E7"/>
+                    </a:solidFill>
+                  </a:tcPr>
+                </a:tc>
+                <a:tc>
+                  <a:txBody>
+                    <a:bodyPr/>
+                    <a:lstStyle/>
+                    <a:p>
+                      <a:pPr algn="ctr" rtl="0" fontAlgn="ctr"/>
+                      <a:r>
+                        <a:rPr lang="en-IN" sz="1400" b="0" i="0" u="none" strike="noStrike">
+                          <a:solidFill>
+                            <a:srgbClr val="000000"/>
+                          </a:solidFill>
+                          <a:effectLst/>
+                          <a:latin typeface="Calibri" panose="020F0502020204030204" pitchFamily="34" charset="0"/>
+                        </a:rPr>
+                        <a:t>65</a:t>
+                      </a:r>
+                    </a:p>
+                  </a:txBody>
+                  <a:tcPr marL="5564" marR="5564" marT="22256" marB="22256" anchor="ctr">
+                    <a:lnL w="12700" cap="flat" cmpd="sng" algn="ctr">
+                      <a:solidFill>
+                        <a:srgbClr val="FFFFFF"/>
+                      </a:solidFill>
+                      <a:prstDash val="solid"/>
+                      <a:round/>
+                      <a:headEnd type="none" w="med" len="med"/>
+                      <a:tailEnd type="none" w="med" len="med"/>
+                    </a:lnL>
+                    <a:lnR w="12700" cap="flat" cmpd="sng" algn="ctr">
+                      <a:solidFill>
+                        <a:srgbClr val="FFFFFF"/>
+                      </a:solidFill>
+                      <a:prstDash val="solid"/>
+                      <a:round/>
+                      <a:headEnd type="none" w="med" len="med"/>
+                      <a:tailEnd type="none" w="med" len="med"/>
+                    </a:lnR>
+                    <a:lnT w="12700" cap="flat" cmpd="sng" algn="ctr">
+                      <a:solidFill>
+                        <a:srgbClr val="FFFFFF"/>
+                      </a:solidFill>
+                      <a:prstDash val="solid"/>
+                      <a:round/>
+                      <a:headEnd type="none" w="med" len="med"/>
+                      <a:tailEnd type="none" w="med" len="med"/>
+                    </a:lnT>
+                    <a:lnB w="19050" cap="flat" cmpd="sng" algn="ctr">
+                      <a:solidFill>
+                        <a:srgbClr val="FFFFFF"/>
+                      </a:solidFill>
+                      <a:prstDash val="solid"/>
+                      <a:round/>
+                      <a:headEnd type="none" w="med" len="med"/>
+                      <a:tailEnd type="none" w="med" len="med"/>
+                    </a:lnB>
+                    <a:solidFill>
+                      <a:srgbClr val="E7E7E7"/>
+                    </a:solidFill>
+                  </a:tcPr>
+                </a:tc>
+                <a:tc>
+                  <a:txBody>
+                    <a:bodyPr/>
+                    <a:lstStyle/>
+                    <a:p>
+                      <a:pPr algn="ctr" rtl="0" fontAlgn="ctr"/>
+                      <a:r>
+                        <a:rPr lang="en-IN" sz="1400" b="0" i="0" u="none" strike="noStrike">
+                          <a:solidFill>
+                            <a:srgbClr val="000000"/>
+                          </a:solidFill>
+                          <a:effectLst/>
+                          <a:latin typeface="Calibri" panose="020F0502020204030204" pitchFamily="34" charset="0"/>
+                        </a:rPr>
+                        <a:t>438</a:t>
+                      </a:r>
+                    </a:p>
+                  </a:txBody>
+                  <a:tcPr marL="5564" marR="5564" marT="22256" marB="22256" anchor="ctr">
+                    <a:lnL w="12700" cap="flat" cmpd="sng" algn="ctr">
+                      <a:solidFill>
+                        <a:srgbClr val="FFFFFF"/>
+                      </a:solidFill>
+                      <a:prstDash val="solid"/>
+                      <a:round/>
+                      <a:headEnd type="none" w="med" len="med"/>
+                      <a:tailEnd type="none" w="med" len="med"/>
+                    </a:lnL>
+                    <a:lnR w="12700" cap="flat" cmpd="sng" algn="ctr">
+                      <a:solidFill>
+                        <a:srgbClr val="FFFFFF"/>
+                      </a:solidFill>
+                      <a:prstDash val="solid"/>
+                      <a:round/>
+                      <a:headEnd type="none" w="med" len="med"/>
+                      <a:tailEnd type="none" w="med" len="med"/>
+                    </a:lnR>
+                    <a:lnT w="12700" cap="flat" cmpd="sng" algn="ctr">
+                      <a:solidFill>
+                        <a:srgbClr val="FFFFFF"/>
+                      </a:solidFill>
+                      <a:prstDash val="solid"/>
+                      <a:round/>
+                      <a:headEnd type="none" w="med" len="med"/>
+                      <a:tailEnd type="none" w="med" len="med"/>
+                    </a:lnT>
+                    <a:lnB w="19050" cap="flat" cmpd="sng" algn="ctr">
+                      <a:solidFill>
+                        <a:srgbClr val="FFFFFF"/>
+                      </a:solidFill>
+                      <a:prstDash val="solid"/>
+                      <a:round/>
+                      <a:headEnd type="none" w="med" len="med"/>
+                      <a:tailEnd type="none" w="med" len="med"/>
+                    </a:lnB>
+                    <a:solidFill>
+                      <a:srgbClr val="E7E7E7"/>
+                    </a:solidFill>
+                  </a:tcPr>
+                </a:tc>
+                <a:tc>
+                  <a:txBody>
+                    <a:bodyPr/>
+                    <a:lstStyle/>
+                    <a:p>
+                      <a:pPr algn="ctr" rtl="0" fontAlgn="ctr"/>
+                      <a:r>
+                        <a:rPr lang="en-IN" sz="1400" b="0" i="0" u="none" strike="noStrike" dirty="0">
+                          <a:solidFill>
+                            <a:srgbClr val="000000"/>
+                          </a:solidFill>
+                          <a:effectLst/>
+                          <a:latin typeface="Calibri" panose="020F0502020204030204" pitchFamily="34" charset="0"/>
+                        </a:rPr>
+                        <a:t>90%</a:t>
+                      </a:r>
+                    </a:p>
+                  </a:txBody>
+                  <a:tcPr marL="6350" marR="6350" marT="25400" marB="25400" anchor="ctr">
+                    <a:lnL w="12700" cap="flat" cmpd="sng" algn="ctr">
+                      <a:solidFill>
+                        <a:srgbClr val="FFFFFF"/>
+                      </a:solidFill>
+                      <a:prstDash val="solid"/>
+                      <a:round/>
+                      <a:headEnd type="none" w="med" len="med"/>
+                      <a:tailEnd type="none" w="med" len="med"/>
+                    </a:lnL>
+                    <a:lnR w="12700" cap="flat" cmpd="sng" algn="ctr">
+                      <a:solidFill>
+                        <a:srgbClr val="FFFFFF"/>
+                      </a:solidFill>
+                      <a:prstDash val="solid"/>
+                      <a:round/>
+                      <a:headEnd type="none" w="med" len="med"/>
+                      <a:tailEnd type="none" w="med" len="med"/>
+                    </a:lnR>
+                    <a:lnT w="12700" cap="flat" cmpd="sng" algn="ctr">
+                      <a:solidFill>
+                        <a:srgbClr val="FFFFFF"/>
+                      </a:solidFill>
+                      <a:prstDash val="solid"/>
+                      <a:round/>
+                      <a:headEnd type="none" w="med" len="med"/>
+                      <a:tailEnd type="none" w="med" len="med"/>
+                    </a:lnT>
+                    <a:lnB w="19050" cap="flat" cmpd="sng" algn="ctr">
+                      <a:solidFill>
+                        <a:srgbClr val="FFFFFF"/>
+                      </a:solidFill>
+                      <a:prstDash val="solid"/>
+                      <a:round/>
+                      <a:headEnd type="none" w="med" len="med"/>
+                      <a:tailEnd type="none" w="med" len="med"/>
+                    </a:lnB>
+                    <a:solidFill>
+                      <a:srgbClr val="E7E7E7"/>
+                    </a:solidFill>
+                  </a:tcPr>
+                </a:tc>
+                <a:extLst>
+                  <a:ext uri="{0D108BD9-81ED-4DB2-BD59-A6C34878D82A}">
+                    <a16:rowId xmlns:a16="http://schemas.microsoft.com/office/drawing/2014/main" val="1689083114"/>
+                  </a:ext>
+                </a:extLst>
+              </a:tr>
+              <a:tr h="272633">
+                <a:tc>
+                  <a:txBody>
+                    <a:bodyPr/>
+                    <a:lstStyle/>
+                    <a:p>
+                      <a:pPr algn="ctr" rtl="0" fontAlgn="ctr"/>
+                      <a:r>
+                        <a:rPr lang="en-IN" sz="1400" b="0" i="0" u="none" strike="noStrike">
+                          <a:solidFill>
+                            <a:srgbClr val="000000"/>
+                          </a:solidFill>
+                          <a:effectLst/>
+                          <a:latin typeface="Calibri" panose="020F0502020204030204" pitchFamily="34" charset="0"/>
+                        </a:rPr>
+                        <a:t>PLOT</a:t>
+                      </a:r>
+                    </a:p>
+                  </a:txBody>
+                  <a:tcPr marL="5564" marR="5564" marT="22256" marB="22256" anchor="ctr">
+                    <a:lnL w="12700" cap="flat" cmpd="sng" algn="ctr">
+                      <a:solidFill>
+                        <a:srgbClr val="FFFFFF"/>
+                      </a:solidFill>
+                      <a:prstDash val="solid"/>
+                      <a:round/>
+                      <a:headEnd type="none" w="med" len="med"/>
+                      <a:tailEnd type="none" w="med" len="med"/>
+                    </a:lnL>
+                    <a:lnR w="12700" cap="flat" cmpd="sng" algn="ctr">
+                      <a:solidFill>
+                        <a:srgbClr val="FFFFFF"/>
+                      </a:solidFill>
+                      <a:prstDash val="solid"/>
+                      <a:round/>
+                      <a:headEnd type="none" w="med" len="med"/>
+                      <a:tailEnd type="none" w="med" len="med"/>
+                    </a:lnR>
+                    <a:lnT w="19050" cap="flat" cmpd="sng" algn="ctr">
+                      <a:solidFill>
+                        <a:srgbClr val="FFFFFF"/>
+                      </a:solidFill>
+                      <a:prstDash val="solid"/>
+                      <a:round/>
+                      <a:headEnd type="none" w="med" len="med"/>
+                      <a:tailEnd type="none" w="med" len="med"/>
+                    </a:lnT>
+                    <a:lnB w="12700" cap="flat" cmpd="sng" algn="ctr">
+                      <a:solidFill>
+                        <a:srgbClr val="FFFFFF"/>
+                      </a:solidFill>
+                      <a:prstDash val="solid"/>
+                      <a:round/>
+                      <a:headEnd type="none" w="med" len="med"/>
+                      <a:tailEnd type="none" w="med" len="med"/>
+                    </a:lnB>
+                    <a:solidFill>
+                      <a:srgbClr val="CBCBCB"/>
+                    </a:solidFill>
+                  </a:tcPr>
+                </a:tc>
+                <a:tc>
+                  <a:txBody>
+                    <a:bodyPr/>
+                    <a:lstStyle/>
+                    <a:p>
+                      <a:pPr algn="ctr" rtl="0" fontAlgn="ctr"/>
+                      <a:r>
+                        <a:rPr lang="en-IN" sz="1400" b="0" i="0" u="none" strike="noStrike">
+                          <a:solidFill>
+                            <a:srgbClr val="000000"/>
+                          </a:solidFill>
+                          <a:effectLst/>
+                          <a:latin typeface="Calibri" panose="020F0502020204030204" pitchFamily="34" charset="0"/>
+                        </a:rPr>
+                        <a:t>0.69</a:t>
+                      </a:r>
+                    </a:p>
+                  </a:txBody>
+                  <a:tcPr marL="5564" marR="5564" marT="5564" marB="0" anchor="ctr">
+                    <a:lnL w="12700" cap="flat" cmpd="sng" algn="ctr">
+                      <a:solidFill>
+                        <a:srgbClr val="FFFFFF"/>
+                      </a:solidFill>
+                      <a:prstDash val="solid"/>
+                      <a:round/>
+                      <a:headEnd type="none" w="med" len="med"/>
+                      <a:tailEnd type="none" w="med" len="med"/>
+                    </a:lnL>
+                    <a:lnR w="12700" cap="flat" cmpd="sng" algn="ctr">
+                      <a:solidFill>
+                        <a:srgbClr val="FFFFFF"/>
+                      </a:solidFill>
+                      <a:prstDash val="solid"/>
+                      <a:round/>
+                      <a:headEnd type="none" w="med" len="med"/>
+                      <a:tailEnd type="none" w="med" len="med"/>
+                    </a:lnR>
+                    <a:lnT w="19050" cap="flat" cmpd="sng" algn="ctr">
+                      <a:solidFill>
+                        <a:srgbClr val="FFFFFF"/>
+                      </a:solidFill>
+                      <a:prstDash val="solid"/>
+                      <a:round/>
+                      <a:headEnd type="none" w="med" len="med"/>
+                      <a:tailEnd type="none" w="med" len="med"/>
+                    </a:lnT>
+                    <a:lnB w="12700" cap="flat" cmpd="sng" algn="ctr">
+                      <a:solidFill>
+                        <a:srgbClr val="FFFFFF"/>
+                      </a:solidFill>
+                      <a:prstDash val="solid"/>
+                      <a:round/>
+                      <a:headEnd type="none" w="med" len="med"/>
+                      <a:tailEnd type="none" w="med" len="med"/>
+                    </a:lnB>
+                    <a:solidFill>
+                      <a:srgbClr val="CBCBCB"/>
+                    </a:solidFill>
+                  </a:tcPr>
+                </a:tc>
+                <a:tc>
+                  <a:txBody>
+                    <a:bodyPr/>
+                    <a:lstStyle/>
+                    <a:p>
+                      <a:pPr algn="ctr" rtl="0" fontAlgn="ctr"/>
+                      <a:r>
+                        <a:rPr lang="en-IN" sz="1400" b="0" i="0" u="none" strike="noStrike">
+                          <a:solidFill>
+                            <a:srgbClr val="000000"/>
+                          </a:solidFill>
+                          <a:effectLst/>
+                          <a:latin typeface="Calibri" panose="020F0502020204030204" pitchFamily="34" charset="0"/>
+                        </a:rPr>
+                        <a:t>0.72</a:t>
+                      </a:r>
+                    </a:p>
+                  </a:txBody>
+                  <a:tcPr marL="5564" marR="5564" marT="5564" marB="0" anchor="ctr">
+                    <a:lnL w="12700" cap="flat" cmpd="sng" algn="ctr">
+                      <a:solidFill>
+                        <a:srgbClr val="FFFFFF"/>
+                      </a:solidFill>
+                      <a:prstDash val="solid"/>
+                      <a:round/>
+                      <a:headEnd type="none" w="med" len="med"/>
+                      <a:tailEnd type="none" w="med" len="med"/>
+                    </a:lnL>
+                    <a:lnR w="12700" cap="flat" cmpd="sng" algn="ctr">
+                      <a:solidFill>
+                        <a:srgbClr val="FFFFFF"/>
+                      </a:solidFill>
+                      <a:prstDash val="solid"/>
+                      <a:round/>
+                      <a:headEnd type="none" w="med" len="med"/>
+                      <a:tailEnd type="none" w="med" len="med"/>
+                    </a:lnR>
+                    <a:lnT w="19050" cap="flat" cmpd="sng" algn="ctr">
+                      <a:solidFill>
+                        <a:srgbClr val="FFFFFF"/>
+                      </a:solidFill>
+                      <a:prstDash val="solid"/>
+                      <a:round/>
+                      <a:headEnd type="none" w="med" len="med"/>
+                      <a:tailEnd type="none" w="med" len="med"/>
+                    </a:lnT>
+                    <a:lnB w="12700" cap="flat" cmpd="sng" algn="ctr">
+                      <a:solidFill>
+                        <a:srgbClr val="FFFFFF"/>
+                      </a:solidFill>
+                      <a:prstDash val="solid"/>
+                      <a:round/>
+                      <a:headEnd type="none" w="med" len="med"/>
+                      <a:tailEnd type="none" w="med" len="med"/>
+                    </a:lnB>
+                    <a:solidFill>
+                      <a:srgbClr val="CBCBCB"/>
+                    </a:solidFill>
+                  </a:tcPr>
+                </a:tc>
+                <a:tc>
+                  <a:txBody>
+                    <a:bodyPr/>
+                    <a:lstStyle/>
+                    <a:p>
+                      <a:pPr algn="ctr" rtl="0" fontAlgn="ctr"/>
+                      <a:r>
+                        <a:rPr lang="en-IN" sz="1400" b="0" i="0" u="none" strike="noStrike">
+                          <a:solidFill>
+                            <a:srgbClr val="000000"/>
+                          </a:solidFill>
+                          <a:effectLst/>
+                          <a:latin typeface="Calibri" panose="020F0502020204030204" pitchFamily="34" charset="0"/>
+                        </a:rPr>
+                        <a:t>0.71</a:t>
+                      </a:r>
+                    </a:p>
+                  </a:txBody>
+                  <a:tcPr marL="5564" marR="5564" marT="5564" marB="0" anchor="ctr">
+                    <a:lnL w="12700" cap="flat" cmpd="sng" algn="ctr">
+                      <a:solidFill>
+                        <a:srgbClr val="FFFFFF"/>
+                      </a:solidFill>
+                      <a:prstDash val="solid"/>
+                      <a:round/>
+                      <a:headEnd type="none" w="med" len="med"/>
+                      <a:tailEnd type="none" w="med" len="med"/>
+                    </a:lnL>
+                    <a:lnR w="12700" cap="flat" cmpd="sng" algn="ctr">
+                      <a:solidFill>
+                        <a:srgbClr val="FFFFFF"/>
+                      </a:solidFill>
+                      <a:prstDash val="solid"/>
+                      <a:round/>
+                      <a:headEnd type="none" w="med" len="med"/>
+                      <a:tailEnd type="none" w="med" len="med"/>
+                    </a:lnR>
+                    <a:lnT w="19050" cap="flat" cmpd="sng" algn="ctr">
+                      <a:solidFill>
+                        <a:srgbClr val="FFFFFF"/>
+                      </a:solidFill>
+                      <a:prstDash val="solid"/>
+                      <a:round/>
+                      <a:headEnd type="none" w="med" len="med"/>
+                      <a:tailEnd type="none" w="med" len="med"/>
+                    </a:lnT>
+                    <a:lnB w="12700" cap="flat" cmpd="sng" algn="ctr">
+                      <a:solidFill>
+                        <a:srgbClr val="FFFFFF"/>
+                      </a:solidFill>
+                      <a:prstDash val="solid"/>
+                      <a:round/>
+                      <a:headEnd type="none" w="med" len="med"/>
+                      <a:tailEnd type="none" w="med" len="med"/>
+                    </a:lnB>
+                    <a:solidFill>
+                      <a:srgbClr val="CBCBCB"/>
+                    </a:solidFill>
+                  </a:tcPr>
+                </a:tc>
+                <a:tc>
+                  <a:txBody>
+                    <a:bodyPr/>
+                    <a:lstStyle/>
+                    <a:p>
+                      <a:pPr algn="ctr" rtl="0" fontAlgn="ctr"/>
+                      <a:r>
+                        <a:rPr lang="en-IN" sz="1400" b="0" i="0" u="none" strike="noStrike">
+                          <a:solidFill>
+                            <a:srgbClr val="000000"/>
+                          </a:solidFill>
+                          <a:effectLst/>
+                          <a:latin typeface="Calibri" panose="020F0502020204030204" pitchFamily="34" charset="0"/>
+                        </a:rPr>
+                        <a:t>402</a:t>
+                      </a:r>
+                    </a:p>
+                  </a:txBody>
+                  <a:tcPr marL="5564" marR="5564" marT="22256" marB="22256" anchor="ctr">
+                    <a:lnL w="12700" cap="flat" cmpd="sng" algn="ctr">
+                      <a:solidFill>
+                        <a:srgbClr val="FFFFFF"/>
+                      </a:solidFill>
+                      <a:prstDash val="solid"/>
+                      <a:round/>
+                      <a:headEnd type="none" w="med" len="med"/>
+                      <a:tailEnd type="none" w="med" len="med"/>
+                    </a:lnL>
+                    <a:lnR w="12700" cap="flat" cmpd="sng" algn="ctr">
+                      <a:solidFill>
+                        <a:srgbClr val="FFFFFF"/>
+                      </a:solidFill>
+                      <a:prstDash val="solid"/>
+                      <a:round/>
+                      <a:headEnd type="none" w="med" len="med"/>
+                      <a:tailEnd type="none" w="med" len="med"/>
+                    </a:lnR>
+                    <a:lnT w="19050" cap="flat" cmpd="sng" algn="ctr">
+                      <a:solidFill>
+                        <a:srgbClr val="FFFFFF"/>
+                      </a:solidFill>
+                      <a:prstDash val="solid"/>
+                      <a:round/>
+                      <a:headEnd type="none" w="med" len="med"/>
+                      <a:tailEnd type="none" w="med" len="med"/>
+                    </a:lnT>
+                    <a:lnB w="12700" cap="flat" cmpd="sng" algn="ctr">
+                      <a:solidFill>
+                        <a:srgbClr val="FFFFFF"/>
+                      </a:solidFill>
+                      <a:prstDash val="solid"/>
+                      <a:round/>
+                      <a:headEnd type="none" w="med" len="med"/>
+                      <a:tailEnd type="none" w="med" len="med"/>
+                    </a:lnB>
+                    <a:solidFill>
+                      <a:srgbClr val="CBCBCB"/>
+                    </a:solidFill>
+                  </a:tcPr>
+                </a:tc>
+                <a:tc>
+                  <a:txBody>
+                    <a:bodyPr/>
+                    <a:lstStyle/>
+                    <a:p>
+                      <a:pPr algn="ctr" rtl="0" fontAlgn="ctr"/>
+                      <a:r>
+                        <a:rPr lang="en-IN" sz="1400" b="0" i="0" u="none" strike="noStrike" dirty="0">
+                          <a:solidFill>
+                            <a:srgbClr val="000000"/>
+                          </a:solidFill>
+                          <a:effectLst/>
+                          <a:latin typeface="Calibri" panose="020F0502020204030204" pitchFamily="34" charset="0"/>
+                        </a:rPr>
+                        <a:t>161</a:t>
+                      </a:r>
+                    </a:p>
+                  </a:txBody>
+                  <a:tcPr marL="5564" marR="5564" marT="22256" marB="22256" anchor="ctr">
+                    <a:lnL w="12700" cap="flat" cmpd="sng" algn="ctr">
+                      <a:solidFill>
+                        <a:srgbClr val="FFFFFF"/>
+                      </a:solidFill>
+                      <a:prstDash val="solid"/>
+                      <a:round/>
+                      <a:headEnd type="none" w="med" len="med"/>
+                      <a:tailEnd type="none" w="med" len="med"/>
+                    </a:lnL>
+                    <a:lnR w="12700" cap="flat" cmpd="sng" algn="ctr">
+                      <a:solidFill>
+                        <a:srgbClr val="FFFFFF"/>
+                      </a:solidFill>
+                      <a:prstDash val="solid"/>
+                      <a:round/>
+                      <a:headEnd type="none" w="med" len="med"/>
+                      <a:tailEnd type="none" w="med" len="med"/>
+                    </a:lnR>
+                    <a:lnT w="19050" cap="flat" cmpd="sng" algn="ctr">
+                      <a:solidFill>
+                        <a:srgbClr val="FFFFFF"/>
+                      </a:solidFill>
+                      <a:prstDash val="solid"/>
+                      <a:round/>
+                      <a:headEnd type="none" w="med" len="med"/>
+                      <a:tailEnd type="none" w="med" len="med"/>
+                    </a:lnT>
+                    <a:lnB w="12700" cap="flat" cmpd="sng" algn="ctr">
+                      <a:solidFill>
+                        <a:srgbClr val="FFFFFF"/>
+                      </a:solidFill>
+                      <a:prstDash val="solid"/>
+                      <a:round/>
+                      <a:headEnd type="none" w="med" len="med"/>
+                      <a:tailEnd type="none" w="med" len="med"/>
+                    </a:lnB>
+                    <a:solidFill>
+                      <a:srgbClr val="CBCBCB"/>
+                    </a:solidFill>
+                  </a:tcPr>
+                </a:tc>
+                <a:tc>
+                  <a:txBody>
+                    <a:bodyPr/>
+                    <a:lstStyle/>
+                    <a:p>
+                      <a:pPr algn="ctr" rtl="0" fontAlgn="ctr"/>
+                      <a:r>
+                        <a:rPr lang="en-IN" sz="1400" b="0" i="0" u="none" strike="noStrike">
+                          <a:solidFill>
+                            <a:srgbClr val="000000"/>
+                          </a:solidFill>
+                          <a:effectLst/>
+                          <a:latin typeface="Calibri" panose="020F0502020204030204" pitchFamily="34" charset="0"/>
+                        </a:rPr>
+                        <a:t>241</a:t>
+                      </a:r>
+                    </a:p>
+                  </a:txBody>
+                  <a:tcPr marL="5564" marR="5564" marT="22256" marB="22256" anchor="ctr">
+                    <a:lnL w="12700" cap="flat" cmpd="sng" algn="ctr">
+                      <a:solidFill>
+                        <a:srgbClr val="FFFFFF"/>
+                      </a:solidFill>
+                      <a:prstDash val="solid"/>
+                      <a:round/>
+                      <a:headEnd type="none" w="med" len="med"/>
+                      <a:tailEnd type="none" w="med" len="med"/>
+                    </a:lnL>
+                    <a:lnR w="12700" cap="flat" cmpd="sng" algn="ctr">
+                      <a:solidFill>
+                        <a:srgbClr val="FFFFFF"/>
+                      </a:solidFill>
+                      <a:prstDash val="solid"/>
+                      <a:round/>
+                      <a:headEnd type="none" w="med" len="med"/>
+                      <a:tailEnd type="none" w="med" len="med"/>
+                    </a:lnR>
+                    <a:lnT w="19050" cap="flat" cmpd="sng" algn="ctr">
+                      <a:solidFill>
+                        <a:srgbClr val="FFFFFF"/>
+                      </a:solidFill>
+                      <a:prstDash val="solid"/>
+                      <a:round/>
+                      <a:headEnd type="none" w="med" len="med"/>
+                      <a:tailEnd type="none" w="med" len="med"/>
+                    </a:lnT>
+                    <a:lnB w="12700" cap="flat" cmpd="sng" algn="ctr">
+                      <a:solidFill>
+                        <a:srgbClr val="FFFFFF"/>
+                      </a:solidFill>
+                      <a:prstDash val="solid"/>
+                      <a:round/>
+                      <a:headEnd type="none" w="med" len="med"/>
+                      <a:tailEnd type="none" w="med" len="med"/>
+                    </a:lnB>
+                    <a:solidFill>
+                      <a:srgbClr val="CBCBCB"/>
+                    </a:solidFill>
+                  </a:tcPr>
+                </a:tc>
+                <a:tc>
+                  <a:txBody>
+                    <a:bodyPr/>
+                    <a:lstStyle/>
+                    <a:p>
+                      <a:pPr algn="ctr" rtl="0" fontAlgn="ctr"/>
+                      <a:r>
+                        <a:rPr lang="en-IN" sz="1400" b="0" i="0" u="none" strike="noStrike">
+                          <a:solidFill>
+                            <a:srgbClr val="000000"/>
+                          </a:solidFill>
+                          <a:effectLst/>
+                          <a:latin typeface="Calibri" panose="020F0502020204030204" pitchFamily="34" charset="0"/>
+                        </a:rPr>
+                        <a:t>60%</a:t>
+                      </a:r>
+                    </a:p>
+                  </a:txBody>
+                  <a:tcPr marL="6350" marR="6350" marT="25400" marB="25400" anchor="ctr">
+                    <a:lnL w="12700" cap="flat" cmpd="sng" algn="ctr">
+                      <a:solidFill>
+                        <a:srgbClr val="FFFFFF"/>
+                      </a:solidFill>
+                      <a:prstDash val="solid"/>
+                      <a:round/>
+                      <a:headEnd type="none" w="med" len="med"/>
+                      <a:tailEnd type="none" w="med" len="med"/>
+                    </a:lnL>
+                    <a:lnR w="12700" cap="flat" cmpd="sng" algn="ctr">
+                      <a:solidFill>
+                        <a:srgbClr val="FFFFFF"/>
+                      </a:solidFill>
+                      <a:prstDash val="solid"/>
+                      <a:round/>
+                      <a:headEnd type="none" w="med" len="med"/>
+                      <a:tailEnd type="none" w="med" len="med"/>
+                    </a:lnR>
+                    <a:lnT w="19050" cap="flat" cmpd="sng" algn="ctr">
+                      <a:solidFill>
+                        <a:srgbClr val="FFFFFF"/>
+                      </a:solidFill>
+                      <a:prstDash val="solid"/>
+                      <a:round/>
+                      <a:headEnd type="none" w="med" len="med"/>
+                      <a:tailEnd type="none" w="med" len="med"/>
+                    </a:lnT>
+                    <a:lnB w="12700" cap="flat" cmpd="sng" algn="ctr">
+                      <a:solidFill>
+                        <a:srgbClr val="FFFFFF"/>
+                      </a:solidFill>
+                      <a:prstDash val="solid"/>
+                      <a:round/>
+                      <a:headEnd type="none" w="med" len="med"/>
+                      <a:tailEnd type="none" w="med" len="med"/>
+                    </a:lnB>
+                    <a:solidFill>
+                      <a:srgbClr val="CBCBCB"/>
+                    </a:solidFill>
+                  </a:tcPr>
+                </a:tc>
+                <a:extLst>
+                  <a:ext uri="{0D108BD9-81ED-4DB2-BD59-A6C34878D82A}">
+                    <a16:rowId xmlns:a16="http://schemas.microsoft.com/office/drawing/2014/main" val="1277748789"/>
+                  </a:ext>
+                </a:extLst>
+              </a:tr>
+              <a:tr h="267069">
+                <a:tc>
+                  <a:txBody>
+                    <a:bodyPr/>
+                    <a:lstStyle/>
+                    <a:p>
+                      <a:pPr algn="ctr" rtl="0" fontAlgn="ctr"/>
+                      <a:r>
+                        <a:rPr lang="en-IN" sz="1400" b="0" i="0" u="none" strike="noStrike">
+                          <a:solidFill>
+                            <a:srgbClr val="000000"/>
+                          </a:solidFill>
+                          <a:effectLst/>
+                          <a:latin typeface="Calibri" panose="020F0502020204030204" pitchFamily="34" charset="0"/>
+                        </a:rPr>
+                        <a:t>RATING</a:t>
+                      </a:r>
+                    </a:p>
+                  </a:txBody>
+                  <a:tcPr marL="5564" marR="5564" marT="22256" marB="22256" anchor="ctr">
+                    <a:lnL w="12700" cap="flat" cmpd="sng" algn="ctr">
+                      <a:solidFill>
+                        <a:srgbClr val="FFFFFF"/>
+                      </a:solidFill>
+                      <a:prstDash val="solid"/>
+                      <a:round/>
+                      <a:headEnd type="none" w="med" len="med"/>
+                      <a:tailEnd type="none" w="med" len="med"/>
+                    </a:lnL>
+                    <a:lnR w="12700" cap="flat" cmpd="sng" algn="ctr">
+                      <a:solidFill>
+                        <a:srgbClr val="FFFFFF"/>
+                      </a:solidFill>
+                      <a:prstDash val="solid"/>
+                      <a:round/>
+                      <a:headEnd type="none" w="med" len="med"/>
+                      <a:tailEnd type="none" w="med" len="med"/>
+                    </a:lnR>
+                    <a:lnT w="12700" cap="flat" cmpd="sng" algn="ctr">
+                      <a:solidFill>
+                        <a:srgbClr val="FFFFFF"/>
+                      </a:solidFill>
+                      <a:prstDash val="solid"/>
+                      <a:round/>
+                      <a:headEnd type="none" w="med" len="med"/>
+                      <a:tailEnd type="none" w="med" len="med"/>
+                    </a:lnT>
+                    <a:lnB w="19050" cap="flat" cmpd="sng" algn="ctr">
+                      <a:solidFill>
+                        <a:srgbClr val="FFFFFF"/>
+                      </a:solidFill>
+                      <a:prstDash val="solid"/>
+                      <a:round/>
+                      <a:headEnd type="none" w="med" len="med"/>
+                      <a:tailEnd type="none" w="med" len="med"/>
+                    </a:lnB>
+                    <a:solidFill>
+                      <a:srgbClr val="E7E7E7"/>
+                    </a:solidFill>
+                  </a:tcPr>
+                </a:tc>
+                <a:tc>
+                  <a:txBody>
+                    <a:bodyPr/>
+                    <a:lstStyle/>
+                    <a:p>
+                      <a:pPr algn="ctr" rtl="0" fontAlgn="ctr"/>
+                      <a:r>
+                        <a:rPr lang="en-IN" sz="1400" b="0" i="0" u="none" strike="noStrike">
+                          <a:solidFill>
+                            <a:srgbClr val="000000"/>
+                          </a:solidFill>
+                          <a:effectLst/>
+                          <a:latin typeface="Calibri" panose="020F0502020204030204" pitchFamily="34" charset="0"/>
+                        </a:rPr>
+                        <a:t>0.94</a:t>
+                      </a:r>
+                    </a:p>
+                  </a:txBody>
+                  <a:tcPr marL="5564" marR="5564" marT="5564" marB="0" anchor="ctr">
+                    <a:lnL w="12700" cap="flat" cmpd="sng" algn="ctr">
+                      <a:solidFill>
+                        <a:srgbClr val="FFFFFF"/>
+                      </a:solidFill>
+                      <a:prstDash val="solid"/>
+                      <a:round/>
+                      <a:headEnd type="none" w="med" len="med"/>
+                      <a:tailEnd type="none" w="med" len="med"/>
+                    </a:lnL>
+                    <a:lnR w="12700" cap="flat" cmpd="sng" algn="ctr">
+                      <a:solidFill>
+                        <a:srgbClr val="FFFFFF"/>
+                      </a:solidFill>
+                      <a:prstDash val="solid"/>
+                      <a:round/>
+                      <a:headEnd type="none" w="med" len="med"/>
+                      <a:tailEnd type="none" w="med" len="med"/>
+                    </a:lnR>
+                    <a:lnT w="12700" cap="flat" cmpd="sng" algn="ctr">
+                      <a:solidFill>
+                        <a:srgbClr val="FFFFFF"/>
+                      </a:solidFill>
+                      <a:prstDash val="solid"/>
+                      <a:round/>
+                      <a:headEnd type="none" w="med" len="med"/>
+                      <a:tailEnd type="none" w="med" len="med"/>
+                    </a:lnT>
+                    <a:lnB w="19050" cap="flat" cmpd="sng" algn="ctr">
+                      <a:solidFill>
+                        <a:srgbClr val="FFFFFF"/>
+                      </a:solidFill>
+                      <a:prstDash val="solid"/>
+                      <a:round/>
+                      <a:headEnd type="none" w="med" len="med"/>
+                      <a:tailEnd type="none" w="med" len="med"/>
+                    </a:lnB>
+                    <a:solidFill>
+                      <a:srgbClr val="E7E7E7"/>
+                    </a:solidFill>
+                  </a:tcPr>
+                </a:tc>
+                <a:tc>
+                  <a:txBody>
+                    <a:bodyPr/>
+                    <a:lstStyle/>
+                    <a:p>
+                      <a:pPr algn="ctr" rtl="0" fontAlgn="ctr"/>
+                      <a:r>
+                        <a:rPr lang="en-IN" sz="1400" b="0" i="0" u="none" strike="noStrike">
+                          <a:solidFill>
+                            <a:srgbClr val="000000"/>
+                          </a:solidFill>
+                          <a:effectLst/>
+                          <a:latin typeface="Calibri" panose="020F0502020204030204" pitchFamily="34" charset="0"/>
+                        </a:rPr>
+                        <a:t>0.94</a:t>
+                      </a:r>
+                    </a:p>
+                  </a:txBody>
+                  <a:tcPr marL="5564" marR="5564" marT="5564" marB="0" anchor="ctr">
+                    <a:lnL w="12700" cap="flat" cmpd="sng" algn="ctr">
+                      <a:solidFill>
+                        <a:srgbClr val="FFFFFF"/>
+                      </a:solidFill>
+                      <a:prstDash val="solid"/>
+                      <a:round/>
+                      <a:headEnd type="none" w="med" len="med"/>
+                      <a:tailEnd type="none" w="med" len="med"/>
+                    </a:lnL>
+                    <a:lnR w="12700" cap="flat" cmpd="sng" algn="ctr">
+                      <a:solidFill>
+                        <a:srgbClr val="FFFFFF"/>
+                      </a:solidFill>
+                      <a:prstDash val="solid"/>
+                      <a:round/>
+                      <a:headEnd type="none" w="med" len="med"/>
+                      <a:tailEnd type="none" w="med" len="med"/>
+                    </a:lnR>
+                    <a:lnT w="12700" cap="flat" cmpd="sng" algn="ctr">
+                      <a:solidFill>
+                        <a:srgbClr val="FFFFFF"/>
+                      </a:solidFill>
+                      <a:prstDash val="solid"/>
+                      <a:round/>
+                      <a:headEnd type="none" w="med" len="med"/>
+                      <a:tailEnd type="none" w="med" len="med"/>
+                    </a:lnT>
+                    <a:lnB w="19050" cap="flat" cmpd="sng" algn="ctr">
+                      <a:solidFill>
+                        <a:srgbClr val="FFFFFF"/>
+                      </a:solidFill>
+                      <a:prstDash val="solid"/>
+                      <a:round/>
+                      <a:headEnd type="none" w="med" len="med"/>
+                      <a:tailEnd type="none" w="med" len="med"/>
+                    </a:lnB>
+                    <a:solidFill>
+                      <a:srgbClr val="E7E7E7"/>
+                    </a:solidFill>
+                  </a:tcPr>
+                </a:tc>
+                <a:tc>
+                  <a:txBody>
+                    <a:bodyPr/>
+                    <a:lstStyle/>
+                    <a:p>
+                      <a:pPr algn="ctr" rtl="0" fontAlgn="ctr"/>
+                      <a:r>
+                        <a:rPr lang="en-IN" sz="1400" b="0" i="0" u="none" strike="noStrike">
+                          <a:solidFill>
+                            <a:srgbClr val="000000"/>
+                          </a:solidFill>
+                          <a:effectLst/>
+                          <a:latin typeface="Calibri" panose="020F0502020204030204" pitchFamily="34" charset="0"/>
+                        </a:rPr>
+                        <a:t>0.94</a:t>
+                      </a:r>
+                    </a:p>
+                  </a:txBody>
+                  <a:tcPr marL="5564" marR="5564" marT="5564" marB="0" anchor="ctr">
+                    <a:lnL w="12700" cap="flat" cmpd="sng" algn="ctr">
+                      <a:solidFill>
+                        <a:srgbClr val="FFFFFF"/>
+                      </a:solidFill>
+                      <a:prstDash val="solid"/>
+                      <a:round/>
+                      <a:headEnd type="none" w="med" len="med"/>
+                      <a:tailEnd type="none" w="med" len="med"/>
+                    </a:lnL>
+                    <a:lnR w="12700" cap="flat" cmpd="sng" algn="ctr">
+                      <a:solidFill>
+                        <a:srgbClr val="FFFFFF"/>
+                      </a:solidFill>
+                      <a:prstDash val="solid"/>
+                      <a:round/>
+                      <a:headEnd type="none" w="med" len="med"/>
+                      <a:tailEnd type="none" w="med" len="med"/>
+                    </a:lnR>
+                    <a:lnT w="12700" cap="flat" cmpd="sng" algn="ctr">
+                      <a:solidFill>
+                        <a:srgbClr val="FFFFFF"/>
+                      </a:solidFill>
+                      <a:prstDash val="solid"/>
+                      <a:round/>
+                      <a:headEnd type="none" w="med" len="med"/>
+                      <a:tailEnd type="none" w="med" len="med"/>
+                    </a:lnT>
+                    <a:lnB w="19050" cap="flat" cmpd="sng" algn="ctr">
+                      <a:solidFill>
+                        <a:srgbClr val="FFFFFF"/>
+                      </a:solidFill>
+                      <a:prstDash val="solid"/>
+                      <a:round/>
+                      <a:headEnd type="none" w="med" len="med"/>
+                      <a:tailEnd type="none" w="med" len="med"/>
+                    </a:lnB>
+                    <a:solidFill>
+                      <a:srgbClr val="E7E7E7"/>
+                    </a:solidFill>
+                  </a:tcPr>
+                </a:tc>
+                <a:tc>
+                  <a:txBody>
+                    <a:bodyPr/>
+                    <a:lstStyle/>
+                    <a:p>
+                      <a:pPr algn="ctr" rtl="0" fontAlgn="ctr"/>
+                      <a:r>
+                        <a:rPr lang="en-IN" sz="1400" b="0" i="0" u="none" strike="noStrike">
+                          <a:solidFill>
+                            <a:srgbClr val="000000"/>
+                          </a:solidFill>
+                          <a:effectLst/>
+                          <a:latin typeface="Calibri" panose="020F0502020204030204" pitchFamily="34" charset="0"/>
+                        </a:rPr>
+                        <a:t>557</a:t>
+                      </a:r>
+                    </a:p>
+                  </a:txBody>
+                  <a:tcPr marL="5564" marR="5564" marT="22256" marB="22256" anchor="ctr">
+                    <a:lnL w="12700" cap="flat" cmpd="sng" algn="ctr">
+                      <a:solidFill>
+                        <a:srgbClr val="FFFFFF"/>
+                      </a:solidFill>
+                      <a:prstDash val="solid"/>
+                      <a:round/>
+                      <a:headEnd type="none" w="med" len="med"/>
+                      <a:tailEnd type="none" w="med" len="med"/>
+                    </a:lnL>
+                    <a:lnR w="12700" cap="flat" cmpd="sng" algn="ctr">
+                      <a:solidFill>
+                        <a:srgbClr val="FFFFFF"/>
+                      </a:solidFill>
+                      <a:prstDash val="solid"/>
+                      <a:round/>
+                      <a:headEnd type="none" w="med" len="med"/>
+                      <a:tailEnd type="none" w="med" len="med"/>
+                    </a:lnR>
+                    <a:lnT w="12700" cap="flat" cmpd="sng" algn="ctr">
+                      <a:solidFill>
+                        <a:srgbClr val="FFFFFF"/>
+                      </a:solidFill>
+                      <a:prstDash val="solid"/>
+                      <a:round/>
+                      <a:headEnd type="none" w="med" len="med"/>
+                      <a:tailEnd type="none" w="med" len="med"/>
+                    </a:lnT>
+                    <a:lnB w="19050" cap="flat" cmpd="sng" algn="ctr">
+                      <a:solidFill>
+                        <a:srgbClr val="FFFFFF"/>
+                      </a:solidFill>
+                      <a:prstDash val="solid"/>
+                      <a:round/>
+                      <a:headEnd type="none" w="med" len="med"/>
+                      <a:tailEnd type="none" w="med" len="med"/>
+                    </a:lnB>
+                    <a:solidFill>
+                      <a:srgbClr val="E7E7E7"/>
+                    </a:solidFill>
+                  </a:tcPr>
+                </a:tc>
+                <a:tc>
+                  <a:txBody>
+                    <a:bodyPr/>
+                    <a:lstStyle/>
+                    <a:p>
+                      <a:pPr algn="ctr" rtl="0" fontAlgn="ctr"/>
+                      <a:r>
+                        <a:rPr lang="en-IN" sz="1400" b="0" i="0" u="none" strike="noStrike" dirty="0">
+                          <a:solidFill>
+                            <a:srgbClr val="000000"/>
+                          </a:solidFill>
+                          <a:effectLst/>
+                          <a:latin typeface="Calibri" panose="020F0502020204030204" pitchFamily="34" charset="0"/>
+                        </a:rPr>
+                        <a:t>74</a:t>
+                      </a:r>
+                    </a:p>
+                  </a:txBody>
+                  <a:tcPr marL="5564" marR="5564" marT="22256" marB="22256" anchor="ctr">
+                    <a:lnL w="12700" cap="flat" cmpd="sng" algn="ctr">
+                      <a:solidFill>
+                        <a:srgbClr val="FFFFFF"/>
+                      </a:solidFill>
+                      <a:prstDash val="solid"/>
+                      <a:round/>
+                      <a:headEnd type="none" w="med" len="med"/>
+                      <a:tailEnd type="none" w="med" len="med"/>
+                    </a:lnL>
+                    <a:lnR w="12700" cap="flat" cmpd="sng" algn="ctr">
+                      <a:solidFill>
+                        <a:srgbClr val="FFFFFF"/>
+                      </a:solidFill>
+                      <a:prstDash val="solid"/>
+                      <a:round/>
+                      <a:headEnd type="none" w="med" len="med"/>
+                      <a:tailEnd type="none" w="med" len="med"/>
+                    </a:lnR>
+                    <a:lnT w="12700" cap="flat" cmpd="sng" algn="ctr">
+                      <a:solidFill>
+                        <a:srgbClr val="FFFFFF"/>
+                      </a:solidFill>
+                      <a:prstDash val="solid"/>
+                      <a:round/>
+                      <a:headEnd type="none" w="med" len="med"/>
+                      <a:tailEnd type="none" w="med" len="med"/>
+                    </a:lnT>
+                    <a:lnB w="19050" cap="flat" cmpd="sng" algn="ctr">
+                      <a:solidFill>
+                        <a:srgbClr val="FFFFFF"/>
+                      </a:solidFill>
+                      <a:prstDash val="solid"/>
+                      <a:round/>
+                      <a:headEnd type="none" w="med" len="med"/>
+                      <a:tailEnd type="none" w="med" len="med"/>
+                    </a:lnB>
+                    <a:solidFill>
+                      <a:srgbClr val="E7E7E7"/>
+                    </a:solidFill>
+                  </a:tcPr>
+                </a:tc>
+                <a:tc>
+                  <a:txBody>
+                    <a:bodyPr/>
+                    <a:lstStyle/>
+                    <a:p>
+                      <a:pPr algn="ctr" rtl="0" fontAlgn="ctr"/>
+                      <a:r>
+                        <a:rPr lang="en-IN" sz="1400" b="0" i="0" u="none" strike="noStrike">
+                          <a:solidFill>
+                            <a:srgbClr val="000000"/>
+                          </a:solidFill>
+                          <a:effectLst/>
+                          <a:latin typeface="Calibri" panose="020F0502020204030204" pitchFamily="34" charset="0"/>
+                        </a:rPr>
+                        <a:t>483</a:t>
+                      </a:r>
+                    </a:p>
+                  </a:txBody>
+                  <a:tcPr marL="5564" marR="5564" marT="22256" marB="22256" anchor="ctr">
+                    <a:lnL w="12700" cap="flat" cmpd="sng" algn="ctr">
+                      <a:solidFill>
+                        <a:srgbClr val="FFFFFF"/>
+                      </a:solidFill>
+                      <a:prstDash val="solid"/>
+                      <a:round/>
+                      <a:headEnd type="none" w="med" len="med"/>
+                      <a:tailEnd type="none" w="med" len="med"/>
+                    </a:lnL>
+                    <a:lnR w="12700" cap="flat" cmpd="sng" algn="ctr">
+                      <a:solidFill>
+                        <a:srgbClr val="FFFFFF"/>
+                      </a:solidFill>
+                      <a:prstDash val="solid"/>
+                      <a:round/>
+                      <a:headEnd type="none" w="med" len="med"/>
+                      <a:tailEnd type="none" w="med" len="med"/>
+                    </a:lnR>
+                    <a:lnT w="12700" cap="flat" cmpd="sng" algn="ctr">
+                      <a:solidFill>
+                        <a:srgbClr val="FFFFFF"/>
+                      </a:solidFill>
+                      <a:prstDash val="solid"/>
+                      <a:round/>
+                      <a:headEnd type="none" w="med" len="med"/>
+                      <a:tailEnd type="none" w="med" len="med"/>
+                    </a:lnT>
+                    <a:lnB w="19050" cap="flat" cmpd="sng" algn="ctr">
+                      <a:solidFill>
+                        <a:srgbClr val="FFFFFF"/>
+                      </a:solidFill>
+                      <a:prstDash val="solid"/>
+                      <a:round/>
+                      <a:headEnd type="none" w="med" len="med"/>
+                      <a:tailEnd type="none" w="med" len="med"/>
+                    </a:lnB>
+                    <a:solidFill>
+                      <a:srgbClr val="E7E7E7"/>
+                    </a:solidFill>
+                  </a:tcPr>
+                </a:tc>
+                <a:tc>
+                  <a:txBody>
+                    <a:bodyPr/>
+                    <a:lstStyle/>
+                    <a:p>
+                      <a:pPr algn="ctr" rtl="0" fontAlgn="ctr"/>
+                      <a:r>
+                        <a:rPr lang="en-IN" sz="1400" b="0" i="0" u="none" strike="noStrike" dirty="0">
+                          <a:solidFill>
+                            <a:srgbClr val="000000"/>
+                          </a:solidFill>
+                          <a:effectLst/>
+                          <a:latin typeface="Calibri" panose="020F0502020204030204" pitchFamily="34" charset="0"/>
+                        </a:rPr>
+                        <a:t>90%</a:t>
+                      </a:r>
+                    </a:p>
+                  </a:txBody>
+                  <a:tcPr marL="6350" marR="6350" marT="25400" marB="25400" anchor="ctr">
+                    <a:lnL w="12700" cap="flat" cmpd="sng" algn="ctr">
+                      <a:solidFill>
+                        <a:srgbClr val="FFFFFF"/>
+                      </a:solidFill>
+                      <a:prstDash val="solid"/>
+                      <a:round/>
+                      <a:headEnd type="none" w="med" len="med"/>
+                      <a:tailEnd type="none" w="med" len="med"/>
+                    </a:lnL>
+                    <a:lnR w="12700" cap="flat" cmpd="sng" algn="ctr">
+                      <a:solidFill>
+                        <a:srgbClr val="FFFFFF"/>
+                      </a:solidFill>
+                      <a:prstDash val="solid"/>
+                      <a:round/>
+                      <a:headEnd type="none" w="med" len="med"/>
+                      <a:tailEnd type="none" w="med" len="med"/>
+                    </a:lnR>
+                    <a:lnT w="12700" cap="flat" cmpd="sng" algn="ctr">
+                      <a:solidFill>
+                        <a:srgbClr val="FFFFFF"/>
+                      </a:solidFill>
+                      <a:prstDash val="solid"/>
+                      <a:round/>
+                      <a:headEnd type="none" w="med" len="med"/>
+                      <a:tailEnd type="none" w="med" len="med"/>
+                    </a:lnT>
+                    <a:lnB w="19050" cap="flat" cmpd="sng" algn="ctr">
+                      <a:solidFill>
+                        <a:srgbClr val="FFFFFF"/>
+                      </a:solidFill>
+                      <a:prstDash val="solid"/>
+                      <a:round/>
+                      <a:headEnd type="none" w="med" len="med"/>
+                      <a:tailEnd type="none" w="med" len="med"/>
+                    </a:lnB>
+                    <a:solidFill>
+                      <a:srgbClr val="E7E7E7"/>
+                    </a:solidFill>
+                  </a:tcPr>
+                </a:tc>
+                <a:extLst>
+                  <a:ext uri="{0D108BD9-81ED-4DB2-BD59-A6C34878D82A}">
+                    <a16:rowId xmlns:a16="http://schemas.microsoft.com/office/drawing/2014/main" val="1336441249"/>
+                  </a:ext>
+                </a:extLst>
+              </a:tr>
+              <a:tr h="311580">
+                <a:tc>
+                  <a:txBody>
+                    <a:bodyPr/>
+                    <a:lstStyle/>
+                    <a:p>
+                      <a:pPr algn="ctr" rtl="0" fontAlgn="ctr"/>
+                      <a:r>
+                        <a:rPr lang="en-IN" sz="1400" b="0" i="0" u="none" strike="noStrike">
+                          <a:solidFill>
+                            <a:srgbClr val="000000"/>
+                          </a:solidFill>
+                          <a:effectLst/>
+                          <a:latin typeface="Calibri" panose="020F0502020204030204" pitchFamily="34" charset="0"/>
+                        </a:rPr>
+                        <a:t>RATINGS_AVERAGE</a:t>
+                      </a:r>
+                    </a:p>
+                  </a:txBody>
+                  <a:tcPr marL="5564" marR="5564" marT="22256" marB="22256" anchor="ctr">
+                    <a:lnL w="12700" cap="flat" cmpd="sng" algn="ctr">
+                      <a:solidFill>
+                        <a:srgbClr val="FFFFFF"/>
+                      </a:solidFill>
+                      <a:prstDash val="solid"/>
+                      <a:round/>
+                      <a:headEnd type="none" w="med" len="med"/>
+                      <a:tailEnd type="none" w="med" len="med"/>
+                    </a:lnL>
+                    <a:lnR w="12700" cap="flat" cmpd="sng" algn="ctr">
+                      <a:solidFill>
+                        <a:srgbClr val="FFFFFF"/>
+                      </a:solidFill>
+                      <a:prstDash val="solid"/>
+                      <a:round/>
+                      <a:headEnd type="none" w="med" len="med"/>
+                      <a:tailEnd type="none" w="med" len="med"/>
+                    </a:lnR>
+                    <a:lnT w="19050" cap="flat" cmpd="sng" algn="ctr">
+                      <a:solidFill>
+                        <a:srgbClr val="FFFFFF"/>
+                      </a:solidFill>
+                      <a:prstDash val="solid"/>
+                      <a:round/>
+                      <a:headEnd type="none" w="med" len="med"/>
+                      <a:tailEnd type="none" w="med" len="med"/>
+                    </a:lnT>
+                    <a:lnB w="12700" cap="flat" cmpd="sng" algn="ctr">
+                      <a:solidFill>
+                        <a:srgbClr val="FFFFFF"/>
+                      </a:solidFill>
+                      <a:prstDash val="solid"/>
+                      <a:round/>
+                      <a:headEnd type="none" w="med" len="med"/>
+                      <a:tailEnd type="none" w="med" len="med"/>
+                    </a:lnB>
+                    <a:solidFill>
+                      <a:srgbClr val="CBCBCB"/>
+                    </a:solidFill>
+                  </a:tcPr>
+                </a:tc>
+                <a:tc>
+                  <a:txBody>
+                    <a:bodyPr/>
+                    <a:lstStyle/>
+                    <a:p>
+                      <a:pPr algn="ctr" rtl="0" fontAlgn="ctr"/>
+                      <a:r>
+                        <a:rPr lang="en-IN" sz="1400" b="0" i="0" u="none" strike="noStrike">
+                          <a:solidFill>
+                            <a:srgbClr val="000000"/>
+                          </a:solidFill>
+                          <a:effectLst/>
+                          <a:latin typeface="Calibri" panose="020F0502020204030204" pitchFamily="34" charset="0"/>
+                        </a:rPr>
+                        <a:t>0.87</a:t>
+                      </a:r>
+                    </a:p>
+                  </a:txBody>
+                  <a:tcPr marL="5564" marR="5564" marT="5564" marB="0" anchor="ctr">
+                    <a:lnL w="12700" cap="flat" cmpd="sng" algn="ctr">
+                      <a:solidFill>
+                        <a:srgbClr val="FFFFFF"/>
+                      </a:solidFill>
+                      <a:prstDash val="solid"/>
+                      <a:round/>
+                      <a:headEnd type="none" w="med" len="med"/>
+                      <a:tailEnd type="none" w="med" len="med"/>
+                    </a:lnL>
+                    <a:lnR w="12700" cap="flat" cmpd="sng" algn="ctr">
+                      <a:solidFill>
+                        <a:srgbClr val="FFFFFF"/>
+                      </a:solidFill>
+                      <a:prstDash val="solid"/>
+                      <a:round/>
+                      <a:headEnd type="none" w="med" len="med"/>
+                      <a:tailEnd type="none" w="med" len="med"/>
+                    </a:lnR>
+                    <a:lnT w="19050" cap="flat" cmpd="sng" algn="ctr">
+                      <a:solidFill>
+                        <a:srgbClr val="FFFFFF"/>
+                      </a:solidFill>
+                      <a:prstDash val="solid"/>
+                      <a:round/>
+                      <a:headEnd type="none" w="med" len="med"/>
+                      <a:tailEnd type="none" w="med" len="med"/>
+                    </a:lnT>
+                    <a:lnB w="12700" cap="flat" cmpd="sng" algn="ctr">
+                      <a:solidFill>
+                        <a:srgbClr val="FFFFFF"/>
+                      </a:solidFill>
+                      <a:prstDash val="solid"/>
+                      <a:round/>
+                      <a:headEnd type="none" w="med" len="med"/>
+                      <a:tailEnd type="none" w="med" len="med"/>
+                    </a:lnB>
+                    <a:solidFill>
+                      <a:srgbClr val="CBCBCB"/>
+                    </a:solidFill>
+                  </a:tcPr>
+                </a:tc>
+                <a:tc>
+                  <a:txBody>
+                    <a:bodyPr/>
+                    <a:lstStyle/>
+                    <a:p>
+                      <a:pPr algn="ctr" rtl="0" fontAlgn="ctr"/>
+                      <a:r>
+                        <a:rPr lang="en-IN" sz="1400" b="0" i="0" u="none" strike="noStrike">
+                          <a:solidFill>
+                            <a:srgbClr val="000000"/>
+                          </a:solidFill>
+                          <a:effectLst/>
+                          <a:latin typeface="Calibri" panose="020F0502020204030204" pitchFamily="34" charset="0"/>
+                        </a:rPr>
+                        <a:t>0.86</a:t>
+                      </a:r>
+                    </a:p>
+                  </a:txBody>
+                  <a:tcPr marL="5564" marR="5564" marT="5564" marB="0" anchor="ctr">
+                    <a:lnL w="12700" cap="flat" cmpd="sng" algn="ctr">
+                      <a:solidFill>
+                        <a:srgbClr val="FFFFFF"/>
+                      </a:solidFill>
+                      <a:prstDash val="solid"/>
+                      <a:round/>
+                      <a:headEnd type="none" w="med" len="med"/>
+                      <a:tailEnd type="none" w="med" len="med"/>
+                    </a:lnL>
+                    <a:lnR w="12700" cap="flat" cmpd="sng" algn="ctr">
+                      <a:solidFill>
+                        <a:srgbClr val="FFFFFF"/>
+                      </a:solidFill>
+                      <a:prstDash val="solid"/>
+                      <a:round/>
+                      <a:headEnd type="none" w="med" len="med"/>
+                      <a:tailEnd type="none" w="med" len="med"/>
+                    </a:lnR>
+                    <a:lnT w="19050" cap="flat" cmpd="sng" algn="ctr">
+                      <a:solidFill>
+                        <a:srgbClr val="FFFFFF"/>
+                      </a:solidFill>
+                      <a:prstDash val="solid"/>
+                      <a:round/>
+                      <a:headEnd type="none" w="med" len="med"/>
+                      <a:tailEnd type="none" w="med" len="med"/>
+                    </a:lnT>
+                    <a:lnB w="12700" cap="flat" cmpd="sng" algn="ctr">
+                      <a:solidFill>
+                        <a:srgbClr val="FFFFFF"/>
+                      </a:solidFill>
+                      <a:prstDash val="solid"/>
+                      <a:round/>
+                      <a:headEnd type="none" w="med" len="med"/>
+                      <a:tailEnd type="none" w="med" len="med"/>
+                    </a:lnB>
+                    <a:solidFill>
+                      <a:srgbClr val="CBCBCB"/>
+                    </a:solidFill>
+                  </a:tcPr>
+                </a:tc>
+                <a:tc>
+                  <a:txBody>
+                    <a:bodyPr/>
+                    <a:lstStyle/>
+                    <a:p>
+                      <a:pPr algn="ctr" rtl="0" fontAlgn="ctr"/>
+                      <a:r>
+                        <a:rPr lang="en-IN" sz="1400" b="0" i="0" u="none" strike="noStrike">
+                          <a:solidFill>
+                            <a:srgbClr val="000000"/>
+                          </a:solidFill>
+                          <a:effectLst/>
+                          <a:latin typeface="Calibri" panose="020F0502020204030204" pitchFamily="34" charset="0"/>
+                        </a:rPr>
+                        <a:t>0.86</a:t>
+                      </a:r>
+                    </a:p>
+                  </a:txBody>
+                  <a:tcPr marL="5564" marR="5564" marT="5564" marB="0" anchor="ctr">
+                    <a:lnL w="12700" cap="flat" cmpd="sng" algn="ctr">
+                      <a:solidFill>
+                        <a:srgbClr val="FFFFFF"/>
+                      </a:solidFill>
+                      <a:prstDash val="solid"/>
+                      <a:round/>
+                      <a:headEnd type="none" w="med" len="med"/>
+                      <a:tailEnd type="none" w="med" len="med"/>
+                    </a:lnL>
+                    <a:lnR w="12700" cap="flat" cmpd="sng" algn="ctr">
+                      <a:solidFill>
+                        <a:srgbClr val="FFFFFF"/>
+                      </a:solidFill>
+                      <a:prstDash val="solid"/>
+                      <a:round/>
+                      <a:headEnd type="none" w="med" len="med"/>
+                      <a:tailEnd type="none" w="med" len="med"/>
+                    </a:lnR>
+                    <a:lnT w="19050" cap="flat" cmpd="sng" algn="ctr">
+                      <a:solidFill>
+                        <a:srgbClr val="FFFFFF"/>
+                      </a:solidFill>
+                      <a:prstDash val="solid"/>
+                      <a:round/>
+                      <a:headEnd type="none" w="med" len="med"/>
+                      <a:tailEnd type="none" w="med" len="med"/>
+                    </a:lnT>
+                    <a:lnB w="12700" cap="flat" cmpd="sng" algn="ctr">
+                      <a:solidFill>
+                        <a:srgbClr val="FFFFFF"/>
+                      </a:solidFill>
+                      <a:prstDash val="solid"/>
+                      <a:round/>
+                      <a:headEnd type="none" w="med" len="med"/>
+                      <a:tailEnd type="none" w="med" len="med"/>
+                    </a:lnB>
+                    <a:solidFill>
+                      <a:srgbClr val="CBCBCB"/>
+                    </a:solidFill>
+                  </a:tcPr>
+                </a:tc>
+                <a:tc>
+                  <a:txBody>
+                    <a:bodyPr/>
+                    <a:lstStyle/>
+                    <a:p>
+                      <a:pPr algn="ctr" rtl="0" fontAlgn="ctr"/>
+                      <a:r>
+                        <a:rPr lang="en-IN" sz="1400" b="0" i="0" u="none" strike="noStrike">
+                          <a:solidFill>
+                            <a:srgbClr val="000000"/>
+                          </a:solidFill>
+                          <a:effectLst/>
+                          <a:latin typeface="Calibri" panose="020F0502020204030204" pitchFamily="34" charset="0"/>
+                        </a:rPr>
+                        <a:t>339</a:t>
+                      </a:r>
+                    </a:p>
+                  </a:txBody>
+                  <a:tcPr marL="5564" marR="5564" marT="22256" marB="22256" anchor="ctr">
+                    <a:lnL w="12700" cap="flat" cmpd="sng" algn="ctr">
+                      <a:solidFill>
+                        <a:srgbClr val="FFFFFF"/>
+                      </a:solidFill>
+                      <a:prstDash val="solid"/>
+                      <a:round/>
+                      <a:headEnd type="none" w="med" len="med"/>
+                      <a:tailEnd type="none" w="med" len="med"/>
+                    </a:lnL>
+                    <a:lnR w="12700" cap="flat" cmpd="sng" algn="ctr">
+                      <a:solidFill>
+                        <a:srgbClr val="FFFFFF"/>
+                      </a:solidFill>
+                      <a:prstDash val="solid"/>
+                      <a:round/>
+                      <a:headEnd type="none" w="med" len="med"/>
+                      <a:tailEnd type="none" w="med" len="med"/>
+                    </a:lnR>
+                    <a:lnT w="19050" cap="flat" cmpd="sng" algn="ctr">
+                      <a:solidFill>
+                        <a:srgbClr val="FFFFFF"/>
+                      </a:solidFill>
+                      <a:prstDash val="solid"/>
+                      <a:round/>
+                      <a:headEnd type="none" w="med" len="med"/>
+                      <a:tailEnd type="none" w="med" len="med"/>
+                    </a:lnT>
+                    <a:lnB w="12700" cap="flat" cmpd="sng" algn="ctr">
+                      <a:solidFill>
+                        <a:srgbClr val="FFFFFF"/>
+                      </a:solidFill>
+                      <a:prstDash val="solid"/>
+                      <a:round/>
+                      <a:headEnd type="none" w="med" len="med"/>
+                      <a:tailEnd type="none" w="med" len="med"/>
+                    </a:lnB>
+                    <a:solidFill>
+                      <a:srgbClr val="CBCBCB"/>
+                    </a:solidFill>
+                  </a:tcPr>
+                </a:tc>
+                <a:tc>
+                  <a:txBody>
+                    <a:bodyPr/>
+                    <a:lstStyle/>
+                    <a:p>
+                      <a:pPr algn="ctr" rtl="0" fontAlgn="ctr"/>
+                      <a:r>
+                        <a:rPr lang="en-IN" sz="1400" b="0" i="0" u="none" strike="noStrike">
+                          <a:solidFill>
+                            <a:srgbClr val="000000"/>
+                          </a:solidFill>
+                          <a:effectLst/>
+                          <a:latin typeface="Calibri" panose="020F0502020204030204" pitchFamily="34" charset="0"/>
+                        </a:rPr>
+                        <a:t>52</a:t>
+                      </a:r>
+                    </a:p>
+                  </a:txBody>
+                  <a:tcPr marL="5564" marR="5564" marT="22256" marB="22256" anchor="ctr">
+                    <a:lnL w="12700" cap="flat" cmpd="sng" algn="ctr">
+                      <a:solidFill>
+                        <a:srgbClr val="FFFFFF"/>
+                      </a:solidFill>
+                      <a:prstDash val="solid"/>
+                      <a:round/>
+                      <a:headEnd type="none" w="med" len="med"/>
+                      <a:tailEnd type="none" w="med" len="med"/>
+                    </a:lnL>
+                    <a:lnR w="12700" cap="flat" cmpd="sng" algn="ctr">
+                      <a:solidFill>
+                        <a:srgbClr val="FFFFFF"/>
+                      </a:solidFill>
+                      <a:prstDash val="solid"/>
+                      <a:round/>
+                      <a:headEnd type="none" w="med" len="med"/>
+                      <a:tailEnd type="none" w="med" len="med"/>
+                    </a:lnR>
+                    <a:lnT w="19050" cap="flat" cmpd="sng" algn="ctr">
+                      <a:solidFill>
+                        <a:srgbClr val="FFFFFF"/>
+                      </a:solidFill>
+                      <a:prstDash val="solid"/>
+                      <a:round/>
+                      <a:headEnd type="none" w="med" len="med"/>
+                      <a:tailEnd type="none" w="med" len="med"/>
+                    </a:lnT>
+                    <a:lnB w="12700" cap="flat" cmpd="sng" algn="ctr">
+                      <a:solidFill>
+                        <a:srgbClr val="FFFFFF"/>
+                      </a:solidFill>
+                      <a:prstDash val="solid"/>
+                      <a:round/>
+                      <a:headEnd type="none" w="med" len="med"/>
+                      <a:tailEnd type="none" w="med" len="med"/>
+                    </a:lnB>
+                    <a:solidFill>
+                      <a:srgbClr val="CBCBCB"/>
+                    </a:solidFill>
+                  </a:tcPr>
+                </a:tc>
+                <a:tc>
+                  <a:txBody>
+                    <a:bodyPr/>
+                    <a:lstStyle/>
+                    <a:p>
+                      <a:pPr algn="ctr" rtl="0" fontAlgn="ctr"/>
+                      <a:r>
+                        <a:rPr lang="en-IN" sz="1400" b="0" i="0" u="none" strike="noStrike" dirty="0">
+                          <a:solidFill>
+                            <a:srgbClr val="000000"/>
+                          </a:solidFill>
+                          <a:effectLst/>
+                          <a:latin typeface="Calibri" panose="020F0502020204030204" pitchFamily="34" charset="0"/>
+                        </a:rPr>
+                        <a:t>287</a:t>
+                      </a:r>
+                    </a:p>
+                  </a:txBody>
+                  <a:tcPr marL="5564" marR="5564" marT="22256" marB="22256" anchor="ctr">
+                    <a:lnL w="12700" cap="flat" cmpd="sng" algn="ctr">
+                      <a:solidFill>
+                        <a:srgbClr val="FFFFFF"/>
+                      </a:solidFill>
+                      <a:prstDash val="solid"/>
+                      <a:round/>
+                      <a:headEnd type="none" w="med" len="med"/>
+                      <a:tailEnd type="none" w="med" len="med"/>
+                    </a:lnL>
+                    <a:lnR w="12700" cap="flat" cmpd="sng" algn="ctr">
+                      <a:solidFill>
+                        <a:srgbClr val="FFFFFF"/>
+                      </a:solidFill>
+                      <a:prstDash val="solid"/>
+                      <a:round/>
+                      <a:headEnd type="none" w="med" len="med"/>
+                      <a:tailEnd type="none" w="med" len="med"/>
+                    </a:lnR>
+                    <a:lnT w="19050" cap="flat" cmpd="sng" algn="ctr">
+                      <a:solidFill>
+                        <a:srgbClr val="FFFFFF"/>
+                      </a:solidFill>
+                      <a:prstDash val="solid"/>
+                      <a:round/>
+                      <a:headEnd type="none" w="med" len="med"/>
+                      <a:tailEnd type="none" w="med" len="med"/>
+                    </a:lnT>
+                    <a:lnB w="12700" cap="flat" cmpd="sng" algn="ctr">
+                      <a:solidFill>
+                        <a:srgbClr val="FFFFFF"/>
+                      </a:solidFill>
+                      <a:prstDash val="solid"/>
+                      <a:round/>
+                      <a:headEnd type="none" w="med" len="med"/>
+                      <a:tailEnd type="none" w="med" len="med"/>
+                    </a:lnB>
+                    <a:solidFill>
+                      <a:srgbClr val="CBCBCB"/>
+                    </a:solidFill>
+                  </a:tcPr>
+                </a:tc>
+                <a:tc>
+                  <a:txBody>
+                    <a:bodyPr/>
+                    <a:lstStyle/>
+                    <a:p>
+                      <a:pPr algn="ctr" rtl="0" fontAlgn="ctr"/>
+                      <a:r>
+                        <a:rPr lang="en-IN" sz="1400" b="0" i="0" u="none" strike="noStrike" dirty="0">
+                          <a:solidFill>
+                            <a:srgbClr val="000000"/>
+                          </a:solidFill>
+                          <a:effectLst/>
+                          <a:latin typeface="Calibri" panose="020F0502020204030204" pitchFamily="34" charset="0"/>
+                        </a:rPr>
+                        <a:t>80%</a:t>
+                      </a:r>
+                    </a:p>
+                  </a:txBody>
+                  <a:tcPr marL="6350" marR="6350" marT="25400" marB="25400" anchor="ctr">
+                    <a:lnL w="12700" cap="flat" cmpd="sng" algn="ctr">
+                      <a:solidFill>
+                        <a:srgbClr val="FFFFFF"/>
+                      </a:solidFill>
+                      <a:prstDash val="solid"/>
+                      <a:round/>
+                      <a:headEnd type="none" w="med" len="med"/>
+                      <a:tailEnd type="none" w="med" len="med"/>
+                    </a:lnL>
+                    <a:lnR w="12700" cap="flat" cmpd="sng" algn="ctr">
+                      <a:solidFill>
+                        <a:srgbClr val="FFFFFF"/>
+                      </a:solidFill>
+                      <a:prstDash val="solid"/>
+                      <a:round/>
+                      <a:headEnd type="none" w="med" len="med"/>
+                      <a:tailEnd type="none" w="med" len="med"/>
+                    </a:lnR>
+                    <a:lnT w="19050" cap="flat" cmpd="sng" algn="ctr">
+                      <a:solidFill>
+                        <a:srgbClr val="FFFFFF"/>
+                      </a:solidFill>
+                      <a:prstDash val="solid"/>
+                      <a:round/>
+                      <a:headEnd type="none" w="med" len="med"/>
+                      <a:tailEnd type="none" w="med" len="med"/>
+                    </a:lnT>
+                    <a:lnB w="12700" cap="flat" cmpd="sng" algn="ctr">
+                      <a:solidFill>
+                        <a:srgbClr val="FFFFFF"/>
+                      </a:solidFill>
+                      <a:prstDash val="solid"/>
+                      <a:round/>
+                      <a:headEnd type="none" w="med" len="med"/>
+                      <a:tailEnd type="none" w="med" len="med"/>
+                    </a:lnB>
+                    <a:solidFill>
+                      <a:srgbClr val="CBCBCB"/>
+                    </a:solidFill>
+                  </a:tcPr>
+                </a:tc>
+                <a:extLst>
+                  <a:ext uri="{0D108BD9-81ED-4DB2-BD59-A6C34878D82A}">
+                    <a16:rowId xmlns:a16="http://schemas.microsoft.com/office/drawing/2014/main" val="1610808822"/>
+                  </a:ext>
+                </a:extLst>
+              </a:tr>
+              <a:tr h="267069">
+                <a:tc>
+                  <a:txBody>
+                    <a:bodyPr/>
+                    <a:lstStyle/>
+                    <a:p>
+                      <a:pPr algn="ctr" rtl="0" fontAlgn="ctr"/>
+                      <a:r>
+                        <a:rPr lang="en-IN" sz="1400" b="0" i="0" u="none" strike="noStrike">
+                          <a:solidFill>
+                            <a:srgbClr val="000000"/>
+                          </a:solidFill>
+                          <a:effectLst/>
+                          <a:latin typeface="Calibri" panose="020F0502020204030204" pitchFamily="34" charset="0"/>
+                        </a:rPr>
+                        <a:t>REVIEW</a:t>
+                      </a:r>
+                    </a:p>
+                  </a:txBody>
+                  <a:tcPr marL="5564" marR="5564" marT="22256" marB="22256" anchor="ctr">
+                    <a:lnL w="12700" cap="flat" cmpd="sng" algn="ctr">
+                      <a:solidFill>
+                        <a:srgbClr val="FFFFFF"/>
+                      </a:solidFill>
+                      <a:prstDash val="solid"/>
+                      <a:round/>
+                      <a:headEnd type="none" w="med" len="med"/>
+                      <a:tailEnd type="none" w="med" len="med"/>
+                    </a:lnL>
+                    <a:lnR w="12700" cap="flat" cmpd="sng" algn="ctr">
+                      <a:solidFill>
+                        <a:srgbClr val="FFFFFF"/>
+                      </a:solidFill>
+                      <a:prstDash val="solid"/>
+                      <a:round/>
+                      <a:headEnd type="none" w="med" len="med"/>
+                      <a:tailEnd type="none" w="med" len="med"/>
+                    </a:lnR>
+                    <a:lnT w="12700" cap="flat" cmpd="sng" algn="ctr">
+                      <a:solidFill>
+                        <a:srgbClr val="FFFFFF"/>
+                      </a:solidFill>
+                      <a:prstDash val="solid"/>
+                      <a:round/>
+                      <a:headEnd type="none" w="med" len="med"/>
+                      <a:tailEnd type="none" w="med" len="med"/>
+                    </a:lnT>
+                    <a:lnB w="19050" cap="flat" cmpd="sng" algn="ctr">
+                      <a:solidFill>
+                        <a:srgbClr val="FFFFFF"/>
+                      </a:solidFill>
+                      <a:prstDash val="solid"/>
+                      <a:round/>
+                      <a:headEnd type="none" w="med" len="med"/>
+                      <a:tailEnd type="none" w="med" len="med"/>
+                    </a:lnB>
+                    <a:solidFill>
+                      <a:srgbClr val="E7E7E7"/>
+                    </a:solidFill>
+                  </a:tcPr>
+                </a:tc>
+                <a:tc>
+                  <a:txBody>
+                    <a:bodyPr/>
+                    <a:lstStyle/>
+                    <a:p>
+                      <a:pPr algn="ctr" rtl="0" fontAlgn="ctr"/>
+                      <a:r>
+                        <a:rPr lang="en-IN" sz="1400" b="0" i="0" u="none" strike="noStrike">
+                          <a:solidFill>
+                            <a:srgbClr val="000000"/>
+                          </a:solidFill>
+                          <a:effectLst/>
+                          <a:latin typeface="Calibri" panose="020F0502020204030204" pitchFamily="34" charset="0"/>
+                        </a:rPr>
+                        <a:t>0.27</a:t>
+                      </a:r>
+                    </a:p>
+                  </a:txBody>
+                  <a:tcPr marL="5564" marR="5564" marT="5564" marB="0" anchor="ctr">
+                    <a:lnL w="12700" cap="flat" cmpd="sng" algn="ctr">
+                      <a:solidFill>
+                        <a:srgbClr val="FFFFFF"/>
+                      </a:solidFill>
+                      <a:prstDash val="solid"/>
+                      <a:round/>
+                      <a:headEnd type="none" w="med" len="med"/>
+                      <a:tailEnd type="none" w="med" len="med"/>
+                    </a:lnL>
+                    <a:lnR w="12700" cap="flat" cmpd="sng" algn="ctr">
+                      <a:solidFill>
+                        <a:srgbClr val="FFFFFF"/>
+                      </a:solidFill>
+                      <a:prstDash val="solid"/>
+                      <a:round/>
+                      <a:headEnd type="none" w="med" len="med"/>
+                      <a:tailEnd type="none" w="med" len="med"/>
+                    </a:lnR>
+                    <a:lnT w="12700" cap="flat" cmpd="sng" algn="ctr">
+                      <a:solidFill>
+                        <a:srgbClr val="FFFFFF"/>
+                      </a:solidFill>
+                      <a:prstDash val="solid"/>
+                      <a:round/>
+                      <a:headEnd type="none" w="med" len="med"/>
+                      <a:tailEnd type="none" w="med" len="med"/>
+                    </a:lnT>
+                    <a:lnB w="19050" cap="flat" cmpd="sng" algn="ctr">
+                      <a:solidFill>
+                        <a:srgbClr val="FFFFFF"/>
+                      </a:solidFill>
+                      <a:prstDash val="solid"/>
+                      <a:round/>
+                      <a:headEnd type="none" w="med" len="med"/>
+                      <a:tailEnd type="none" w="med" len="med"/>
+                    </a:lnB>
+                    <a:solidFill>
+                      <a:srgbClr val="E7E7E7"/>
+                    </a:solidFill>
+                  </a:tcPr>
+                </a:tc>
+                <a:tc>
+                  <a:txBody>
+                    <a:bodyPr/>
+                    <a:lstStyle/>
+                    <a:p>
+                      <a:pPr algn="ctr" rtl="0" fontAlgn="ctr"/>
+                      <a:r>
+                        <a:rPr lang="en-IN" sz="1400" b="0" i="0" u="none" strike="noStrike">
+                          <a:solidFill>
+                            <a:srgbClr val="000000"/>
+                          </a:solidFill>
+                          <a:effectLst/>
+                          <a:latin typeface="Calibri" panose="020F0502020204030204" pitchFamily="34" charset="0"/>
+                        </a:rPr>
+                        <a:t>0.26</a:t>
+                      </a:r>
+                    </a:p>
+                  </a:txBody>
+                  <a:tcPr marL="5564" marR="5564" marT="5564" marB="0" anchor="ctr">
+                    <a:lnL w="12700" cap="flat" cmpd="sng" algn="ctr">
+                      <a:solidFill>
+                        <a:srgbClr val="FFFFFF"/>
+                      </a:solidFill>
+                      <a:prstDash val="solid"/>
+                      <a:round/>
+                      <a:headEnd type="none" w="med" len="med"/>
+                      <a:tailEnd type="none" w="med" len="med"/>
+                    </a:lnL>
+                    <a:lnR w="12700" cap="flat" cmpd="sng" algn="ctr">
+                      <a:solidFill>
+                        <a:srgbClr val="FFFFFF"/>
+                      </a:solidFill>
+                      <a:prstDash val="solid"/>
+                      <a:round/>
+                      <a:headEnd type="none" w="med" len="med"/>
+                      <a:tailEnd type="none" w="med" len="med"/>
+                    </a:lnR>
+                    <a:lnT w="12700" cap="flat" cmpd="sng" algn="ctr">
+                      <a:solidFill>
+                        <a:srgbClr val="FFFFFF"/>
+                      </a:solidFill>
+                      <a:prstDash val="solid"/>
+                      <a:round/>
+                      <a:headEnd type="none" w="med" len="med"/>
+                      <a:tailEnd type="none" w="med" len="med"/>
+                    </a:lnT>
+                    <a:lnB w="19050" cap="flat" cmpd="sng" algn="ctr">
+                      <a:solidFill>
+                        <a:srgbClr val="FFFFFF"/>
+                      </a:solidFill>
+                      <a:prstDash val="solid"/>
+                      <a:round/>
+                      <a:headEnd type="none" w="med" len="med"/>
+                      <a:tailEnd type="none" w="med" len="med"/>
+                    </a:lnB>
+                    <a:solidFill>
+                      <a:srgbClr val="E7E7E7"/>
+                    </a:solidFill>
+                  </a:tcPr>
+                </a:tc>
+                <a:tc>
+                  <a:txBody>
+                    <a:bodyPr/>
+                    <a:lstStyle/>
+                    <a:p>
+                      <a:pPr algn="ctr" rtl="0" fontAlgn="ctr"/>
+                      <a:r>
+                        <a:rPr lang="en-IN" sz="1400" b="0" i="0" u="none" strike="noStrike">
+                          <a:solidFill>
+                            <a:srgbClr val="000000"/>
+                          </a:solidFill>
+                          <a:effectLst/>
+                          <a:latin typeface="Calibri" panose="020F0502020204030204" pitchFamily="34" charset="0"/>
+                        </a:rPr>
+                        <a:t>0.27</a:t>
+                      </a:r>
+                    </a:p>
+                  </a:txBody>
+                  <a:tcPr marL="5564" marR="5564" marT="5564" marB="0" anchor="ctr">
+                    <a:lnL w="12700" cap="flat" cmpd="sng" algn="ctr">
+                      <a:solidFill>
+                        <a:srgbClr val="FFFFFF"/>
+                      </a:solidFill>
+                      <a:prstDash val="solid"/>
+                      <a:round/>
+                      <a:headEnd type="none" w="med" len="med"/>
+                      <a:tailEnd type="none" w="med" len="med"/>
+                    </a:lnL>
+                    <a:lnR w="12700" cap="flat" cmpd="sng" algn="ctr">
+                      <a:solidFill>
+                        <a:srgbClr val="FFFFFF"/>
+                      </a:solidFill>
+                      <a:prstDash val="solid"/>
+                      <a:round/>
+                      <a:headEnd type="none" w="med" len="med"/>
+                      <a:tailEnd type="none" w="med" len="med"/>
+                    </a:lnR>
+                    <a:lnT w="12700" cap="flat" cmpd="sng" algn="ctr">
+                      <a:solidFill>
+                        <a:srgbClr val="FFFFFF"/>
+                      </a:solidFill>
+                      <a:prstDash val="solid"/>
+                      <a:round/>
+                      <a:headEnd type="none" w="med" len="med"/>
+                      <a:tailEnd type="none" w="med" len="med"/>
+                    </a:lnT>
+                    <a:lnB w="19050" cap="flat" cmpd="sng" algn="ctr">
+                      <a:solidFill>
+                        <a:srgbClr val="FFFFFF"/>
+                      </a:solidFill>
+                      <a:prstDash val="solid"/>
+                      <a:round/>
+                      <a:headEnd type="none" w="med" len="med"/>
+                      <a:tailEnd type="none" w="med" len="med"/>
+                    </a:lnB>
+                    <a:solidFill>
+                      <a:srgbClr val="E7E7E7"/>
+                    </a:solidFill>
+                  </a:tcPr>
+                </a:tc>
+                <a:tc>
+                  <a:txBody>
+                    <a:bodyPr/>
+                    <a:lstStyle/>
+                    <a:p>
+                      <a:pPr algn="ctr" rtl="0" fontAlgn="ctr"/>
+                      <a:r>
+                        <a:rPr lang="en-IN" sz="1400" b="0" i="0" u="none" strike="noStrike">
+                          <a:solidFill>
+                            <a:srgbClr val="000000"/>
+                          </a:solidFill>
+                          <a:effectLst/>
+                          <a:latin typeface="Calibri" panose="020F0502020204030204" pitchFamily="34" charset="0"/>
+                        </a:rPr>
+                        <a:t>67</a:t>
+                      </a:r>
+                    </a:p>
+                  </a:txBody>
+                  <a:tcPr marL="5564" marR="5564" marT="22256" marB="22256" anchor="ctr">
+                    <a:lnL w="12700" cap="flat" cmpd="sng" algn="ctr">
+                      <a:solidFill>
+                        <a:srgbClr val="FFFFFF"/>
+                      </a:solidFill>
+                      <a:prstDash val="solid"/>
+                      <a:round/>
+                      <a:headEnd type="none" w="med" len="med"/>
+                      <a:tailEnd type="none" w="med" len="med"/>
+                    </a:lnL>
+                    <a:lnR w="12700" cap="flat" cmpd="sng" algn="ctr">
+                      <a:solidFill>
+                        <a:srgbClr val="FFFFFF"/>
+                      </a:solidFill>
+                      <a:prstDash val="solid"/>
+                      <a:round/>
+                      <a:headEnd type="none" w="med" len="med"/>
+                      <a:tailEnd type="none" w="med" len="med"/>
+                    </a:lnR>
+                    <a:lnT w="12700" cap="flat" cmpd="sng" algn="ctr">
+                      <a:solidFill>
+                        <a:srgbClr val="FFFFFF"/>
+                      </a:solidFill>
+                      <a:prstDash val="solid"/>
+                      <a:round/>
+                      <a:headEnd type="none" w="med" len="med"/>
+                      <a:tailEnd type="none" w="med" len="med"/>
+                    </a:lnT>
+                    <a:lnB w="19050" cap="flat" cmpd="sng" algn="ctr">
+                      <a:solidFill>
+                        <a:srgbClr val="FFFFFF"/>
+                      </a:solidFill>
+                      <a:prstDash val="solid"/>
+                      <a:round/>
+                      <a:headEnd type="none" w="med" len="med"/>
+                      <a:tailEnd type="none" w="med" len="med"/>
+                    </a:lnB>
+                    <a:solidFill>
+                      <a:srgbClr val="E7E7E7"/>
+                    </a:solidFill>
+                  </a:tcPr>
+                </a:tc>
+                <a:tc>
+                  <a:txBody>
+                    <a:bodyPr/>
+                    <a:lstStyle/>
+                    <a:p>
+                      <a:pPr algn="ctr" rtl="0" fontAlgn="ctr"/>
+                      <a:r>
+                        <a:rPr lang="en-IN" sz="1400" b="0" i="0" u="none" strike="noStrike">
+                          <a:solidFill>
+                            <a:srgbClr val="000000"/>
+                          </a:solidFill>
+                          <a:effectLst/>
+                          <a:latin typeface="Calibri" panose="020F0502020204030204" pitchFamily="34" charset="0"/>
+                        </a:rPr>
+                        <a:t>13</a:t>
+                      </a:r>
+                    </a:p>
+                  </a:txBody>
+                  <a:tcPr marL="5564" marR="5564" marT="22256" marB="22256" anchor="ctr">
+                    <a:lnL w="12700" cap="flat" cmpd="sng" algn="ctr">
+                      <a:solidFill>
+                        <a:srgbClr val="FFFFFF"/>
+                      </a:solidFill>
+                      <a:prstDash val="solid"/>
+                      <a:round/>
+                      <a:headEnd type="none" w="med" len="med"/>
+                      <a:tailEnd type="none" w="med" len="med"/>
+                    </a:lnL>
+                    <a:lnR w="12700" cap="flat" cmpd="sng" algn="ctr">
+                      <a:solidFill>
+                        <a:srgbClr val="FFFFFF"/>
+                      </a:solidFill>
+                      <a:prstDash val="solid"/>
+                      <a:round/>
+                      <a:headEnd type="none" w="med" len="med"/>
+                      <a:tailEnd type="none" w="med" len="med"/>
+                    </a:lnR>
+                    <a:lnT w="12700" cap="flat" cmpd="sng" algn="ctr">
+                      <a:solidFill>
+                        <a:srgbClr val="FFFFFF"/>
+                      </a:solidFill>
+                      <a:prstDash val="solid"/>
+                      <a:round/>
+                      <a:headEnd type="none" w="med" len="med"/>
+                      <a:tailEnd type="none" w="med" len="med"/>
+                    </a:lnT>
+                    <a:lnB w="19050" cap="flat" cmpd="sng" algn="ctr">
+                      <a:solidFill>
+                        <a:srgbClr val="FFFFFF"/>
+                      </a:solidFill>
+                      <a:prstDash val="solid"/>
+                      <a:round/>
+                      <a:headEnd type="none" w="med" len="med"/>
+                      <a:tailEnd type="none" w="med" len="med"/>
+                    </a:lnB>
+                    <a:solidFill>
+                      <a:srgbClr val="E7E7E7"/>
+                    </a:solidFill>
+                  </a:tcPr>
+                </a:tc>
+                <a:tc>
+                  <a:txBody>
+                    <a:bodyPr/>
+                    <a:lstStyle/>
+                    <a:p>
+                      <a:pPr algn="ctr" rtl="0" fontAlgn="ctr"/>
+                      <a:r>
+                        <a:rPr lang="en-IN" sz="1400" b="0" i="0" u="none" strike="noStrike" dirty="0">
+                          <a:solidFill>
+                            <a:srgbClr val="000000"/>
+                          </a:solidFill>
+                          <a:effectLst/>
+                          <a:latin typeface="Calibri" panose="020F0502020204030204" pitchFamily="34" charset="0"/>
+                        </a:rPr>
+                        <a:t>54</a:t>
+                      </a:r>
+                    </a:p>
+                  </a:txBody>
+                  <a:tcPr marL="5564" marR="5564" marT="22256" marB="22256" anchor="ctr">
+                    <a:lnL w="12700" cap="flat" cmpd="sng" algn="ctr">
+                      <a:solidFill>
+                        <a:srgbClr val="FFFFFF"/>
+                      </a:solidFill>
+                      <a:prstDash val="solid"/>
+                      <a:round/>
+                      <a:headEnd type="none" w="med" len="med"/>
+                      <a:tailEnd type="none" w="med" len="med"/>
+                    </a:lnL>
+                    <a:lnR w="12700" cap="flat" cmpd="sng" algn="ctr">
+                      <a:solidFill>
+                        <a:srgbClr val="FFFFFF"/>
+                      </a:solidFill>
+                      <a:prstDash val="solid"/>
+                      <a:round/>
+                      <a:headEnd type="none" w="med" len="med"/>
+                      <a:tailEnd type="none" w="med" len="med"/>
+                    </a:lnR>
+                    <a:lnT w="12700" cap="flat" cmpd="sng" algn="ctr">
+                      <a:solidFill>
+                        <a:srgbClr val="FFFFFF"/>
+                      </a:solidFill>
+                      <a:prstDash val="solid"/>
+                      <a:round/>
+                      <a:headEnd type="none" w="med" len="med"/>
+                      <a:tailEnd type="none" w="med" len="med"/>
+                    </a:lnT>
+                    <a:lnB w="19050" cap="flat" cmpd="sng" algn="ctr">
+                      <a:solidFill>
+                        <a:srgbClr val="FFFFFF"/>
+                      </a:solidFill>
+                      <a:prstDash val="solid"/>
+                      <a:round/>
+                      <a:headEnd type="none" w="med" len="med"/>
+                      <a:tailEnd type="none" w="med" len="med"/>
+                    </a:lnB>
+                    <a:solidFill>
+                      <a:srgbClr val="E7E7E7"/>
+                    </a:solidFill>
+                  </a:tcPr>
+                </a:tc>
+                <a:tc>
+                  <a:txBody>
+                    <a:bodyPr/>
+                    <a:lstStyle/>
+                    <a:p>
+                      <a:pPr algn="ctr" rtl="0" fontAlgn="ctr"/>
+                      <a:r>
+                        <a:rPr lang="en-IN" sz="1400" b="0" i="0" u="none" strike="noStrike">
+                          <a:solidFill>
+                            <a:srgbClr val="000000"/>
+                          </a:solidFill>
+                          <a:effectLst/>
+                          <a:latin typeface="Calibri" panose="020F0502020204030204" pitchFamily="34" charset="0"/>
+                        </a:rPr>
+                        <a:t>80%</a:t>
+                      </a:r>
+                    </a:p>
+                  </a:txBody>
+                  <a:tcPr marL="6350" marR="6350" marT="25400" marB="25400" anchor="ctr">
+                    <a:lnL w="12700" cap="flat" cmpd="sng" algn="ctr">
+                      <a:solidFill>
+                        <a:srgbClr val="FFFFFF"/>
+                      </a:solidFill>
+                      <a:prstDash val="solid"/>
+                      <a:round/>
+                      <a:headEnd type="none" w="med" len="med"/>
+                      <a:tailEnd type="none" w="med" len="med"/>
+                    </a:lnL>
+                    <a:lnR w="12700" cap="flat" cmpd="sng" algn="ctr">
+                      <a:solidFill>
+                        <a:srgbClr val="FFFFFF"/>
+                      </a:solidFill>
+                      <a:prstDash val="solid"/>
+                      <a:round/>
+                      <a:headEnd type="none" w="med" len="med"/>
+                      <a:tailEnd type="none" w="med" len="med"/>
+                    </a:lnR>
+                    <a:lnT w="12700" cap="flat" cmpd="sng" algn="ctr">
+                      <a:solidFill>
+                        <a:srgbClr val="FFFFFF"/>
+                      </a:solidFill>
+                      <a:prstDash val="solid"/>
+                      <a:round/>
+                      <a:headEnd type="none" w="med" len="med"/>
+                      <a:tailEnd type="none" w="med" len="med"/>
+                    </a:lnT>
+                    <a:lnB w="19050" cap="flat" cmpd="sng" algn="ctr">
+                      <a:solidFill>
+                        <a:srgbClr val="FFFFFF"/>
+                      </a:solidFill>
+                      <a:prstDash val="solid"/>
+                      <a:round/>
+                      <a:headEnd type="none" w="med" len="med"/>
+                      <a:tailEnd type="none" w="med" len="med"/>
+                    </a:lnB>
+                    <a:solidFill>
+                      <a:srgbClr val="E7E7E7"/>
+                    </a:solidFill>
+                  </a:tcPr>
+                </a:tc>
+                <a:extLst>
+                  <a:ext uri="{0D108BD9-81ED-4DB2-BD59-A6C34878D82A}">
+                    <a16:rowId xmlns:a16="http://schemas.microsoft.com/office/drawing/2014/main" val="2491221858"/>
+                  </a:ext>
+                </a:extLst>
+              </a:tr>
+              <a:tr h="272633">
+                <a:tc>
+                  <a:txBody>
+                    <a:bodyPr/>
+                    <a:lstStyle/>
+                    <a:p>
+                      <a:pPr algn="ctr" rtl="0" fontAlgn="ctr"/>
+                      <a:r>
+                        <a:rPr lang="en-IN" sz="1400" b="0" i="0" u="none" strike="noStrike">
+                          <a:solidFill>
+                            <a:srgbClr val="000000"/>
+                          </a:solidFill>
+                          <a:effectLst/>
+                          <a:latin typeface="Calibri" panose="020F0502020204030204" pitchFamily="34" charset="0"/>
+                        </a:rPr>
+                        <a:t>SONG</a:t>
+                      </a:r>
+                    </a:p>
+                  </a:txBody>
+                  <a:tcPr marL="5564" marR="5564" marT="22256" marB="22256" anchor="ctr">
+                    <a:lnL w="12700" cap="flat" cmpd="sng" algn="ctr">
+                      <a:solidFill>
+                        <a:srgbClr val="FFFFFF"/>
+                      </a:solidFill>
+                      <a:prstDash val="solid"/>
+                      <a:round/>
+                      <a:headEnd type="none" w="med" len="med"/>
+                      <a:tailEnd type="none" w="med" len="med"/>
+                    </a:lnL>
+                    <a:lnR w="12700" cap="flat" cmpd="sng" algn="ctr">
+                      <a:solidFill>
+                        <a:srgbClr val="FFFFFF"/>
+                      </a:solidFill>
+                      <a:prstDash val="solid"/>
+                      <a:round/>
+                      <a:headEnd type="none" w="med" len="med"/>
+                      <a:tailEnd type="none" w="med" len="med"/>
+                    </a:lnR>
+                    <a:lnT w="19050" cap="flat" cmpd="sng" algn="ctr">
+                      <a:solidFill>
+                        <a:srgbClr val="FFFFFF"/>
+                      </a:solidFill>
+                      <a:prstDash val="solid"/>
+                      <a:round/>
+                      <a:headEnd type="none" w="med" len="med"/>
+                      <a:tailEnd type="none" w="med" len="med"/>
+                    </a:lnT>
+                    <a:lnB w="12700" cap="flat" cmpd="sng" algn="ctr">
+                      <a:solidFill>
+                        <a:srgbClr val="FFFFFF"/>
+                      </a:solidFill>
+                      <a:prstDash val="solid"/>
+                      <a:round/>
+                      <a:headEnd type="none" w="med" len="med"/>
+                      <a:tailEnd type="none" w="med" len="med"/>
+                    </a:lnB>
+                    <a:solidFill>
+                      <a:srgbClr val="CBCBCB"/>
+                    </a:solidFill>
+                  </a:tcPr>
+                </a:tc>
+                <a:tc>
+                  <a:txBody>
+                    <a:bodyPr/>
+                    <a:lstStyle/>
+                    <a:p>
+                      <a:pPr algn="ctr" rtl="0" fontAlgn="ctr"/>
+                      <a:r>
+                        <a:rPr lang="en-IN" sz="1400" b="0" i="0" u="none" strike="noStrike">
+                          <a:solidFill>
+                            <a:srgbClr val="000000"/>
+                          </a:solidFill>
+                          <a:effectLst/>
+                          <a:latin typeface="Calibri" panose="020F0502020204030204" pitchFamily="34" charset="0"/>
+                        </a:rPr>
+                        <a:t>0.62</a:t>
+                      </a:r>
+                    </a:p>
+                  </a:txBody>
+                  <a:tcPr marL="5564" marR="5564" marT="5564" marB="0" anchor="ctr">
+                    <a:lnL w="12700" cap="flat" cmpd="sng" algn="ctr">
+                      <a:solidFill>
+                        <a:srgbClr val="FFFFFF"/>
+                      </a:solidFill>
+                      <a:prstDash val="solid"/>
+                      <a:round/>
+                      <a:headEnd type="none" w="med" len="med"/>
+                      <a:tailEnd type="none" w="med" len="med"/>
+                    </a:lnL>
+                    <a:lnR w="12700" cap="flat" cmpd="sng" algn="ctr">
+                      <a:solidFill>
+                        <a:srgbClr val="FFFFFF"/>
+                      </a:solidFill>
+                      <a:prstDash val="solid"/>
+                      <a:round/>
+                      <a:headEnd type="none" w="med" len="med"/>
+                      <a:tailEnd type="none" w="med" len="med"/>
+                    </a:lnR>
+                    <a:lnT w="19050" cap="flat" cmpd="sng" algn="ctr">
+                      <a:solidFill>
+                        <a:srgbClr val="FFFFFF"/>
+                      </a:solidFill>
+                      <a:prstDash val="solid"/>
+                      <a:round/>
+                      <a:headEnd type="none" w="med" len="med"/>
+                      <a:tailEnd type="none" w="med" len="med"/>
+                    </a:lnT>
+                    <a:lnB w="12700" cap="flat" cmpd="sng" algn="ctr">
+                      <a:solidFill>
+                        <a:srgbClr val="FFFFFF"/>
+                      </a:solidFill>
+                      <a:prstDash val="solid"/>
+                      <a:round/>
+                      <a:headEnd type="none" w="med" len="med"/>
+                      <a:tailEnd type="none" w="med" len="med"/>
+                    </a:lnB>
+                    <a:solidFill>
+                      <a:srgbClr val="CBCBCB"/>
+                    </a:solidFill>
+                  </a:tcPr>
+                </a:tc>
+                <a:tc>
+                  <a:txBody>
+                    <a:bodyPr/>
+                    <a:lstStyle/>
+                    <a:p>
+                      <a:pPr algn="ctr" rtl="0" fontAlgn="ctr"/>
+                      <a:r>
+                        <a:rPr lang="en-IN" sz="1400" b="0" i="0" u="none" strike="noStrike">
+                          <a:solidFill>
+                            <a:srgbClr val="000000"/>
+                          </a:solidFill>
+                          <a:effectLst/>
+                          <a:latin typeface="Calibri" panose="020F0502020204030204" pitchFamily="34" charset="0"/>
+                        </a:rPr>
+                        <a:t>0.66</a:t>
+                      </a:r>
+                    </a:p>
+                  </a:txBody>
+                  <a:tcPr marL="5564" marR="5564" marT="5564" marB="0" anchor="ctr">
+                    <a:lnL w="12700" cap="flat" cmpd="sng" algn="ctr">
+                      <a:solidFill>
+                        <a:srgbClr val="FFFFFF"/>
+                      </a:solidFill>
+                      <a:prstDash val="solid"/>
+                      <a:round/>
+                      <a:headEnd type="none" w="med" len="med"/>
+                      <a:tailEnd type="none" w="med" len="med"/>
+                    </a:lnL>
+                    <a:lnR w="12700" cap="flat" cmpd="sng" algn="ctr">
+                      <a:solidFill>
+                        <a:srgbClr val="FFFFFF"/>
+                      </a:solidFill>
+                      <a:prstDash val="solid"/>
+                      <a:round/>
+                      <a:headEnd type="none" w="med" len="med"/>
+                      <a:tailEnd type="none" w="med" len="med"/>
+                    </a:lnR>
+                    <a:lnT w="19050" cap="flat" cmpd="sng" algn="ctr">
+                      <a:solidFill>
+                        <a:srgbClr val="FFFFFF"/>
+                      </a:solidFill>
+                      <a:prstDash val="solid"/>
+                      <a:round/>
+                      <a:headEnd type="none" w="med" len="med"/>
+                      <a:tailEnd type="none" w="med" len="med"/>
+                    </a:lnT>
+                    <a:lnB w="12700" cap="flat" cmpd="sng" algn="ctr">
+                      <a:solidFill>
+                        <a:srgbClr val="FFFFFF"/>
+                      </a:solidFill>
+                      <a:prstDash val="solid"/>
+                      <a:round/>
+                      <a:headEnd type="none" w="med" len="med"/>
+                      <a:tailEnd type="none" w="med" len="med"/>
+                    </a:lnB>
+                    <a:solidFill>
+                      <a:srgbClr val="CBCBCB"/>
+                    </a:solidFill>
+                  </a:tcPr>
+                </a:tc>
+                <a:tc>
+                  <a:txBody>
+                    <a:bodyPr/>
+                    <a:lstStyle/>
+                    <a:p>
+                      <a:pPr algn="ctr" rtl="0" fontAlgn="ctr"/>
+                      <a:r>
+                        <a:rPr lang="en-IN" sz="1400" b="0" i="0" u="none" strike="noStrike">
+                          <a:solidFill>
+                            <a:srgbClr val="000000"/>
+                          </a:solidFill>
+                          <a:effectLst/>
+                          <a:latin typeface="Calibri" panose="020F0502020204030204" pitchFamily="34" charset="0"/>
+                        </a:rPr>
+                        <a:t>0.64</a:t>
+                      </a:r>
+                    </a:p>
+                  </a:txBody>
+                  <a:tcPr marL="5564" marR="5564" marT="5564" marB="0" anchor="ctr">
+                    <a:lnL w="12700" cap="flat" cmpd="sng" algn="ctr">
+                      <a:solidFill>
+                        <a:srgbClr val="FFFFFF"/>
+                      </a:solidFill>
+                      <a:prstDash val="solid"/>
+                      <a:round/>
+                      <a:headEnd type="none" w="med" len="med"/>
+                      <a:tailEnd type="none" w="med" len="med"/>
+                    </a:lnL>
+                    <a:lnR w="12700" cap="flat" cmpd="sng" algn="ctr">
+                      <a:solidFill>
+                        <a:srgbClr val="FFFFFF"/>
+                      </a:solidFill>
+                      <a:prstDash val="solid"/>
+                      <a:round/>
+                      <a:headEnd type="none" w="med" len="med"/>
+                      <a:tailEnd type="none" w="med" len="med"/>
+                    </a:lnR>
+                    <a:lnT w="19050" cap="flat" cmpd="sng" algn="ctr">
+                      <a:solidFill>
+                        <a:srgbClr val="FFFFFF"/>
+                      </a:solidFill>
+                      <a:prstDash val="solid"/>
+                      <a:round/>
+                      <a:headEnd type="none" w="med" len="med"/>
+                      <a:tailEnd type="none" w="med" len="med"/>
+                    </a:lnT>
+                    <a:lnB w="12700" cap="flat" cmpd="sng" algn="ctr">
+                      <a:solidFill>
+                        <a:srgbClr val="FFFFFF"/>
+                      </a:solidFill>
+                      <a:prstDash val="solid"/>
+                      <a:round/>
+                      <a:headEnd type="none" w="med" len="med"/>
+                      <a:tailEnd type="none" w="med" len="med"/>
+                    </a:lnB>
+                    <a:solidFill>
+                      <a:srgbClr val="CBCBCB"/>
+                    </a:solidFill>
+                  </a:tcPr>
+                </a:tc>
+                <a:tc>
+                  <a:txBody>
+                    <a:bodyPr/>
+                    <a:lstStyle/>
+                    <a:p>
+                      <a:pPr algn="ctr" rtl="0" fontAlgn="ctr"/>
+                      <a:r>
+                        <a:rPr lang="en-IN" sz="1400" b="0" i="0" u="none" strike="noStrike">
+                          <a:solidFill>
+                            <a:srgbClr val="000000"/>
+                          </a:solidFill>
+                          <a:effectLst/>
+                          <a:latin typeface="Calibri" panose="020F0502020204030204" pitchFamily="34" charset="0"/>
+                        </a:rPr>
+                        <a:t>109</a:t>
+                      </a:r>
+                    </a:p>
+                  </a:txBody>
+                  <a:tcPr marL="5564" marR="5564" marT="22256" marB="22256" anchor="ctr">
+                    <a:lnL w="12700" cap="flat" cmpd="sng" algn="ctr">
+                      <a:solidFill>
+                        <a:srgbClr val="FFFFFF"/>
+                      </a:solidFill>
+                      <a:prstDash val="solid"/>
+                      <a:round/>
+                      <a:headEnd type="none" w="med" len="med"/>
+                      <a:tailEnd type="none" w="med" len="med"/>
+                    </a:lnL>
+                    <a:lnR w="12700" cap="flat" cmpd="sng" algn="ctr">
+                      <a:solidFill>
+                        <a:srgbClr val="FFFFFF"/>
+                      </a:solidFill>
+                      <a:prstDash val="solid"/>
+                      <a:round/>
+                      <a:headEnd type="none" w="med" len="med"/>
+                      <a:tailEnd type="none" w="med" len="med"/>
+                    </a:lnR>
+                    <a:lnT w="19050" cap="flat" cmpd="sng" algn="ctr">
+                      <a:solidFill>
+                        <a:srgbClr val="FFFFFF"/>
+                      </a:solidFill>
+                      <a:prstDash val="solid"/>
+                      <a:round/>
+                      <a:headEnd type="none" w="med" len="med"/>
+                      <a:tailEnd type="none" w="med" len="med"/>
+                    </a:lnT>
+                    <a:lnB w="12700" cap="flat" cmpd="sng" algn="ctr">
+                      <a:solidFill>
+                        <a:srgbClr val="FFFFFF"/>
+                      </a:solidFill>
+                      <a:prstDash val="solid"/>
+                      <a:round/>
+                      <a:headEnd type="none" w="med" len="med"/>
+                      <a:tailEnd type="none" w="med" len="med"/>
+                    </a:lnB>
+                    <a:solidFill>
+                      <a:srgbClr val="CBCBCB"/>
+                    </a:solidFill>
+                  </a:tcPr>
+                </a:tc>
+                <a:tc>
+                  <a:txBody>
+                    <a:bodyPr/>
+                    <a:lstStyle/>
+                    <a:p>
+                      <a:pPr algn="ctr" rtl="0" fontAlgn="ctr"/>
+                      <a:r>
+                        <a:rPr lang="en-IN" sz="1400" b="0" i="0" u="none" strike="noStrike">
+                          <a:solidFill>
+                            <a:srgbClr val="000000"/>
+                          </a:solidFill>
+                          <a:effectLst/>
+                          <a:latin typeface="Calibri" panose="020F0502020204030204" pitchFamily="34" charset="0"/>
+                        </a:rPr>
+                        <a:t>26</a:t>
+                      </a:r>
+                    </a:p>
+                  </a:txBody>
+                  <a:tcPr marL="5564" marR="5564" marT="22256" marB="22256" anchor="ctr">
+                    <a:lnL w="12700" cap="flat" cmpd="sng" algn="ctr">
+                      <a:solidFill>
+                        <a:srgbClr val="FFFFFF"/>
+                      </a:solidFill>
+                      <a:prstDash val="solid"/>
+                      <a:round/>
+                      <a:headEnd type="none" w="med" len="med"/>
+                      <a:tailEnd type="none" w="med" len="med"/>
+                    </a:lnL>
+                    <a:lnR w="12700" cap="flat" cmpd="sng" algn="ctr">
+                      <a:solidFill>
+                        <a:srgbClr val="FFFFFF"/>
+                      </a:solidFill>
+                      <a:prstDash val="solid"/>
+                      <a:round/>
+                      <a:headEnd type="none" w="med" len="med"/>
+                      <a:tailEnd type="none" w="med" len="med"/>
+                    </a:lnR>
+                    <a:lnT w="19050" cap="flat" cmpd="sng" algn="ctr">
+                      <a:solidFill>
+                        <a:srgbClr val="FFFFFF"/>
+                      </a:solidFill>
+                      <a:prstDash val="solid"/>
+                      <a:round/>
+                      <a:headEnd type="none" w="med" len="med"/>
+                      <a:tailEnd type="none" w="med" len="med"/>
+                    </a:lnT>
+                    <a:lnB w="12700" cap="flat" cmpd="sng" algn="ctr">
+                      <a:solidFill>
+                        <a:srgbClr val="FFFFFF"/>
+                      </a:solidFill>
+                      <a:prstDash val="solid"/>
+                      <a:round/>
+                      <a:headEnd type="none" w="med" len="med"/>
+                      <a:tailEnd type="none" w="med" len="med"/>
+                    </a:lnB>
+                    <a:solidFill>
+                      <a:srgbClr val="CBCBCB"/>
+                    </a:solidFill>
+                  </a:tcPr>
+                </a:tc>
+                <a:tc>
+                  <a:txBody>
+                    <a:bodyPr/>
+                    <a:lstStyle/>
+                    <a:p>
+                      <a:pPr algn="ctr" rtl="0" fontAlgn="ctr"/>
+                      <a:r>
+                        <a:rPr lang="en-IN" sz="1400" b="0" i="0" u="none" strike="noStrike">
+                          <a:solidFill>
+                            <a:srgbClr val="000000"/>
+                          </a:solidFill>
+                          <a:effectLst/>
+                          <a:latin typeface="Calibri" panose="020F0502020204030204" pitchFamily="34" charset="0"/>
+                        </a:rPr>
+                        <a:t>83</a:t>
+                      </a:r>
+                    </a:p>
+                  </a:txBody>
+                  <a:tcPr marL="5564" marR="5564" marT="22256" marB="22256" anchor="ctr">
+                    <a:lnL w="12700" cap="flat" cmpd="sng" algn="ctr">
+                      <a:solidFill>
+                        <a:srgbClr val="FFFFFF"/>
+                      </a:solidFill>
+                      <a:prstDash val="solid"/>
+                      <a:round/>
+                      <a:headEnd type="none" w="med" len="med"/>
+                      <a:tailEnd type="none" w="med" len="med"/>
+                    </a:lnL>
+                    <a:lnR w="12700" cap="flat" cmpd="sng" algn="ctr">
+                      <a:solidFill>
+                        <a:srgbClr val="FFFFFF"/>
+                      </a:solidFill>
+                      <a:prstDash val="solid"/>
+                      <a:round/>
+                      <a:headEnd type="none" w="med" len="med"/>
+                      <a:tailEnd type="none" w="med" len="med"/>
+                    </a:lnR>
+                    <a:lnT w="19050" cap="flat" cmpd="sng" algn="ctr">
+                      <a:solidFill>
+                        <a:srgbClr val="FFFFFF"/>
+                      </a:solidFill>
+                      <a:prstDash val="solid"/>
+                      <a:round/>
+                      <a:headEnd type="none" w="med" len="med"/>
+                      <a:tailEnd type="none" w="med" len="med"/>
+                    </a:lnT>
+                    <a:lnB w="12700" cap="flat" cmpd="sng" algn="ctr">
+                      <a:solidFill>
+                        <a:srgbClr val="FFFFFF"/>
+                      </a:solidFill>
+                      <a:prstDash val="solid"/>
+                      <a:round/>
+                      <a:headEnd type="none" w="med" len="med"/>
+                      <a:tailEnd type="none" w="med" len="med"/>
+                    </a:lnB>
+                    <a:solidFill>
+                      <a:srgbClr val="CBCBCB"/>
+                    </a:solidFill>
+                  </a:tcPr>
+                </a:tc>
+                <a:tc>
+                  <a:txBody>
+                    <a:bodyPr/>
+                    <a:lstStyle/>
+                    <a:p>
+                      <a:pPr algn="ctr" rtl="0" fontAlgn="ctr"/>
+                      <a:r>
+                        <a:rPr lang="en-IN" sz="1400" b="0" i="0" u="none" strike="noStrike" dirty="0">
+                          <a:solidFill>
+                            <a:srgbClr val="000000"/>
+                          </a:solidFill>
+                          <a:effectLst/>
+                          <a:latin typeface="Calibri" panose="020F0502020204030204" pitchFamily="34" charset="0"/>
+                        </a:rPr>
+                        <a:t>80%</a:t>
+                      </a:r>
+                    </a:p>
+                  </a:txBody>
+                  <a:tcPr marL="6350" marR="6350" marT="25400" marB="25400" anchor="ctr">
+                    <a:lnL w="12700" cap="flat" cmpd="sng" algn="ctr">
+                      <a:solidFill>
+                        <a:srgbClr val="FFFFFF"/>
+                      </a:solidFill>
+                      <a:prstDash val="solid"/>
+                      <a:round/>
+                      <a:headEnd type="none" w="med" len="med"/>
+                      <a:tailEnd type="none" w="med" len="med"/>
+                    </a:lnL>
+                    <a:lnR w="12700" cap="flat" cmpd="sng" algn="ctr">
+                      <a:solidFill>
+                        <a:srgbClr val="FFFFFF"/>
+                      </a:solidFill>
+                      <a:prstDash val="solid"/>
+                      <a:round/>
+                      <a:headEnd type="none" w="med" len="med"/>
+                      <a:tailEnd type="none" w="med" len="med"/>
+                    </a:lnR>
+                    <a:lnT w="19050" cap="flat" cmpd="sng" algn="ctr">
+                      <a:solidFill>
+                        <a:srgbClr val="FFFFFF"/>
+                      </a:solidFill>
+                      <a:prstDash val="solid"/>
+                      <a:round/>
+                      <a:headEnd type="none" w="med" len="med"/>
+                      <a:tailEnd type="none" w="med" len="med"/>
+                    </a:lnT>
+                    <a:lnB w="12700" cap="flat" cmpd="sng" algn="ctr">
+                      <a:solidFill>
+                        <a:srgbClr val="FFFFFF"/>
+                      </a:solidFill>
+                      <a:prstDash val="solid"/>
+                      <a:round/>
+                      <a:headEnd type="none" w="med" len="med"/>
+                      <a:tailEnd type="none" w="med" len="med"/>
+                    </a:lnB>
+                    <a:solidFill>
+                      <a:srgbClr val="CBCBCB"/>
+                    </a:solidFill>
+                  </a:tcPr>
+                </a:tc>
+                <a:extLst>
+                  <a:ext uri="{0D108BD9-81ED-4DB2-BD59-A6C34878D82A}">
+                    <a16:rowId xmlns:a16="http://schemas.microsoft.com/office/drawing/2014/main" val="1776883165"/>
+                  </a:ext>
+                </a:extLst>
+              </a:tr>
+              <a:tr h="267069">
+                <a:tc>
+                  <a:txBody>
+                    <a:bodyPr/>
+                    <a:lstStyle/>
+                    <a:p>
+                      <a:pPr algn="ctr" rtl="0" fontAlgn="ctr"/>
+                      <a:r>
+                        <a:rPr lang="en-IN" sz="1400" b="0" i="0" u="none" strike="noStrike">
+                          <a:solidFill>
+                            <a:srgbClr val="000000"/>
+                          </a:solidFill>
+                          <a:effectLst/>
+                          <a:latin typeface="Calibri" panose="020F0502020204030204" pitchFamily="34" charset="0"/>
+                        </a:rPr>
+                        <a:t>TITLE</a:t>
+                      </a:r>
+                    </a:p>
+                  </a:txBody>
+                  <a:tcPr marL="5564" marR="5564" marT="22256" marB="22256" anchor="ctr">
+                    <a:lnL w="12700" cap="flat" cmpd="sng" algn="ctr">
+                      <a:solidFill>
+                        <a:srgbClr val="FFFFFF"/>
+                      </a:solidFill>
+                      <a:prstDash val="solid"/>
+                      <a:round/>
+                      <a:headEnd type="none" w="med" len="med"/>
+                      <a:tailEnd type="none" w="med" len="med"/>
+                    </a:lnL>
+                    <a:lnR w="12700" cap="flat" cmpd="sng" algn="ctr">
+                      <a:solidFill>
+                        <a:srgbClr val="FFFFFF"/>
+                      </a:solidFill>
+                      <a:prstDash val="solid"/>
+                      <a:round/>
+                      <a:headEnd type="none" w="med" len="med"/>
+                      <a:tailEnd type="none" w="med" len="med"/>
+                    </a:lnR>
+                    <a:lnT w="12700" cap="flat" cmpd="sng" algn="ctr">
+                      <a:solidFill>
+                        <a:srgbClr val="FFFFFF"/>
+                      </a:solidFill>
+                      <a:prstDash val="solid"/>
+                      <a:round/>
+                      <a:headEnd type="none" w="med" len="med"/>
+                      <a:tailEnd type="none" w="med" len="med"/>
+                    </a:lnT>
+                    <a:lnB w="19050" cap="flat" cmpd="sng" algn="ctr">
+                      <a:solidFill>
+                        <a:srgbClr val="FFFFFF"/>
+                      </a:solidFill>
+                      <a:prstDash val="solid"/>
+                      <a:round/>
+                      <a:headEnd type="none" w="med" len="med"/>
+                      <a:tailEnd type="none" w="med" len="med"/>
+                    </a:lnB>
+                    <a:solidFill>
+                      <a:srgbClr val="E7E7E7"/>
+                    </a:solidFill>
+                  </a:tcPr>
+                </a:tc>
+                <a:tc>
+                  <a:txBody>
+                    <a:bodyPr/>
+                    <a:lstStyle/>
+                    <a:p>
+                      <a:pPr algn="ctr" rtl="0" fontAlgn="ctr"/>
+                      <a:r>
+                        <a:rPr lang="en-IN" sz="1400" b="0" i="0" u="none" strike="noStrike">
+                          <a:solidFill>
+                            <a:srgbClr val="000000"/>
+                          </a:solidFill>
+                          <a:effectLst/>
+                          <a:latin typeface="Calibri" panose="020F0502020204030204" pitchFamily="34" charset="0"/>
+                        </a:rPr>
+                        <a:t>0.84</a:t>
+                      </a:r>
+                    </a:p>
+                  </a:txBody>
+                  <a:tcPr marL="5564" marR="5564" marT="5564" marB="0" anchor="ctr">
+                    <a:lnL w="12700" cap="flat" cmpd="sng" algn="ctr">
+                      <a:solidFill>
+                        <a:srgbClr val="FFFFFF"/>
+                      </a:solidFill>
+                      <a:prstDash val="solid"/>
+                      <a:round/>
+                      <a:headEnd type="none" w="med" len="med"/>
+                      <a:tailEnd type="none" w="med" len="med"/>
+                    </a:lnL>
+                    <a:lnR w="12700" cap="flat" cmpd="sng" algn="ctr">
+                      <a:solidFill>
+                        <a:srgbClr val="FFFFFF"/>
+                      </a:solidFill>
+                      <a:prstDash val="solid"/>
+                      <a:round/>
+                      <a:headEnd type="none" w="med" len="med"/>
+                      <a:tailEnd type="none" w="med" len="med"/>
+                    </a:lnR>
+                    <a:lnT w="12700" cap="flat" cmpd="sng" algn="ctr">
+                      <a:solidFill>
+                        <a:srgbClr val="FFFFFF"/>
+                      </a:solidFill>
+                      <a:prstDash val="solid"/>
+                      <a:round/>
+                      <a:headEnd type="none" w="med" len="med"/>
+                      <a:tailEnd type="none" w="med" len="med"/>
+                    </a:lnT>
+                    <a:lnB w="19050" cap="flat" cmpd="sng" algn="ctr">
+                      <a:solidFill>
+                        <a:srgbClr val="FFFFFF"/>
+                      </a:solidFill>
+                      <a:prstDash val="solid"/>
+                      <a:round/>
+                      <a:headEnd type="none" w="med" len="med"/>
+                      <a:tailEnd type="none" w="med" len="med"/>
+                    </a:lnB>
+                    <a:solidFill>
+                      <a:srgbClr val="E7E7E7"/>
+                    </a:solidFill>
+                  </a:tcPr>
+                </a:tc>
+                <a:tc>
+                  <a:txBody>
+                    <a:bodyPr/>
+                    <a:lstStyle/>
+                    <a:p>
+                      <a:pPr algn="ctr" rtl="0" fontAlgn="ctr"/>
+                      <a:r>
+                        <a:rPr lang="en-IN" sz="1400" b="0" i="0" u="none" strike="noStrike">
+                          <a:solidFill>
+                            <a:srgbClr val="000000"/>
+                          </a:solidFill>
+                          <a:effectLst/>
+                          <a:latin typeface="Calibri" panose="020F0502020204030204" pitchFamily="34" charset="0"/>
+                        </a:rPr>
+                        <a:t>0.87</a:t>
+                      </a:r>
+                    </a:p>
+                  </a:txBody>
+                  <a:tcPr marL="5564" marR="5564" marT="5564" marB="0" anchor="ctr">
+                    <a:lnL w="12700" cap="flat" cmpd="sng" algn="ctr">
+                      <a:solidFill>
+                        <a:srgbClr val="FFFFFF"/>
+                      </a:solidFill>
+                      <a:prstDash val="solid"/>
+                      <a:round/>
+                      <a:headEnd type="none" w="med" len="med"/>
+                      <a:tailEnd type="none" w="med" len="med"/>
+                    </a:lnL>
+                    <a:lnR w="12700" cap="flat" cmpd="sng" algn="ctr">
+                      <a:solidFill>
+                        <a:srgbClr val="FFFFFF"/>
+                      </a:solidFill>
+                      <a:prstDash val="solid"/>
+                      <a:round/>
+                      <a:headEnd type="none" w="med" len="med"/>
+                      <a:tailEnd type="none" w="med" len="med"/>
+                    </a:lnR>
+                    <a:lnT w="12700" cap="flat" cmpd="sng" algn="ctr">
+                      <a:solidFill>
+                        <a:srgbClr val="FFFFFF"/>
+                      </a:solidFill>
+                      <a:prstDash val="solid"/>
+                      <a:round/>
+                      <a:headEnd type="none" w="med" len="med"/>
+                      <a:tailEnd type="none" w="med" len="med"/>
+                    </a:lnT>
+                    <a:lnB w="19050" cap="flat" cmpd="sng" algn="ctr">
+                      <a:solidFill>
+                        <a:srgbClr val="FFFFFF"/>
+                      </a:solidFill>
+                      <a:prstDash val="solid"/>
+                      <a:round/>
+                      <a:headEnd type="none" w="med" len="med"/>
+                      <a:tailEnd type="none" w="med" len="med"/>
+                    </a:lnB>
+                    <a:solidFill>
+                      <a:srgbClr val="E7E7E7"/>
+                    </a:solidFill>
+                  </a:tcPr>
+                </a:tc>
+                <a:tc>
+                  <a:txBody>
+                    <a:bodyPr/>
+                    <a:lstStyle/>
+                    <a:p>
+                      <a:pPr algn="ctr" rtl="0" fontAlgn="ctr"/>
+                      <a:r>
+                        <a:rPr lang="en-IN" sz="1400" b="0" i="0" u="none" strike="noStrike">
+                          <a:solidFill>
+                            <a:srgbClr val="000000"/>
+                          </a:solidFill>
+                          <a:effectLst/>
+                          <a:latin typeface="Calibri" panose="020F0502020204030204" pitchFamily="34" charset="0"/>
+                        </a:rPr>
+                        <a:t>0.85</a:t>
+                      </a:r>
+                    </a:p>
+                  </a:txBody>
+                  <a:tcPr marL="5564" marR="5564" marT="5564" marB="0" anchor="ctr">
+                    <a:lnL w="12700" cap="flat" cmpd="sng" algn="ctr">
+                      <a:solidFill>
+                        <a:srgbClr val="FFFFFF"/>
+                      </a:solidFill>
+                      <a:prstDash val="solid"/>
+                      <a:round/>
+                      <a:headEnd type="none" w="med" len="med"/>
+                      <a:tailEnd type="none" w="med" len="med"/>
+                    </a:lnL>
+                    <a:lnR w="12700" cap="flat" cmpd="sng" algn="ctr">
+                      <a:solidFill>
+                        <a:srgbClr val="FFFFFF"/>
+                      </a:solidFill>
+                      <a:prstDash val="solid"/>
+                      <a:round/>
+                      <a:headEnd type="none" w="med" len="med"/>
+                      <a:tailEnd type="none" w="med" len="med"/>
+                    </a:lnR>
+                    <a:lnT w="12700" cap="flat" cmpd="sng" algn="ctr">
+                      <a:solidFill>
+                        <a:srgbClr val="FFFFFF"/>
+                      </a:solidFill>
+                      <a:prstDash val="solid"/>
+                      <a:round/>
+                      <a:headEnd type="none" w="med" len="med"/>
+                      <a:tailEnd type="none" w="med" len="med"/>
+                    </a:lnT>
+                    <a:lnB w="19050" cap="flat" cmpd="sng" algn="ctr">
+                      <a:solidFill>
+                        <a:srgbClr val="FFFFFF"/>
+                      </a:solidFill>
+                      <a:prstDash val="solid"/>
+                      <a:round/>
+                      <a:headEnd type="none" w="med" len="med"/>
+                      <a:tailEnd type="none" w="med" len="med"/>
+                    </a:lnB>
+                    <a:solidFill>
+                      <a:srgbClr val="E7E7E7"/>
+                    </a:solidFill>
+                  </a:tcPr>
+                </a:tc>
+                <a:tc>
+                  <a:txBody>
+                    <a:bodyPr/>
+                    <a:lstStyle/>
+                    <a:p>
+                      <a:pPr algn="ctr" rtl="0" fontAlgn="ctr"/>
+                      <a:r>
+                        <a:rPr lang="en-IN" sz="1400" b="0" i="0" u="none" strike="noStrike">
+                          <a:solidFill>
+                            <a:srgbClr val="000000"/>
+                          </a:solidFill>
+                          <a:effectLst/>
+                          <a:latin typeface="Calibri" panose="020F0502020204030204" pitchFamily="34" charset="0"/>
+                        </a:rPr>
+                        <a:t>520</a:t>
+                      </a:r>
+                    </a:p>
+                  </a:txBody>
+                  <a:tcPr marL="5564" marR="5564" marT="22256" marB="22256" anchor="ctr">
+                    <a:lnL w="12700" cap="flat" cmpd="sng" algn="ctr">
+                      <a:solidFill>
+                        <a:srgbClr val="FFFFFF"/>
+                      </a:solidFill>
+                      <a:prstDash val="solid"/>
+                      <a:round/>
+                      <a:headEnd type="none" w="med" len="med"/>
+                      <a:tailEnd type="none" w="med" len="med"/>
+                    </a:lnL>
+                    <a:lnR w="12700" cap="flat" cmpd="sng" algn="ctr">
+                      <a:solidFill>
+                        <a:srgbClr val="FFFFFF"/>
+                      </a:solidFill>
+                      <a:prstDash val="solid"/>
+                      <a:round/>
+                      <a:headEnd type="none" w="med" len="med"/>
+                      <a:tailEnd type="none" w="med" len="med"/>
+                    </a:lnR>
+                    <a:lnT w="12700" cap="flat" cmpd="sng" algn="ctr">
+                      <a:solidFill>
+                        <a:srgbClr val="FFFFFF"/>
+                      </a:solidFill>
+                      <a:prstDash val="solid"/>
+                      <a:round/>
+                      <a:headEnd type="none" w="med" len="med"/>
+                      <a:tailEnd type="none" w="med" len="med"/>
+                    </a:lnT>
+                    <a:lnB w="19050" cap="flat" cmpd="sng" algn="ctr">
+                      <a:solidFill>
+                        <a:srgbClr val="FFFFFF"/>
+                      </a:solidFill>
+                      <a:prstDash val="solid"/>
+                      <a:round/>
+                      <a:headEnd type="none" w="med" len="med"/>
+                      <a:tailEnd type="none" w="med" len="med"/>
+                    </a:lnB>
+                    <a:solidFill>
+                      <a:srgbClr val="E7E7E7"/>
+                    </a:solidFill>
+                  </a:tcPr>
+                </a:tc>
+                <a:tc>
+                  <a:txBody>
+                    <a:bodyPr/>
+                    <a:lstStyle/>
+                    <a:p>
+                      <a:pPr algn="ctr" rtl="0" fontAlgn="ctr"/>
+                      <a:r>
+                        <a:rPr lang="en-IN" sz="1400" b="0" i="0" u="none" strike="noStrike">
+                          <a:solidFill>
+                            <a:srgbClr val="000000"/>
+                          </a:solidFill>
+                          <a:effectLst/>
+                          <a:latin typeface="Calibri" panose="020F0502020204030204" pitchFamily="34" charset="0"/>
+                        </a:rPr>
+                        <a:t>245</a:t>
+                      </a:r>
+                    </a:p>
+                  </a:txBody>
+                  <a:tcPr marL="5564" marR="5564" marT="22256" marB="22256" anchor="ctr">
+                    <a:lnL w="12700" cap="flat" cmpd="sng" algn="ctr">
+                      <a:solidFill>
+                        <a:srgbClr val="FFFFFF"/>
+                      </a:solidFill>
+                      <a:prstDash val="solid"/>
+                      <a:round/>
+                      <a:headEnd type="none" w="med" len="med"/>
+                      <a:tailEnd type="none" w="med" len="med"/>
+                    </a:lnL>
+                    <a:lnR w="12700" cap="flat" cmpd="sng" algn="ctr">
+                      <a:solidFill>
+                        <a:srgbClr val="FFFFFF"/>
+                      </a:solidFill>
+                      <a:prstDash val="solid"/>
+                      <a:round/>
+                      <a:headEnd type="none" w="med" len="med"/>
+                      <a:tailEnd type="none" w="med" len="med"/>
+                    </a:lnR>
+                    <a:lnT w="12700" cap="flat" cmpd="sng" algn="ctr">
+                      <a:solidFill>
+                        <a:srgbClr val="FFFFFF"/>
+                      </a:solidFill>
+                      <a:prstDash val="solid"/>
+                      <a:round/>
+                      <a:headEnd type="none" w="med" len="med"/>
+                      <a:tailEnd type="none" w="med" len="med"/>
+                    </a:lnT>
+                    <a:lnB w="19050" cap="flat" cmpd="sng" algn="ctr">
+                      <a:solidFill>
+                        <a:srgbClr val="FFFFFF"/>
+                      </a:solidFill>
+                      <a:prstDash val="solid"/>
+                      <a:round/>
+                      <a:headEnd type="none" w="med" len="med"/>
+                      <a:tailEnd type="none" w="med" len="med"/>
+                    </a:lnB>
+                    <a:solidFill>
+                      <a:srgbClr val="E7E7E7"/>
+                    </a:solidFill>
+                  </a:tcPr>
+                </a:tc>
+                <a:tc>
+                  <a:txBody>
+                    <a:bodyPr/>
+                    <a:lstStyle/>
+                    <a:p>
+                      <a:pPr algn="ctr" rtl="0" fontAlgn="ctr"/>
+                      <a:r>
+                        <a:rPr lang="en-IN" sz="1400" b="0" i="0" u="none" strike="noStrike">
+                          <a:solidFill>
+                            <a:srgbClr val="000000"/>
+                          </a:solidFill>
+                          <a:effectLst/>
+                          <a:latin typeface="Calibri" panose="020F0502020204030204" pitchFamily="34" charset="0"/>
+                        </a:rPr>
+                        <a:t>275</a:t>
+                      </a:r>
+                    </a:p>
+                  </a:txBody>
+                  <a:tcPr marL="5564" marR="5564" marT="22256" marB="22256" anchor="ctr">
+                    <a:lnL w="12700" cap="flat" cmpd="sng" algn="ctr">
+                      <a:solidFill>
+                        <a:srgbClr val="FFFFFF"/>
+                      </a:solidFill>
+                      <a:prstDash val="solid"/>
+                      <a:round/>
+                      <a:headEnd type="none" w="med" len="med"/>
+                      <a:tailEnd type="none" w="med" len="med"/>
+                    </a:lnL>
+                    <a:lnR w="12700" cap="flat" cmpd="sng" algn="ctr">
+                      <a:solidFill>
+                        <a:srgbClr val="FFFFFF"/>
+                      </a:solidFill>
+                      <a:prstDash val="solid"/>
+                      <a:round/>
+                      <a:headEnd type="none" w="med" len="med"/>
+                      <a:tailEnd type="none" w="med" len="med"/>
+                    </a:lnR>
+                    <a:lnT w="12700" cap="flat" cmpd="sng" algn="ctr">
+                      <a:solidFill>
+                        <a:srgbClr val="FFFFFF"/>
+                      </a:solidFill>
+                      <a:prstDash val="solid"/>
+                      <a:round/>
+                      <a:headEnd type="none" w="med" len="med"/>
+                      <a:tailEnd type="none" w="med" len="med"/>
+                    </a:lnT>
+                    <a:lnB w="19050" cap="flat" cmpd="sng" algn="ctr">
+                      <a:solidFill>
+                        <a:srgbClr val="FFFFFF"/>
+                      </a:solidFill>
+                      <a:prstDash val="solid"/>
+                      <a:round/>
+                      <a:headEnd type="none" w="med" len="med"/>
+                      <a:tailEnd type="none" w="med" len="med"/>
+                    </a:lnB>
+                    <a:solidFill>
+                      <a:srgbClr val="E7E7E7"/>
+                    </a:solidFill>
+                  </a:tcPr>
+                </a:tc>
+                <a:tc>
+                  <a:txBody>
+                    <a:bodyPr/>
+                    <a:lstStyle/>
+                    <a:p>
+                      <a:pPr algn="ctr" rtl="0" fontAlgn="ctr"/>
+                      <a:r>
+                        <a:rPr lang="en-IN" sz="1400" b="0" i="0" u="none" strike="noStrike" dirty="0">
+                          <a:solidFill>
+                            <a:srgbClr val="000000"/>
+                          </a:solidFill>
+                          <a:effectLst/>
+                          <a:latin typeface="Calibri" panose="020F0502020204030204" pitchFamily="34" charset="0"/>
+                        </a:rPr>
+                        <a:t>50%</a:t>
+                      </a:r>
+                    </a:p>
+                  </a:txBody>
+                  <a:tcPr marL="6350" marR="6350" marT="25400" marB="25400" anchor="ctr">
+                    <a:lnL w="12700" cap="flat" cmpd="sng" algn="ctr">
+                      <a:solidFill>
+                        <a:srgbClr val="FFFFFF"/>
+                      </a:solidFill>
+                      <a:prstDash val="solid"/>
+                      <a:round/>
+                      <a:headEnd type="none" w="med" len="med"/>
+                      <a:tailEnd type="none" w="med" len="med"/>
+                    </a:lnL>
+                    <a:lnR w="12700" cap="flat" cmpd="sng" algn="ctr">
+                      <a:solidFill>
+                        <a:srgbClr val="FFFFFF"/>
+                      </a:solidFill>
+                      <a:prstDash val="solid"/>
+                      <a:round/>
+                      <a:headEnd type="none" w="med" len="med"/>
+                      <a:tailEnd type="none" w="med" len="med"/>
+                    </a:lnR>
+                    <a:lnT w="12700" cap="flat" cmpd="sng" algn="ctr">
+                      <a:solidFill>
+                        <a:srgbClr val="FFFFFF"/>
+                      </a:solidFill>
+                      <a:prstDash val="solid"/>
+                      <a:round/>
+                      <a:headEnd type="none" w="med" len="med"/>
+                      <a:tailEnd type="none" w="med" len="med"/>
+                    </a:lnT>
+                    <a:lnB w="19050" cap="flat" cmpd="sng" algn="ctr">
+                      <a:solidFill>
+                        <a:srgbClr val="FFFFFF"/>
+                      </a:solidFill>
+                      <a:prstDash val="solid"/>
+                      <a:round/>
+                      <a:headEnd type="none" w="med" len="med"/>
+                      <a:tailEnd type="none" w="med" len="med"/>
+                    </a:lnB>
+                    <a:solidFill>
+                      <a:srgbClr val="E7E7E7"/>
+                    </a:solidFill>
+                  </a:tcPr>
+                </a:tc>
+                <a:extLst>
+                  <a:ext uri="{0D108BD9-81ED-4DB2-BD59-A6C34878D82A}">
+                    <a16:rowId xmlns:a16="http://schemas.microsoft.com/office/drawing/2014/main" val="2296320362"/>
+                  </a:ext>
+                </a:extLst>
+              </a:tr>
+              <a:tr h="272633">
+                <a:tc>
+                  <a:txBody>
+                    <a:bodyPr/>
+                    <a:lstStyle/>
+                    <a:p>
+                      <a:pPr algn="ctr" rtl="0" fontAlgn="ctr"/>
+                      <a:r>
+                        <a:rPr lang="en-IN" sz="1400" b="0" i="0" u="none" strike="noStrike">
+                          <a:solidFill>
+                            <a:srgbClr val="000000"/>
+                          </a:solidFill>
+                          <a:effectLst/>
+                          <a:latin typeface="Calibri" panose="020F0502020204030204" pitchFamily="34" charset="0"/>
+                        </a:rPr>
+                        <a:t>TRAILER</a:t>
+                      </a:r>
+                    </a:p>
+                  </a:txBody>
+                  <a:tcPr marL="5564" marR="5564" marT="22256" marB="22256" anchor="ctr">
+                    <a:lnL w="12700" cap="flat" cmpd="sng" algn="ctr">
+                      <a:solidFill>
+                        <a:srgbClr val="FFFFFF"/>
+                      </a:solidFill>
+                      <a:prstDash val="solid"/>
+                      <a:round/>
+                      <a:headEnd type="none" w="med" len="med"/>
+                      <a:tailEnd type="none" w="med" len="med"/>
+                    </a:lnL>
+                    <a:lnR w="12700" cap="flat" cmpd="sng" algn="ctr">
+                      <a:solidFill>
+                        <a:srgbClr val="FFFFFF"/>
+                      </a:solidFill>
+                      <a:prstDash val="solid"/>
+                      <a:round/>
+                      <a:headEnd type="none" w="med" len="med"/>
+                      <a:tailEnd type="none" w="med" len="med"/>
+                    </a:lnR>
+                    <a:lnT w="19050" cap="flat" cmpd="sng" algn="ctr">
+                      <a:solidFill>
+                        <a:srgbClr val="FFFFFF"/>
+                      </a:solidFill>
+                      <a:prstDash val="solid"/>
+                      <a:round/>
+                      <a:headEnd type="none" w="med" len="med"/>
+                      <a:tailEnd type="none" w="med" len="med"/>
+                    </a:lnT>
+                    <a:lnB w="12700" cap="flat" cmpd="sng" algn="ctr">
+                      <a:solidFill>
+                        <a:srgbClr val="FFFFFF"/>
+                      </a:solidFill>
+                      <a:prstDash val="solid"/>
+                      <a:round/>
+                      <a:headEnd type="none" w="med" len="med"/>
+                      <a:tailEnd type="none" w="med" len="med"/>
+                    </a:lnB>
+                    <a:solidFill>
+                      <a:srgbClr val="CBCBCB"/>
+                    </a:solidFill>
+                  </a:tcPr>
+                </a:tc>
+                <a:tc>
+                  <a:txBody>
+                    <a:bodyPr/>
+                    <a:lstStyle/>
+                    <a:p>
+                      <a:pPr algn="ctr" rtl="0" fontAlgn="ctr"/>
+                      <a:r>
+                        <a:rPr lang="en-IN" sz="1400" b="0" i="0" u="none" strike="noStrike">
+                          <a:solidFill>
+                            <a:srgbClr val="000000"/>
+                          </a:solidFill>
+                          <a:effectLst/>
+                          <a:latin typeface="Calibri" panose="020F0502020204030204" pitchFamily="34" charset="0"/>
+                        </a:rPr>
+                        <a:t>0.84</a:t>
+                      </a:r>
+                    </a:p>
+                  </a:txBody>
+                  <a:tcPr marL="5564" marR="5564" marT="5564" marB="0" anchor="ctr">
+                    <a:lnL w="12700" cap="flat" cmpd="sng" algn="ctr">
+                      <a:solidFill>
+                        <a:srgbClr val="FFFFFF"/>
+                      </a:solidFill>
+                      <a:prstDash val="solid"/>
+                      <a:round/>
+                      <a:headEnd type="none" w="med" len="med"/>
+                      <a:tailEnd type="none" w="med" len="med"/>
+                    </a:lnL>
+                    <a:lnR w="12700" cap="flat" cmpd="sng" algn="ctr">
+                      <a:solidFill>
+                        <a:srgbClr val="FFFFFF"/>
+                      </a:solidFill>
+                      <a:prstDash val="solid"/>
+                      <a:round/>
+                      <a:headEnd type="none" w="med" len="med"/>
+                      <a:tailEnd type="none" w="med" len="med"/>
+                    </a:lnR>
+                    <a:lnT w="19050" cap="flat" cmpd="sng" algn="ctr">
+                      <a:solidFill>
+                        <a:srgbClr val="FFFFFF"/>
+                      </a:solidFill>
+                      <a:prstDash val="solid"/>
+                      <a:round/>
+                      <a:headEnd type="none" w="med" len="med"/>
+                      <a:tailEnd type="none" w="med" len="med"/>
+                    </a:lnT>
+                    <a:lnB w="12700" cap="flat" cmpd="sng" algn="ctr">
+                      <a:solidFill>
+                        <a:srgbClr val="FFFFFF"/>
+                      </a:solidFill>
+                      <a:prstDash val="solid"/>
+                      <a:round/>
+                      <a:headEnd type="none" w="med" len="med"/>
+                      <a:tailEnd type="none" w="med" len="med"/>
+                    </a:lnB>
+                    <a:solidFill>
+                      <a:srgbClr val="CBCBCB"/>
+                    </a:solidFill>
+                  </a:tcPr>
+                </a:tc>
+                <a:tc>
+                  <a:txBody>
+                    <a:bodyPr/>
+                    <a:lstStyle/>
+                    <a:p>
+                      <a:pPr algn="ctr" rtl="0" fontAlgn="ctr"/>
+                      <a:r>
+                        <a:rPr lang="en-IN" sz="1400" b="0" i="0" u="none" strike="noStrike">
+                          <a:solidFill>
+                            <a:srgbClr val="000000"/>
+                          </a:solidFill>
+                          <a:effectLst/>
+                          <a:latin typeface="Calibri" panose="020F0502020204030204" pitchFamily="34" charset="0"/>
+                        </a:rPr>
+                        <a:t>0.87</a:t>
+                      </a:r>
+                    </a:p>
+                  </a:txBody>
+                  <a:tcPr marL="5564" marR="5564" marT="5564" marB="0" anchor="ctr">
+                    <a:lnL w="12700" cap="flat" cmpd="sng" algn="ctr">
+                      <a:solidFill>
+                        <a:srgbClr val="FFFFFF"/>
+                      </a:solidFill>
+                      <a:prstDash val="solid"/>
+                      <a:round/>
+                      <a:headEnd type="none" w="med" len="med"/>
+                      <a:tailEnd type="none" w="med" len="med"/>
+                    </a:lnL>
+                    <a:lnR w="12700" cap="flat" cmpd="sng" algn="ctr">
+                      <a:solidFill>
+                        <a:srgbClr val="FFFFFF"/>
+                      </a:solidFill>
+                      <a:prstDash val="solid"/>
+                      <a:round/>
+                      <a:headEnd type="none" w="med" len="med"/>
+                      <a:tailEnd type="none" w="med" len="med"/>
+                    </a:lnR>
+                    <a:lnT w="19050" cap="flat" cmpd="sng" algn="ctr">
+                      <a:solidFill>
+                        <a:srgbClr val="FFFFFF"/>
+                      </a:solidFill>
+                      <a:prstDash val="solid"/>
+                      <a:round/>
+                      <a:headEnd type="none" w="med" len="med"/>
+                      <a:tailEnd type="none" w="med" len="med"/>
+                    </a:lnT>
+                    <a:lnB w="12700" cap="flat" cmpd="sng" algn="ctr">
+                      <a:solidFill>
+                        <a:srgbClr val="FFFFFF"/>
+                      </a:solidFill>
+                      <a:prstDash val="solid"/>
+                      <a:round/>
+                      <a:headEnd type="none" w="med" len="med"/>
+                      <a:tailEnd type="none" w="med" len="med"/>
+                    </a:lnB>
+                    <a:solidFill>
+                      <a:srgbClr val="CBCBCB"/>
+                    </a:solidFill>
+                  </a:tcPr>
+                </a:tc>
+                <a:tc>
+                  <a:txBody>
+                    <a:bodyPr/>
+                    <a:lstStyle/>
+                    <a:p>
+                      <a:pPr algn="ctr" rtl="0" fontAlgn="ctr"/>
+                      <a:r>
+                        <a:rPr lang="en-IN" sz="1400" b="0" i="0" u="none" strike="noStrike">
+                          <a:solidFill>
+                            <a:srgbClr val="000000"/>
+                          </a:solidFill>
+                          <a:effectLst/>
+                          <a:latin typeface="Calibri" panose="020F0502020204030204" pitchFamily="34" charset="0"/>
+                        </a:rPr>
+                        <a:t>0.85</a:t>
+                      </a:r>
+                    </a:p>
+                  </a:txBody>
+                  <a:tcPr marL="5564" marR="5564" marT="5564" marB="0" anchor="ctr">
+                    <a:lnL w="12700" cap="flat" cmpd="sng" algn="ctr">
+                      <a:solidFill>
+                        <a:srgbClr val="FFFFFF"/>
+                      </a:solidFill>
+                      <a:prstDash val="solid"/>
+                      <a:round/>
+                      <a:headEnd type="none" w="med" len="med"/>
+                      <a:tailEnd type="none" w="med" len="med"/>
+                    </a:lnL>
+                    <a:lnR w="12700" cap="flat" cmpd="sng" algn="ctr">
+                      <a:solidFill>
+                        <a:srgbClr val="FFFFFF"/>
+                      </a:solidFill>
+                      <a:prstDash val="solid"/>
+                      <a:round/>
+                      <a:headEnd type="none" w="med" len="med"/>
+                      <a:tailEnd type="none" w="med" len="med"/>
+                    </a:lnR>
+                    <a:lnT w="19050" cap="flat" cmpd="sng" algn="ctr">
+                      <a:solidFill>
+                        <a:srgbClr val="FFFFFF"/>
+                      </a:solidFill>
+                      <a:prstDash val="solid"/>
+                      <a:round/>
+                      <a:headEnd type="none" w="med" len="med"/>
+                      <a:tailEnd type="none" w="med" len="med"/>
+                    </a:lnT>
+                    <a:lnB w="12700" cap="flat" cmpd="sng" algn="ctr">
+                      <a:solidFill>
+                        <a:srgbClr val="FFFFFF"/>
+                      </a:solidFill>
+                      <a:prstDash val="solid"/>
+                      <a:round/>
+                      <a:headEnd type="none" w="med" len="med"/>
+                      <a:tailEnd type="none" w="med" len="med"/>
+                    </a:lnB>
+                    <a:solidFill>
+                      <a:srgbClr val="CBCBCB"/>
+                    </a:solidFill>
+                  </a:tcPr>
+                </a:tc>
+                <a:tc>
+                  <a:txBody>
+                    <a:bodyPr/>
+                    <a:lstStyle/>
+                    <a:p>
+                      <a:pPr algn="ctr" rtl="0" fontAlgn="ctr"/>
+                      <a:r>
+                        <a:rPr lang="en-IN" sz="1400" b="0" i="0" u="none" strike="noStrike">
+                          <a:solidFill>
+                            <a:srgbClr val="000000"/>
+                          </a:solidFill>
+                          <a:effectLst/>
+                          <a:latin typeface="Calibri" panose="020F0502020204030204" pitchFamily="34" charset="0"/>
+                        </a:rPr>
+                        <a:t>33</a:t>
+                      </a:r>
+                    </a:p>
+                  </a:txBody>
+                  <a:tcPr marL="5564" marR="5564" marT="22256" marB="22256" anchor="ctr">
+                    <a:lnL w="12700" cap="flat" cmpd="sng" algn="ctr">
+                      <a:solidFill>
+                        <a:srgbClr val="FFFFFF"/>
+                      </a:solidFill>
+                      <a:prstDash val="solid"/>
+                      <a:round/>
+                      <a:headEnd type="none" w="med" len="med"/>
+                      <a:tailEnd type="none" w="med" len="med"/>
+                    </a:lnL>
+                    <a:lnR w="12700" cap="flat" cmpd="sng" algn="ctr">
+                      <a:solidFill>
+                        <a:srgbClr val="FFFFFF"/>
+                      </a:solidFill>
+                      <a:prstDash val="solid"/>
+                      <a:round/>
+                      <a:headEnd type="none" w="med" len="med"/>
+                      <a:tailEnd type="none" w="med" len="med"/>
+                    </a:lnR>
+                    <a:lnT w="19050" cap="flat" cmpd="sng" algn="ctr">
+                      <a:solidFill>
+                        <a:srgbClr val="FFFFFF"/>
+                      </a:solidFill>
+                      <a:prstDash val="solid"/>
+                      <a:round/>
+                      <a:headEnd type="none" w="med" len="med"/>
+                      <a:tailEnd type="none" w="med" len="med"/>
+                    </a:lnT>
+                    <a:lnB w="12700" cap="flat" cmpd="sng" algn="ctr">
+                      <a:solidFill>
+                        <a:srgbClr val="FFFFFF"/>
+                      </a:solidFill>
+                      <a:prstDash val="solid"/>
+                      <a:round/>
+                      <a:headEnd type="none" w="med" len="med"/>
+                      <a:tailEnd type="none" w="med" len="med"/>
+                    </a:lnB>
+                    <a:solidFill>
+                      <a:srgbClr val="CBCBCB"/>
+                    </a:solidFill>
+                  </a:tcPr>
+                </a:tc>
+                <a:tc>
+                  <a:txBody>
+                    <a:bodyPr/>
+                    <a:lstStyle/>
+                    <a:p>
+                      <a:pPr algn="ctr" rtl="0" fontAlgn="ctr"/>
+                      <a:r>
+                        <a:rPr lang="en-IN" sz="1400" b="0" i="0" u="none" strike="noStrike">
+                          <a:solidFill>
+                            <a:srgbClr val="000000"/>
+                          </a:solidFill>
+                          <a:effectLst/>
+                          <a:latin typeface="Calibri" panose="020F0502020204030204" pitchFamily="34" charset="0"/>
+                        </a:rPr>
+                        <a:t>4</a:t>
+                      </a:r>
+                    </a:p>
+                  </a:txBody>
+                  <a:tcPr marL="5564" marR="5564" marT="22256" marB="22256" anchor="ctr">
+                    <a:lnL w="12700" cap="flat" cmpd="sng" algn="ctr">
+                      <a:solidFill>
+                        <a:srgbClr val="FFFFFF"/>
+                      </a:solidFill>
+                      <a:prstDash val="solid"/>
+                      <a:round/>
+                      <a:headEnd type="none" w="med" len="med"/>
+                      <a:tailEnd type="none" w="med" len="med"/>
+                    </a:lnL>
+                    <a:lnR w="12700" cap="flat" cmpd="sng" algn="ctr">
+                      <a:solidFill>
+                        <a:srgbClr val="FFFFFF"/>
+                      </a:solidFill>
+                      <a:prstDash val="solid"/>
+                      <a:round/>
+                      <a:headEnd type="none" w="med" len="med"/>
+                      <a:tailEnd type="none" w="med" len="med"/>
+                    </a:lnR>
+                    <a:lnT w="19050" cap="flat" cmpd="sng" algn="ctr">
+                      <a:solidFill>
+                        <a:srgbClr val="FFFFFF"/>
+                      </a:solidFill>
+                      <a:prstDash val="solid"/>
+                      <a:round/>
+                      <a:headEnd type="none" w="med" len="med"/>
+                      <a:tailEnd type="none" w="med" len="med"/>
+                    </a:lnT>
+                    <a:lnB w="12700" cap="flat" cmpd="sng" algn="ctr">
+                      <a:solidFill>
+                        <a:srgbClr val="FFFFFF"/>
+                      </a:solidFill>
+                      <a:prstDash val="solid"/>
+                      <a:round/>
+                      <a:headEnd type="none" w="med" len="med"/>
+                      <a:tailEnd type="none" w="med" len="med"/>
+                    </a:lnB>
+                    <a:solidFill>
+                      <a:srgbClr val="CBCBCB"/>
+                    </a:solidFill>
+                  </a:tcPr>
+                </a:tc>
+                <a:tc>
+                  <a:txBody>
+                    <a:bodyPr/>
+                    <a:lstStyle/>
+                    <a:p>
+                      <a:pPr algn="ctr" rtl="0" fontAlgn="ctr"/>
+                      <a:r>
+                        <a:rPr lang="en-IN" sz="1400" b="0" i="0" u="none" strike="noStrike">
+                          <a:solidFill>
+                            <a:srgbClr val="000000"/>
+                          </a:solidFill>
+                          <a:effectLst/>
+                          <a:latin typeface="Calibri" panose="020F0502020204030204" pitchFamily="34" charset="0"/>
+                        </a:rPr>
+                        <a:t>29</a:t>
+                      </a:r>
+                    </a:p>
+                  </a:txBody>
+                  <a:tcPr marL="5564" marR="5564" marT="22256" marB="22256" anchor="ctr">
+                    <a:lnL w="12700" cap="flat" cmpd="sng" algn="ctr">
+                      <a:solidFill>
+                        <a:srgbClr val="FFFFFF"/>
+                      </a:solidFill>
+                      <a:prstDash val="solid"/>
+                      <a:round/>
+                      <a:headEnd type="none" w="med" len="med"/>
+                      <a:tailEnd type="none" w="med" len="med"/>
+                    </a:lnL>
+                    <a:lnR w="12700" cap="flat" cmpd="sng" algn="ctr">
+                      <a:solidFill>
+                        <a:srgbClr val="FFFFFF"/>
+                      </a:solidFill>
+                      <a:prstDash val="solid"/>
+                      <a:round/>
+                      <a:headEnd type="none" w="med" len="med"/>
+                      <a:tailEnd type="none" w="med" len="med"/>
+                    </a:lnR>
+                    <a:lnT w="19050" cap="flat" cmpd="sng" algn="ctr">
+                      <a:solidFill>
+                        <a:srgbClr val="FFFFFF"/>
+                      </a:solidFill>
+                      <a:prstDash val="solid"/>
+                      <a:round/>
+                      <a:headEnd type="none" w="med" len="med"/>
+                      <a:tailEnd type="none" w="med" len="med"/>
+                    </a:lnT>
+                    <a:lnB w="12700" cap="flat" cmpd="sng" algn="ctr">
+                      <a:solidFill>
+                        <a:srgbClr val="FFFFFF"/>
+                      </a:solidFill>
+                      <a:prstDash val="solid"/>
+                      <a:round/>
+                      <a:headEnd type="none" w="med" len="med"/>
+                      <a:tailEnd type="none" w="med" len="med"/>
+                    </a:lnB>
+                    <a:solidFill>
+                      <a:srgbClr val="CBCBCB"/>
+                    </a:solidFill>
+                  </a:tcPr>
+                </a:tc>
+                <a:tc>
+                  <a:txBody>
+                    <a:bodyPr/>
+                    <a:lstStyle/>
+                    <a:p>
+                      <a:pPr algn="ctr" rtl="0" fontAlgn="ctr"/>
+                      <a:r>
+                        <a:rPr lang="en-IN" sz="1400" b="0" i="0" u="none" strike="noStrike" dirty="0">
+                          <a:solidFill>
+                            <a:srgbClr val="000000"/>
+                          </a:solidFill>
+                          <a:effectLst/>
+                          <a:latin typeface="Calibri" panose="020F0502020204030204" pitchFamily="34" charset="0"/>
+                        </a:rPr>
+                        <a:t>90%</a:t>
+                      </a:r>
+                    </a:p>
+                  </a:txBody>
+                  <a:tcPr marL="6350" marR="6350" marT="25400" marB="25400" anchor="ctr">
+                    <a:lnL w="12700" cap="flat" cmpd="sng" algn="ctr">
+                      <a:solidFill>
+                        <a:srgbClr val="FFFFFF"/>
+                      </a:solidFill>
+                      <a:prstDash val="solid"/>
+                      <a:round/>
+                      <a:headEnd type="none" w="med" len="med"/>
+                      <a:tailEnd type="none" w="med" len="med"/>
+                    </a:lnL>
+                    <a:lnR w="12700" cap="flat" cmpd="sng" algn="ctr">
+                      <a:solidFill>
+                        <a:srgbClr val="FFFFFF"/>
+                      </a:solidFill>
+                      <a:prstDash val="solid"/>
+                      <a:round/>
+                      <a:headEnd type="none" w="med" len="med"/>
+                      <a:tailEnd type="none" w="med" len="med"/>
+                    </a:lnR>
+                    <a:lnT w="19050" cap="flat" cmpd="sng" algn="ctr">
+                      <a:solidFill>
+                        <a:srgbClr val="FFFFFF"/>
+                      </a:solidFill>
+                      <a:prstDash val="solid"/>
+                      <a:round/>
+                      <a:headEnd type="none" w="med" len="med"/>
+                      <a:tailEnd type="none" w="med" len="med"/>
+                    </a:lnT>
+                    <a:lnB w="12700" cap="flat" cmpd="sng" algn="ctr">
+                      <a:solidFill>
+                        <a:srgbClr val="FFFFFF"/>
+                      </a:solidFill>
+                      <a:prstDash val="solid"/>
+                      <a:round/>
+                      <a:headEnd type="none" w="med" len="med"/>
+                      <a:tailEnd type="none" w="med" len="med"/>
+                    </a:lnB>
+                    <a:solidFill>
+                      <a:srgbClr val="CBCBCB"/>
+                    </a:solidFill>
+                  </a:tcPr>
+                </a:tc>
+                <a:extLst>
+                  <a:ext uri="{0D108BD9-81ED-4DB2-BD59-A6C34878D82A}">
+                    <a16:rowId xmlns:a16="http://schemas.microsoft.com/office/drawing/2014/main" val="686923676"/>
+                  </a:ext>
+                </a:extLst>
+              </a:tr>
+              <a:tr h="267069">
+                <a:tc>
+                  <a:txBody>
+                    <a:bodyPr/>
+                    <a:lstStyle/>
+                    <a:p>
+                      <a:pPr algn="ctr" rtl="0" fontAlgn="ctr"/>
+                      <a:r>
+                        <a:rPr lang="en-IN" sz="1400" b="0" i="0" u="none" strike="noStrike">
+                          <a:solidFill>
+                            <a:srgbClr val="000000"/>
+                          </a:solidFill>
+                          <a:effectLst/>
+                          <a:latin typeface="Calibri" panose="020F0502020204030204" pitchFamily="34" charset="0"/>
+                        </a:rPr>
+                        <a:t>YEAR</a:t>
+                      </a:r>
+                    </a:p>
+                  </a:txBody>
+                  <a:tcPr marL="5564" marR="5564" marT="22256" marB="22256" anchor="ctr">
+                    <a:lnL w="12700" cap="flat" cmpd="sng" algn="ctr">
+                      <a:solidFill>
+                        <a:srgbClr val="FFFFFF"/>
+                      </a:solidFill>
+                      <a:prstDash val="solid"/>
+                      <a:round/>
+                      <a:headEnd type="none" w="med" len="med"/>
+                      <a:tailEnd type="none" w="med" len="med"/>
+                    </a:lnL>
+                    <a:lnR w="12700" cap="flat" cmpd="sng" algn="ctr">
+                      <a:solidFill>
+                        <a:srgbClr val="FFFFFF"/>
+                      </a:solidFill>
+                      <a:prstDash val="solid"/>
+                      <a:round/>
+                      <a:headEnd type="none" w="med" len="med"/>
+                      <a:tailEnd type="none" w="med" len="med"/>
+                    </a:lnR>
+                    <a:lnT w="12700" cap="flat" cmpd="sng" algn="ctr">
+                      <a:solidFill>
+                        <a:srgbClr val="FFFFFF"/>
+                      </a:solidFill>
+                      <a:prstDash val="solid"/>
+                      <a:round/>
+                      <a:headEnd type="none" w="med" len="med"/>
+                      <a:tailEnd type="none" w="med" len="med"/>
+                    </a:lnT>
+                    <a:lnB w="19050" cap="flat" cmpd="sng" algn="ctr">
+                      <a:solidFill>
+                        <a:srgbClr val="FFFFFF"/>
+                      </a:solidFill>
+                      <a:prstDash val="solid"/>
+                      <a:round/>
+                      <a:headEnd type="none" w="med" len="med"/>
+                      <a:tailEnd type="none" w="med" len="med"/>
+                    </a:lnB>
+                    <a:solidFill>
+                      <a:srgbClr val="E7E7E7"/>
+                    </a:solidFill>
+                  </a:tcPr>
+                </a:tc>
+                <a:tc>
+                  <a:txBody>
+                    <a:bodyPr/>
+                    <a:lstStyle/>
+                    <a:p>
+                      <a:pPr algn="ctr" rtl="0" fontAlgn="ctr"/>
+                      <a:r>
+                        <a:rPr lang="en-IN" sz="1400" b="0" i="0" u="none" strike="noStrike">
+                          <a:solidFill>
+                            <a:srgbClr val="000000"/>
+                          </a:solidFill>
+                          <a:effectLst/>
+                          <a:latin typeface="Calibri" panose="020F0502020204030204" pitchFamily="34" charset="0"/>
+                        </a:rPr>
+                        <a:t>0.93</a:t>
+                      </a:r>
+                    </a:p>
+                  </a:txBody>
+                  <a:tcPr marL="5564" marR="5564" marT="5564" marB="0" anchor="ctr">
+                    <a:lnL w="12700" cap="flat" cmpd="sng" algn="ctr">
+                      <a:solidFill>
+                        <a:srgbClr val="FFFFFF"/>
+                      </a:solidFill>
+                      <a:prstDash val="solid"/>
+                      <a:round/>
+                      <a:headEnd type="none" w="med" len="med"/>
+                      <a:tailEnd type="none" w="med" len="med"/>
+                    </a:lnL>
+                    <a:lnR w="12700" cap="flat" cmpd="sng" algn="ctr">
+                      <a:solidFill>
+                        <a:srgbClr val="FFFFFF"/>
+                      </a:solidFill>
+                      <a:prstDash val="solid"/>
+                      <a:round/>
+                      <a:headEnd type="none" w="med" len="med"/>
+                      <a:tailEnd type="none" w="med" len="med"/>
+                    </a:lnR>
+                    <a:lnT w="12700" cap="flat" cmpd="sng" algn="ctr">
+                      <a:solidFill>
+                        <a:srgbClr val="FFFFFF"/>
+                      </a:solidFill>
+                      <a:prstDash val="solid"/>
+                      <a:round/>
+                      <a:headEnd type="none" w="med" len="med"/>
+                      <a:tailEnd type="none" w="med" len="med"/>
+                    </a:lnT>
+                    <a:lnB w="12700" cap="flat" cmpd="sng" algn="ctr">
+                      <a:solidFill>
+                        <a:srgbClr val="FFFFFF"/>
+                      </a:solidFill>
+                      <a:prstDash val="solid"/>
+                      <a:round/>
+                      <a:headEnd type="none" w="med" len="med"/>
+                      <a:tailEnd type="none" w="med" len="med"/>
+                    </a:lnB>
+                    <a:solidFill>
+                      <a:srgbClr val="E7E7E7"/>
+                    </a:solidFill>
+                  </a:tcPr>
+                </a:tc>
+                <a:tc>
+                  <a:txBody>
+                    <a:bodyPr/>
+                    <a:lstStyle/>
+                    <a:p>
+                      <a:pPr algn="ctr" rtl="0" fontAlgn="ctr"/>
+                      <a:r>
+                        <a:rPr lang="en-IN" sz="1400" b="0" i="0" u="none" strike="noStrike">
+                          <a:solidFill>
+                            <a:srgbClr val="000000"/>
+                          </a:solidFill>
+                          <a:effectLst/>
+                          <a:latin typeface="Calibri" panose="020F0502020204030204" pitchFamily="34" charset="0"/>
+                        </a:rPr>
+                        <a:t>0.94</a:t>
+                      </a:r>
+                    </a:p>
+                  </a:txBody>
+                  <a:tcPr marL="5564" marR="5564" marT="5564" marB="0" anchor="ctr">
+                    <a:lnL w="12700" cap="flat" cmpd="sng" algn="ctr">
+                      <a:solidFill>
+                        <a:srgbClr val="FFFFFF"/>
+                      </a:solidFill>
+                      <a:prstDash val="solid"/>
+                      <a:round/>
+                      <a:headEnd type="none" w="med" len="med"/>
+                      <a:tailEnd type="none" w="med" len="med"/>
+                    </a:lnL>
+                    <a:lnR w="12700" cap="flat" cmpd="sng" algn="ctr">
+                      <a:solidFill>
+                        <a:srgbClr val="FFFFFF"/>
+                      </a:solidFill>
+                      <a:prstDash val="solid"/>
+                      <a:round/>
+                      <a:headEnd type="none" w="med" len="med"/>
+                      <a:tailEnd type="none" w="med" len="med"/>
+                    </a:lnR>
+                    <a:lnT w="12700" cap="flat" cmpd="sng" algn="ctr">
+                      <a:solidFill>
+                        <a:srgbClr val="FFFFFF"/>
+                      </a:solidFill>
+                      <a:prstDash val="solid"/>
+                      <a:round/>
+                      <a:headEnd type="none" w="med" len="med"/>
+                      <a:tailEnd type="none" w="med" len="med"/>
+                    </a:lnT>
+                    <a:lnB w="12700" cap="flat" cmpd="sng" algn="ctr">
+                      <a:solidFill>
+                        <a:srgbClr val="FFFFFF"/>
+                      </a:solidFill>
+                      <a:prstDash val="solid"/>
+                      <a:round/>
+                      <a:headEnd type="none" w="med" len="med"/>
+                      <a:tailEnd type="none" w="med" len="med"/>
+                    </a:lnB>
+                    <a:solidFill>
+                      <a:srgbClr val="E7E7E7"/>
+                    </a:solidFill>
+                  </a:tcPr>
+                </a:tc>
+                <a:tc>
+                  <a:txBody>
+                    <a:bodyPr/>
+                    <a:lstStyle/>
+                    <a:p>
+                      <a:pPr algn="ctr" rtl="0" fontAlgn="ctr"/>
+                      <a:r>
+                        <a:rPr lang="en-IN" sz="1400" b="0" i="0" u="none" strike="noStrike">
+                          <a:solidFill>
+                            <a:srgbClr val="000000"/>
+                          </a:solidFill>
+                          <a:effectLst/>
+                          <a:latin typeface="Calibri" panose="020F0502020204030204" pitchFamily="34" charset="0"/>
+                        </a:rPr>
+                        <a:t>0.9</a:t>
+                      </a:r>
+                    </a:p>
+                  </a:txBody>
+                  <a:tcPr marL="5564" marR="5564" marT="5564" marB="0" anchor="ctr">
+                    <a:lnL w="12700" cap="flat" cmpd="sng" algn="ctr">
+                      <a:solidFill>
+                        <a:srgbClr val="FFFFFF"/>
+                      </a:solidFill>
+                      <a:prstDash val="solid"/>
+                      <a:round/>
+                      <a:headEnd type="none" w="med" len="med"/>
+                      <a:tailEnd type="none" w="med" len="med"/>
+                    </a:lnL>
+                    <a:lnR w="12700" cap="flat" cmpd="sng" algn="ctr">
+                      <a:solidFill>
+                        <a:srgbClr val="FFFFFF"/>
+                      </a:solidFill>
+                      <a:prstDash val="solid"/>
+                      <a:round/>
+                      <a:headEnd type="none" w="med" len="med"/>
+                      <a:tailEnd type="none" w="med" len="med"/>
+                    </a:lnR>
+                    <a:lnT w="12700" cap="flat" cmpd="sng" algn="ctr">
+                      <a:solidFill>
+                        <a:srgbClr val="FFFFFF"/>
+                      </a:solidFill>
+                      <a:prstDash val="solid"/>
+                      <a:round/>
+                      <a:headEnd type="none" w="med" len="med"/>
+                      <a:tailEnd type="none" w="med" len="med"/>
+                    </a:lnT>
+                    <a:lnB w="12700" cap="flat" cmpd="sng" algn="ctr">
+                      <a:solidFill>
+                        <a:srgbClr val="FFFFFF"/>
+                      </a:solidFill>
+                      <a:prstDash val="solid"/>
+                      <a:round/>
+                      <a:headEnd type="none" w="med" len="med"/>
+                      <a:tailEnd type="none" w="med" len="med"/>
+                    </a:lnB>
+                    <a:solidFill>
+                      <a:srgbClr val="E7E7E7"/>
+                    </a:solidFill>
+                  </a:tcPr>
+                </a:tc>
+                <a:tc>
+                  <a:txBody>
+                    <a:bodyPr/>
+                    <a:lstStyle/>
+                    <a:p>
+                      <a:pPr algn="ctr" rtl="0" fontAlgn="ctr"/>
+                      <a:r>
+                        <a:rPr lang="en-IN" sz="1400" b="0" i="0" u="none" strike="noStrike">
+                          <a:solidFill>
+                            <a:srgbClr val="000000"/>
+                          </a:solidFill>
+                          <a:effectLst/>
+                          <a:latin typeface="Calibri" panose="020F0502020204030204" pitchFamily="34" charset="0"/>
+                        </a:rPr>
+                        <a:t>459</a:t>
+                      </a:r>
+                    </a:p>
+                  </a:txBody>
+                  <a:tcPr marL="5564" marR="5564" marT="22256" marB="22256" anchor="ctr">
+                    <a:lnL w="12700" cap="flat" cmpd="sng" algn="ctr">
+                      <a:solidFill>
+                        <a:srgbClr val="FFFFFF"/>
+                      </a:solidFill>
+                      <a:prstDash val="solid"/>
+                      <a:round/>
+                      <a:headEnd type="none" w="med" len="med"/>
+                      <a:tailEnd type="none" w="med" len="med"/>
+                    </a:lnL>
+                    <a:lnR w="12700" cap="flat" cmpd="sng" algn="ctr">
+                      <a:solidFill>
+                        <a:srgbClr val="FFFFFF"/>
+                      </a:solidFill>
+                      <a:prstDash val="solid"/>
+                      <a:round/>
+                      <a:headEnd type="none" w="med" len="med"/>
+                      <a:tailEnd type="none" w="med" len="med"/>
+                    </a:lnR>
+                    <a:lnT w="12700" cap="flat" cmpd="sng" algn="ctr">
+                      <a:solidFill>
+                        <a:srgbClr val="FFFFFF"/>
+                      </a:solidFill>
+                      <a:prstDash val="solid"/>
+                      <a:round/>
+                      <a:headEnd type="none" w="med" len="med"/>
+                      <a:tailEnd type="none" w="med" len="med"/>
+                    </a:lnT>
+                    <a:lnB w="19050" cap="flat" cmpd="sng" algn="ctr">
+                      <a:solidFill>
+                        <a:srgbClr val="FFFFFF"/>
+                      </a:solidFill>
+                      <a:prstDash val="solid"/>
+                      <a:round/>
+                      <a:headEnd type="none" w="med" len="med"/>
+                      <a:tailEnd type="none" w="med" len="med"/>
+                    </a:lnB>
+                    <a:solidFill>
+                      <a:srgbClr val="E7E7E7"/>
+                    </a:solidFill>
+                  </a:tcPr>
+                </a:tc>
+                <a:tc>
+                  <a:txBody>
+                    <a:bodyPr/>
+                    <a:lstStyle/>
+                    <a:p>
+                      <a:pPr algn="ctr" rtl="0" fontAlgn="ctr"/>
+                      <a:r>
+                        <a:rPr lang="en-IN" sz="1400" b="0" i="0" u="none" strike="noStrike">
+                          <a:solidFill>
+                            <a:srgbClr val="000000"/>
+                          </a:solidFill>
+                          <a:effectLst/>
+                          <a:latin typeface="Calibri" panose="020F0502020204030204" pitchFamily="34" charset="0"/>
+                        </a:rPr>
+                        <a:t>55</a:t>
+                      </a:r>
+                    </a:p>
+                  </a:txBody>
+                  <a:tcPr marL="5564" marR="5564" marT="22256" marB="22256" anchor="ctr">
+                    <a:lnL w="12700" cap="flat" cmpd="sng" algn="ctr">
+                      <a:solidFill>
+                        <a:srgbClr val="FFFFFF"/>
+                      </a:solidFill>
+                      <a:prstDash val="solid"/>
+                      <a:round/>
+                      <a:headEnd type="none" w="med" len="med"/>
+                      <a:tailEnd type="none" w="med" len="med"/>
+                    </a:lnL>
+                    <a:lnR w="12700" cap="flat" cmpd="sng" algn="ctr">
+                      <a:solidFill>
+                        <a:srgbClr val="FFFFFF"/>
+                      </a:solidFill>
+                      <a:prstDash val="solid"/>
+                      <a:round/>
+                      <a:headEnd type="none" w="med" len="med"/>
+                      <a:tailEnd type="none" w="med" len="med"/>
+                    </a:lnR>
+                    <a:lnT w="12700" cap="flat" cmpd="sng" algn="ctr">
+                      <a:solidFill>
+                        <a:srgbClr val="FFFFFF"/>
+                      </a:solidFill>
+                      <a:prstDash val="solid"/>
+                      <a:round/>
+                      <a:headEnd type="none" w="med" len="med"/>
+                      <a:tailEnd type="none" w="med" len="med"/>
+                    </a:lnT>
+                    <a:lnB w="19050" cap="flat" cmpd="sng" algn="ctr">
+                      <a:solidFill>
+                        <a:srgbClr val="FFFFFF"/>
+                      </a:solidFill>
+                      <a:prstDash val="solid"/>
+                      <a:round/>
+                      <a:headEnd type="none" w="med" len="med"/>
+                      <a:tailEnd type="none" w="med" len="med"/>
+                    </a:lnB>
+                    <a:solidFill>
+                      <a:srgbClr val="E7E7E7"/>
+                    </a:solidFill>
+                  </a:tcPr>
+                </a:tc>
+                <a:tc>
+                  <a:txBody>
+                    <a:bodyPr/>
+                    <a:lstStyle/>
+                    <a:p>
+                      <a:pPr algn="ctr" rtl="0" fontAlgn="ctr"/>
+                      <a:r>
+                        <a:rPr lang="en-IN" sz="1400" b="0" i="0" u="none" strike="noStrike">
+                          <a:solidFill>
+                            <a:srgbClr val="000000"/>
+                          </a:solidFill>
+                          <a:effectLst/>
+                          <a:latin typeface="Calibri" panose="020F0502020204030204" pitchFamily="34" charset="0"/>
+                        </a:rPr>
+                        <a:t>404</a:t>
+                      </a:r>
+                    </a:p>
+                  </a:txBody>
+                  <a:tcPr marL="5564" marR="5564" marT="22256" marB="22256" anchor="ctr">
+                    <a:lnL w="12700" cap="flat" cmpd="sng" algn="ctr">
+                      <a:solidFill>
+                        <a:srgbClr val="FFFFFF"/>
+                      </a:solidFill>
+                      <a:prstDash val="solid"/>
+                      <a:round/>
+                      <a:headEnd type="none" w="med" len="med"/>
+                      <a:tailEnd type="none" w="med" len="med"/>
+                    </a:lnL>
+                    <a:lnR w="12700" cap="flat" cmpd="sng" algn="ctr">
+                      <a:solidFill>
+                        <a:srgbClr val="FFFFFF"/>
+                      </a:solidFill>
+                      <a:prstDash val="solid"/>
+                      <a:round/>
+                      <a:headEnd type="none" w="med" len="med"/>
+                      <a:tailEnd type="none" w="med" len="med"/>
+                    </a:lnR>
+                    <a:lnT w="12700" cap="flat" cmpd="sng" algn="ctr">
+                      <a:solidFill>
+                        <a:srgbClr val="FFFFFF"/>
+                      </a:solidFill>
+                      <a:prstDash val="solid"/>
+                      <a:round/>
+                      <a:headEnd type="none" w="med" len="med"/>
+                      <a:tailEnd type="none" w="med" len="med"/>
+                    </a:lnT>
+                    <a:lnB w="19050" cap="flat" cmpd="sng" algn="ctr">
+                      <a:solidFill>
+                        <a:srgbClr val="FFFFFF"/>
+                      </a:solidFill>
+                      <a:prstDash val="solid"/>
+                      <a:round/>
+                      <a:headEnd type="none" w="med" len="med"/>
+                      <a:tailEnd type="none" w="med" len="med"/>
+                    </a:lnB>
+                    <a:solidFill>
+                      <a:srgbClr val="E7E7E7"/>
+                    </a:solidFill>
+                  </a:tcPr>
+                </a:tc>
+                <a:tc>
+                  <a:txBody>
+                    <a:bodyPr/>
+                    <a:lstStyle/>
+                    <a:p>
+                      <a:pPr algn="ctr" rtl="0" fontAlgn="ctr"/>
+                      <a:r>
+                        <a:rPr lang="en-IN" sz="1400" b="0" i="0" u="none" strike="noStrike" dirty="0">
+                          <a:solidFill>
+                            <a:srgbClr val="000000"/>
+                          </a:solidFill>
+                          <a:effectLst/>
+                          <a:latin typeface="Calibri" panose="020F0502020204030204" pitchFamily="34" charset="0"/>
+                        </a:rPr>
+                        <a:t>90%</a:t>
+                      </a:r>
+                    </a:p>
+                  </a:txBody>
+                  <a:tcPr marL="6350" marR="6350" marT="25400" marB="25400" anchor="ctr">
+                    <a:lnL w="12700" cap="flat" cmpd="sng" algn="ctr">
+                      <a:solidFill>
+                        <a:srgbClr val="FFFFFF"/>
+                      </a:solidFill>
+                      <a:prstDash val="solid"/>
+                      <a:round/>
+                      <a:headEnd type="none" w="med" len="med"/>
+                      <a:tailEnd type="none" w="med" len="med"/>
+                    </a:lnL>
+                    <a:lnR w="12700" cap="flat" cmpd="sng" algn="ctr">
+                      <a:solidFill>
+                        <a:srgbClr val="FFFFFF"/>
+                      </a:solidFill>
+                      <a:prstDash val="solid"/>
+                      <a:round/>
+                      <a:headEnd type="none" w="med" len="med"/>
+                      <a:tailEnd type="none" w="med" len="med"/>
+                    </a:lnR>
+                    <a:lnT w="12700" cap="flat" cmpd="sng" algn="ctr">
+                      <a:solidFill>
+                        <a:srgbClr val="FFFFFF"/>
+                      </a:solidFill>
+                      <a:prstDash val="solid"/>
+                      <a:round/>
+                      <a:headEnd type="none" w="med" len="med"/>
+                      <a:tailEnd type="none" w="med" len="med"/>
+                    </a:lnT>
+                    <a:lnB w="19050" cap="flat" cmpd="sng" algn="ctr">
+                      <a:solidFill>
+                        <a:srgbClr val="FFFFFF"/>
+                      </a:solidFill>
+                      <a:prstDash val="solid"/>
+                      <a:round/>
+                      <a:headEnd type="none" w="med" len="med"/>
+                      <a:tailEnd type="none" w="med" len="med"/>
+                    </a:lnB>
+                    <a:solidFill>
+                      <a:srgbClr val="E7E7E7"/>
+                    </a:solidFill>
+                  </a:tcPr>
+                </a:tc>
+                <a:extLst>
+                  <a:ext uri="{0D108BD9-81ED-4DB2-BD59-A6C34878D82A}">
+                    <a16:rowId xmlns:a16="http://schemas.microsoft.com/office/drawing/2014/main" val="3410370309"/>
+                  </a:ext>
+                </a:extLst>
+              </a:tr>
+            </a:tbl>
+          </a:graphicData>
+        </a:graphic>
+      </p:graphicFrame>
+    </p:spTree>
+    <p:extLst>
+      <p:ext uri="{BB962C8B-B14F-4D97-AF65-F5344CB8AC3E}">
+        <p14:creationId xmlns:p14="http://schemas.microsoft.com/office/powerpoint/2010/main" val="3284875228"/>
+      </p:ext>
+    </p:extLst>
+  </p:cSld>
+  <p:clrMapOvr>
+    <a:masterClrMapping/>
+  </p:clrMapOvr>
+  <mc:AlternateContent xmlns:mc="http://schemas.openxmlformats.org/markup-compatibility/2006" xmlns:p14="http://schemas.microsoft.com/office/powerpoint/2010/main">
+    <mc:Choice Requires="p14">
+      <p:transition spd="med" p14:dur="700">
+        <p:fade/>
+      </p:transition>
+    </mc:Choice>
+    <mc:Fallback xmlns="">
+      <p:transition spd="med">
+        <p:fade/>
+      </p:transition>
+    </mc:Fallback>
+  </mc:AlternateContent>
+</p:sld>
+</file>
+
+<file path=ppt/slides/slide7.xml><?xml version="1.0" encoding="utf-8"?>
 <p:sld xmlns:a="http://schemas.openxmlformats.org/drawingml/2006/main" xmlns:r="http://schemas.openxmlformats.org/officeDocument/2006/relationships" xmlns:p="http://schemas.openxmlformats.org/presentationml/2006/main">
   <p:cSld>
     <p:spTree>
@@ -14331,6 +20823,15 @@
 </file>
 
 <file path=customXml/item1.xml><?xml version="1.0" encoding="utf-8"?>
+<?mso-contentType ?>
+<FormTemplates xmlns="http://schemas.microsoft.com/sharepoint/v3/contenttype/forms">
+  <Display>DocumentLibraryForm</Display>
+  <Edit>DocumentLibraryForm</Edit>
+  <New>DocumentLibraryForm</New>
+</FormTemplates>
+</file>
+
+<file path=customXml/item2.xml><?xml version="1.0" encoding="utf-8"?>
 <ct:contentTypeSchema xmlns:ct="http://schemas.microsoft.com/office/2006/metadata/contentType" xmlns:ma="http://schemas.microsoft.com/office/2006/metadata/properties/metaAttributes" ct:_="" ma:_="" ma:contentTypeName="Document" ma:contentTypeID="0x010100BDCA1F95AA7437488A88535F150B3100" ma:contentTypeVersion="2" ma:contentTypeDescription="Create a new document." ma:contentTypeScope="" ma:versionID="40ed373a5ddfacd39e4626c938c5fc29">
   <xsd:schema xmlns:xsd="http://www.w3.org/2001/XMLSchema" xmlns:xs="http://www.w3.org/2001/XMLSchema" xmlns:p="http://schemas.microsoft.com/office/2006/metadata/properties" xmlns:ns3="2e05726e-ee28-414f-b202-22871e591d42" targetNamespace="http://schemas.microsoft.com/office/2006/metadata/properties" ma:root="true" ma:fieldsID="68e7e93977ce331e44e33be614b26fd2" ns3:_="">
     <xsd:import namespace="2e05726e-ee28-414f-b202-22871e591d42"/>
@@ -14462,15 +20963,6 @@
 </ct:contentTypeSchema>
 </file>
 
-<file path=customXml/item2.xml><?xml version="1.0" encoding="utf-8"?>
-<?mso-contentType ?>
-<FormTemplates xmlns="http://schemas.microsoft.com/sharepoint/v3/contenttype/forms">
-  <Display>DocumentLibraryForm</Display>
-  <Edit>DocumentLibraryForm</Edit>
-  <New>DocumentLibraryForm</New>
-</FormTemplates>
-</file>
-
 <file path=customXml/item3.xml><?xml version="1.0" encoding="utf-8"?>
 <p:properties xmlns:p="http://schemas.microsoft.com/office/2006/metadata/properties" xmlns:xsi="http://www.w3.org/2001/XMLSchema-instance" xmlns:pc="http://schemas.microsoft.com/office/infopath/2007/PartnerControls">
   <documentManagement/>
@@ -14478,6 +20970,14 @@
 </file>
 
 <file path=customXml/itemProps1.xml><?xml version="1.0" encoding="utf-8"?>
+<ds:datastoreItem xmlns:ds="http://schemas.openxmlformats.org/officeDocument/2006/customXml" ds:itemID="{73A66F11-C1F2-4A8D-ABF5-F7DCECB2C2AF}">
+  <ds:schemaRefs>
+    <ds:schemaRef ds:uri="http://schemas.microsoft.com/sharepoint/v3/contenttype/forms"/>
+  </ds:schemaRefs>
+</ds:datastoreItem>
+</file>
+
+<file path=customXml/itemProps2.xml><?xml version="1.0" encoding="utf-8"?>
 <ds:datastoreItem xmlns:ds="http://schemas.openxmlformats.org/officeDocument/2006/customXml" ds:itemID="{7CF325B9-D4A8-4C98-9B67-B4BA6B2E094A}">
   <ds:schemaRefs>
     <ds:schemaRef ds:uri="http://schemas.microsoft.com/office/2006/metadata/contentType"/>
@@ -14491,14 +20991,6 @@
     <ds:schemaRef ds:uri="http://purl.org/dc/elements/1.1/"/>
     <ds:schemaRef ds:uri="http://purl.org/dc/terms/"/>
     <ds:schemaRef ds:uri="http://schemas.microsoft.com/internal/obd"/>
-  </ds:schemaRefs>
-</ds:datastoreItem>
-</file>
-
-<file path=customXml/itemProps2.xml><?xml version="1.0" encoding="utf-8"?>
-<ds:datastoreItem xmlns:ds="http://schemas.openxmlformats.org/officeDocument/2006/customXml" ds:itemID="{73A66F11-C1F2-4A8D-ABF5-F7DCECB2C2AF}">
-  <ds:schemaRefs>
-    <ds:schemaRef ds:uri="http://schemas.microsoft.com/sharepoint/v3/contenttype/forms"/>
   </ds:schemaRefs>
 </ds:datastoreItem>
 </file>
